--- a/kuendigung_12-06_kaktuell.pptx
+++ b/kuendigung_12-06_kaktuell.pptx
@@ -4974,14 +4974,14 @@
           <a:effectLst/>
           <a:extLst>
             <a:ext uri="{909E8E84-426E-40dd-AFC4-6F175D3DCCD1}">
-              <a14:hiddenFill xmlns="" xmlns:a14="http://schemas.microsoft.com/office/drawing/2010/main">
+              <a14:hiddenFill xmlns:a14="http://schemas.microsoft.com/office/drawing/2010/main" xmlns="">
                 <a:solidFill>
                   <a:schemeClr val="accent1"/>
                 </a:solidFill>
               </a14:hiddenFill>
             </a:ext>
             <a:ext uri="{91240B29-F687-4f45-9708-019B960494DF}">
-              <a14:hiddenLine xmlns="" xmlns:a14="http://schemas.microsoft.com/office/drawing/2010/main" w="9525">
+              <a14:hiddenLine xmlns:a14="http://schemas.microsoft.com/office/drawing/2010/main" xmlns="" w="9525">
                 <a:solidFill>
                   <a:schemeClr val="tx1"/>
                 </a:solidFill>
@@ -4991,7 +4991,7 @@
               </a14:hiddenLine>
             </a:ext>
             <a:ext uri="{AF507438-7753-43e0-B8FC-AC1667EBCBE1}">
-              <a14:hiddenEffects xmlns="" xmlns:a14="http://schemas.microsoft.com/office/drawing/2010/main">
+              <a14:hiddenEffects xmlns:a14="http://schemas.microsoft.com/office/drawing/2010/main" xmlns="">
                 <a:effectLst>
                   <a:outerShdw blurRad="63500" dist="38099" dir="2700000" algn="ctr" rotWithShape="0">
                     <a:schemeClr val="bg2">
@@ -5002,7 +5002,7 @@
               </a14:hiddenEffects>
             </a:ext>
             <a:ext uri="{FAA26D3D-D897-4be2-8F04-BA451C77F1D7}">
-              <ma14:placeholderFlag xmlns="" xmlns:ma14="http://schemas.microsoft.com/office/mac/drawingml/2011/main" val="1"/>
+              <ma14:placeholderFlag xmlns:ma14="http://schemas.microsoft.com/office/mac/drawingml/2011/main" xmlns="" val="1"/>
             </a:ext>
           </a:extLst>
         </p:spPr>
@@ -5052,14 +5052,14 @@
           <a:effectLst/>
           <a:extLst>
             <a:ext uri="{909E8E84-426E-40dd-AFC4-6F175D3DCCD1}">
-              <a14:hiddenFill xmlns="" xmlns:a14="http://schemas.microsoft.com/office/drawing/2010/main">
+              <a14:hiddenFill xmlns:a14="http://schemas.microsoft.com/office/drawing/2010/main" xmlns="">
                 <a:solidFill>
                   <a:schemeClr val="accent1"/>
                 </a:solidFill>
               </a14:hiddenFill>
             </a:ext>
             <a:ext uri="{91240B29-F687-4f45-9708-019B960494DF}">
-              <a14:hiddenLine xmlns="" xmlns:a14="http://schemas.microsoft.com/office/drawing/2010/main" w="9525">
+              <a14:hiddenLine xmlns:a14="http://schemas.microsoft.com/office/drawing/2010/main" xmlns="" w="9525">
                 <a:solidFill>
                   <a:schemeClr val="tx1"/>
                 </a:solidFill>
@@ -5069,7 +5069,7 @@
               </a14:hiddenLine>
             </a:ext>
             <a:ext uri="{AF507438-7753-43e0-B8FC-AC1667EBCBE1}">
-              <a14:hiddenEffects xmlns="" xmlns:a14="http://schemas.microsoft.com/office/drawing/2010/main">
+              <a14:hiddenEffects xmlns:a14="http://schemas.microsoft.com/office/drawing/2010/main" xmlns="">
                 <a:effectLst>
                   <a:outerShdw blurRad="63500" dist="38099" dir="2700000" algn="ctr" rotWithShape="0">
                     <a:schemeClr val="bg2">
@@ -5080,7 +5080,7 @@
               </a14:hiddenEffects>
             </a:ext>
             <a:ext uri="{FAA26D3D-D897-4be2-8F04-BA451C77F1D7}">
-              <ma14:placeholderFlag xmlns="" xmlns:ma14="http://schemas.microsoft.com/office/mac/drawingml/2011/main" val="1"/>
+              <ma14:placeholderFlag xmlns:ma14="http://schemas.microsoft.com/office/mac/drawingml/2011/main" xmlns="" val="1"/>
             </a:ext>
           </a:extLst>
         </p:spPr>
@@ -5130,14 +5130,14 @@
           <a:effectLst/>
           <a:extLst>
             <a:ext uri="{909E8E84-426E-40dd-AFC4-6F175D3DCCD1}">
-              <a14:hiddenFill xmlns="" xmlns:a14="http://schemas.microsoft.com/office/drawing/2010/main">
+              <a14:hiddenFill xmlns:a14="http://schemas.microsoft.com/office/drawing/2010/main" xmlns="">
                 <a:solidFill>
                   <a:schemeClr val="accent1"/>
                 </a:solidFill>
               </a14:hiddenFill>
             </a:ext>
             <a:ext uri="{91240B29-F687-4f45-9708-019B960494DF}">
-              <a14:hiddenLine xmlns="" xmlns:a14="http://schemas.microsoft.com/office/drawing/2010/main" w="9525">
+              <a14:hiddenLine xmlns:a14="http://schemas.microsoft.com/office/drawing/2010/main" xmlns="" w="9525">
                 <a:solidFill>
                   <a:schemeClr val="tx1"/>
                 </a:solidFill>
@@ -5147,7 +5147,7 @@
               </a14:hiddenLine>
             </a:ext>
             <a:ext uri="{AF507438-7753-43e0-B8FC-AC1667EBCBE1}">
-              <a14:hiddenEffects xmlns="" xmlns:a14="http://schemas.microsoft.com/office/drawing/2010/main">
+              <a14:hiddenEffects xmlns:a14="http://schemas.microsoft.com/office/drawing/2010/main" xmlns="">
                 <a:effectLst>
                   <a:outerShdw blurRad="63500" dist="38099" dir="2700000" algn="ctr" rotWithShape="0">
                     <a:schemeClr val="bg2">
@@ -5158,7 +5158,7 @@
               </a14:hiddenEffects>
             </a:ext>
             <a:ext uri="{FAA26D3D-D897-4be2-8F04-BA451C77F1D7}">
-              <ma14:placeholderFlag xmlns="" xmlns:ma14="http://schemas.microsoft.com/office/mac/drawingml/2011/main" val="1"/>
+              <ma14:placeholderFlag xmlns:ma14="http://schemas.microsoft.com/office/mac/drawingml/2011/main" xmlns="" val="1"/>
             </a:ext>
           </a:extLst>
         </p:spPr>
@@ -5208,14 +5208,14 @@
           <a:effectLst/>
           <a:extLst>
             <a:ext uri="{909E8E84-426E-40dd-AFC4-6F175D3DCCD1}">
-              <a14:hiddenFill xmlns="" xmlns:a14="http://schemas.microsoft.com/office/drawing/2010/main">
+              <a14:hiddenFill xmlns:a14="http://schemas.microsoft.com/office/drawing/2010/main" xmlns="">
                 <a:solidFill>
                   <a:schemeClr val="accent1"/>
                 </a:solidFill>
               </a14:hiddenFill>
             </a:ext>
             <a:ext uri="{91240B29-F687-4f45-9708-019B960494DF}">
-              <a14:hiddenLine xmlns="" xmlns:a14="http://schemas.microsoft.com/office/drawing/2010/main" w="9525">
+              <a14:hiddenLine xmlns:a14="http://schemas.microsoft.com/office/drawing/2010/main" xmlns="" w="9525">
                 <a:solidFill>
                   <a:schemeClr val="tx1"/>
                 </a:solidFill>
@@ -5225,7 +5225,7 @@
               </a14:hiddenLine>
             </a:ext>
             <a:ext uri="{AF507438-7753-43e0-B8FC-AC1667EBCBE1}">
-              <a14:hiddenEffects xmlns="" xmlns:a14="http://schemas.microsoft.com/office/drawing/2010/main">
+              <a14:hiddenEffects xmlns:a14="http://schemas.microsoft.com/office/drawing/2010/main" xmlns="">
                 <a:effectLst>
                   <a:outerShdw blurRad="63500" dist="38099" dir="2700000" algn="ctr" rotWithShape="0">
                     <a:schemeClr val="bg2">
@@ -5236,7 +5236,7 @@
               </a14:hiddenEffects>
             </a:ext>
             <a:ext uri="{FAA26D3D-D897-4be2-8F04-BA451C77F1D7}">
-              <ma14:placeholderFlag xmlns="" xmlns:ma14="http://schemas.microsoft.com/office/mac/drawingml/2011/main" val="1"/>
+              <ma14:placeholderFlag xmlns:ma14="http://schemas.microsoft.com/office/mac/drawingml/2011/main" xmlns="" val="1"/>
             </a:ext>
           </a:extLst>
         </p:spPr>
@@ -5333,7 +5333,7 @@
           <a:effectLst/>
           <a:extLst>
             <a:ext uri="{AF507438-7753-43e0-B8FC-AC1667EBCBE1}">
-              <a14:hiddenEffects xmlns="" xmlns:a14="http://schemas.microsoft.com/office/drawing/2010/main">
+              <a14:hiddenEffects xmlns:a14="http://schemas.microsoft.com/office/drawing/2010/main" xmlns="">
                 <a:effectLst>
                   <a:outerShdw blurRad="63500" dist="38099" dir="2700000" algn="ctr" rotWithShape="0">
                     <a:srgbClr val="000000">
@@ -5344,7 +5344,7 @@
               </a14:hiddenEffects>
             </a:ext>
             <a:ext uri="{53640926-AAD7-44d8-BBD7-CCE9431645EC}">
-              <a14:shadowObscured xmlns="" xmlns:a14="http://schemas.microsoft.com/office/drawing/2010/main" val="1"/>
+              <a14:shadowObscured xmlns:a14="http://schemas.microsoft.com/office/drawing/2010/main" xmlns="" val="1"/>
             </a:ext>
           </a:extLst>
         </p:spPr>
@@ -5374,14 +5374,14 @@
           <a:effectLst/>
           <a:extLst>
             <a:ext uri="{909E8E84-426E-40dd-AFC4-6F175D3DCCD1}">
-              <a14:hiddenFill xmlns="" xmlns:a14="http://schemas.microsoft.com/office/drawing/2010/main">
+              <a14:hiddenFill xmlns:a14="http://schemas.microsoft.com/office/drawing/2010/main" xmlns="">
                 <a:solidFill>
                   <a:schemeClr val="accent1"/>
                 </a:solidFill>
               </a14:hiddenFill>
             </a:ext>
             <a:ext uri="{91240B29-F687-4f45-9708-019B960494DF}">
-              <a14:hiddenLine xmlns="" xmlns:a14="http://schemas.microsoft.com/office/drawing/2010/main" w="9525">
+              <a14:hiddenLine xmlns:a14="http://schemas.microsoft.com/office/drawing/2010/main" xmlns="" w="9525">
                 <a:solidFill>
                   <a:schemeClr val="tx1"/>
                 </a:solidFill>
@@ -5391,7 +5391,7 @@
               </a14:hiddenLine>
             </a:ext>
             <a:ext uri="{AF507438-7753-43e0-B8FC-AC1667EBCBE1}">
-              <a14:hiddenEffects xmlns="" xmlns:a14="http://schemas.microsoft.com/office/drawing/2010/main">
+              <a14:hiddenEffects xmlns:a14="http://schemas.microsoft.com/office/drawing/2010/main" xmlns="">
                 <a:effectLst>
                   <a:outerShdw blurRad="63500" dist="38099" dir="2700000" algn="ctr" rotWithShape="0">
                     <a:schemeClr val="bg2">
@@ -5402,7 +5402,7 @@
               </a14:hiddenEffects>
             </a:ext>
             <a:ext uri="{FAA26D3D-D897-4be2-8F04-BA451C77F1D7}">
-              <ma14:placeholderFlag xmlns="" xmlns:ma14="http://schemas.microsoft.com/office/mac/drawingml/2011/main" val="1"/>
+              <ma14:placeholderFlag xmlns:ma14="http://schemas.microsoft.com/office/mac/drawingml/2011/main" xmlns="" val="1"/>
             </a:ext>
           </a:extLst>
         </p:spPr>
@@ -5587,7 +5587,7 @@
           <a:ln/>
           <a:extLst>
             <a:ext uri="{FAA26D3D-D897-4be2-8F04-BA451C77F1D7}">
-              <ma14:placeholderFlag xmlns="" xmlns:ma14="http://schemas.microsoft.com/office/mac/drawingml/2011/main" val="1"/>
+              <ma14:placeholderFlag xmlns:ma14="http://schemas.microsoft.com/office/mac/drawingml/2011/main" xmlns="" val="1"/>
             </a:ext>
           </a:extLst>
         </p:spPr>
@@ -5665,15 +5665,42 @@
           <a:p>
             <a:r>
               <a:rPr lang="de-DE" dirty="0"/>
-              <a:t>Mehr Informationen – Datei Inhalt - nennen</a:t>
-            </a:r>
+              <a:t>-das Auftreten des Arbeitgebers bringt Max aus der Fassung</a:t>
+            </a:r>
+          </a:p>
+          <a:p>
+            <a:r>
+              <a:rPr lang="de-DE" dirty="0"/>
+              <a:t>-Max kann mit der Situation nicht umgehen</a:t>
+            </a:r>
+          </a:p>
+          <a:p>
+            <a:r>
+              <a:rPr lang="de-DE" dirty="0"/>
+              <a:t>-Max stimmt deswegen zu</a:t>
+            </a:r>
+          </a:p>
+          <a:p>
+            <a:r>
+              <a:rPr lang="de-DE" dirty="0"/>
+              <a:t>-aber Max kann seine Zustimmung wegen der Drohung anfechten</a:t>
+            </a:r>
+          </a:p>
+          <a:p>
+            <a:r>
+              <a:rPr lang="de-DE" dirty="0"/>
+              <a:t>-Anfechtung lernen wir nun als nächstes</a:t>
+            </a:r>
+          </a:p>
+          <a:p>
+            <a:endParaRPr lang="de-DE" dirty="0"/>
           </a:p>
         </p:txBody>
       </p:sp>
     </p:spTree>
     <p:extLst>
       <p:ext uri="{BB962C8B-B14F-4D97-AF65-F5344CB8AC3E}">
-        <p14:creationId xmlns:p14="http://schemas.microsoft.com/office/powerpoint/2010/main" val="2483484080"/>
+        <p14:creationId xmlns:p14="http://schemas.microsoft.com/office/powerpoint/2010/main" val="2075759627"/>
       </p:ext>
     </p:extLst>
   </p:cSld>
@@ -5727,26 +5754,45 @@
           <a:bodyPr/>
           <a:lstStyle/>
           <a:p>
-            <a:pPr marL="0" marR="0" lvl="0" indent="0" algn="ctr" defTabSz="914400" rtl="0" eaLnBrk="1" fontAlgn="base" latinLnBrk="0" hangingPunct="1">
-              <a:lnSpc>
-                <a:spcPct val="100000"/>
-              </a:lnSpc>
-              <a:spcBef>
-                <a:spcPct val="30000"/>
-              </a:spcBef>
-              <a:spcAft>
-                <a:spcPct val="0"/>
-              </a:spcAft>
-              <a:buClrTx/>
-              <a:buSzTx/>
-              <a:buFontTx/>
-              <a:buNone/>
-              <a:tabLst/>
-              <a:defRPr/>
-            </a:pPr>
             <a:r>
               <a:rPr lang="de-DE" dirty="0"/>
-              <a:t>Frage in die Runde – Aufklärung durch Erklärung des Themas </a:t>
+              <a:t>-jede Vertragspartei kann den Arbeitsvertrag anfechten wenn es einen Grund gibt</a:t>
+            </a:r>
+          </a:p>
+          <a:p>
+            <a:r>
+              <a:rPr lang="de-DE" dirty="0"/>
+              <a:t>-Gründe sind: Irrtum, arglistige Täuschung. Widerrechtliche Drohung</a:t>
+            </a:r>
+          </a:p>
+          <a:p>
+            <a:r>
+              <a:rPr lang="de-DE" dirty="0"/>
+              <a:t>-die Erklärung zur Anfechtung ist eine empfangsbedürftige Willenserklärung</a:t>
+            </a:r>
+          </a:p>
+          <a:p>
+            <a:r>
+              <a:rPr lang="de-DE" dirty="0"/>
+              <a:t>-was genau das heißt sehen wir dann später</a:t>
+            </a:r>
+          </a:p>
+          <a:p>
+            <a:r>
+              <a:rPr lang="de-DE" dirty="0"/>
+              <a:t>-das Rechtsgeschäft bzw. der Vertrag sind dann von Anfang an nichtig</a:t>
+            </a:r>
+          </a:p>
+          <a:p>
+            <a:r>
+              <a:rPr lang="de-DE" dirty="0"/>
+              <a:t>-Leistungen werden nicht rückabgewickelt</a:t>
+            </a:r>
+          </a:p>
+          <a:p>
+            <a:r>
+              <a:rPr lang="de-DE" dirty="0"/>
+              <a:t>-heißt wenn schon gearbeitet und vergütet wurde bleibt dies unangetastet</a:t>
             </a:r>
           </a:p>
           <a:p>
@@ -5757,7 +5803,7 @@
     </p:spTree>
     <p:extLst>
       <p:ext uri="{BB962C8B-B14F-4D97-AF65-F5344CB8AC3E}">
-        <p14:creationId xmlns:p14="http://schemas.microsoft.com/office/powerpoint/2010/main" val="2328256058"/>
+        <p14:creationId xmlns:p14="http://schemas.microsoft.com/office/powerpoint/2010/main" val="714515315"/>
       </p:ext>
     </p:extLst>
   </p:cSld>
@@ -5811,6 +5857,42 @@
           <a:bodyPr/>
           <a:lstStyle/>
           <a:p>
+            <a:r>
+              <a:rPr lang="de-DE" dirty="0"/>
+              <a:t>-die Kündigung ist etwas komplizierter</a:t>
+            </a:r>
+          </a:p>
+          <a:p>
+            <a:r>
+              <a:rPr lang="de-DE" dirty="0"/>
+              <a:t>-beide Parteien haben das Recht zu Kündigung </a:t>
+            </a:r>
+          </a:p>
+          <a:p>
+            <a:r>
+              <a:rPr lang="de-DE" dirty="0"/>
+              <a:t>-wir unterscheiden dabei in: Regelfall und Ausnahme Situation</a:t>
+            </a:r>
+          </a:p>
+          <a:p>
+            <a:r>
+              <a:rPr lang="de-DE" dirty="0"/>
+              <a:t>-wir haben Motiv oder Anlass der Kündigung: ordentlich und außerordentlich</a:t>
+            </a:r>
+          </a:p>
+          <a:p>
+            <a:r>
+              <a:rPr lang="de-DE" dirty="0"/>
+              <a:t>-Unterschiede bei der Frist: fristgemäß und fristlos</a:t>
+            </a:r>
+          </a:p>
+          <a:p>
+            <a:r>
+              <a:rPr lang="de-DE" dirty="0"/>
+              <a:t>-Unterschiedliche Wirkung: Beendigungskündigung und Änderungskündigung</a:t>
+            </a:r>
+          </a:p>
+          <a:p>
             <a:endParaRPr lang="de-DE" dirty="0"/>
           </a:p>
         </p:txBody>
@@ -5818,7 +5900,7 @@
     </p:spTree>
     <p:extLst>
       <p:ext uri="{BB962C8B-B14F-4D97-AF65-F5344CB8AC3E}">
-        <p14:creationId xmlns:p14="http://schemas.microsoft.com/office/powerpoint/2010/main" val="2927870195"/>
+        <p14:creationId xmlns:p14="http://schemas.microsoft.com/office/powerpoint/2010/main" val="707712488"/>
       </p:ext>
     </p:extLst>
   </p:cSld>
@@ -5872,6 +5954,63 @@
           <a:bodyPr/>
           <a:lstStyle/>
           <a:p>
+            <a:r>
+              <a:rPr lang="de-DE" dirty="0"/>
+              <a:t>-die ordentliche Kündigung ist der Normalfall</a:t>
+            </a:r>
+          </a:p>
+          <a:p>
+            <a:r>
+              <a:rPr lang="de-DE" dirty="0"/>
+              <a:t>-nach § 622 BGB</a:t>
+            </a:r>
+          </a:p>
+          <a:p>
+            <a:r>
+              <a:rPr lang="de-DE" dirty="0"/>
+              <a:t>-Kündigungsfristen sind relevant</a:t>
+            </a:r>
+          </a:p>
+          <a:p>
+            <a:r>
+              <a:rPr lang="de-DE" dirty="0"/>
+              <a:t>-Fristen sind durch den Paragraphen vorgegeben können aber durch Tarifverträge auch länger sein</a:t>
+            </a:r>
+          </a:p>
+          <a:p>
+            <a:r>
+              <a:rPr lang="de-DE" dirty="0"/>
+              <a:t>-um zu wissen welche Frist relevant ist wird gestuft vorgegangen</a:t>
+            </a:r>
+          </a:p>
+          <a:p>
+            <a:pPr marL="228600" indent="-228600">
+              <a:buAutoNum type="arabicPeriod"/>
+            </a:pPr>
+            <a:r>
+              <a:rPr lang="de-DE" dirty="0"/>
+              <a:t>Tarifverträge</a:t>
+            </a:r>
+          </a:p>
+          <a:p>
+            <a:pPr marL="228600" indent="-228600">
+              <a:buAutoNum type="arabicPeriod"/>
+            </a:pPr>
+            <a:r>
+              <a:rPr lang="de-DE" dirty="0"/>
+              <a:t>Arbeitsvertrag</a:t>
+            </a:r>
+          </a:p>
+          <a:p>
+            <a:pPr marL="228600" indent="-228600">
+              <a:buAutoNum type="arabicPeriod"/>
+            </a:pPr>
+            <a:r>
+              <a:rPr lang="de-DE" dirty="0"/>
+              <a:t>§ 622 </a:t>
+            </a:r>
+          </a:p>
+          <a:p>
             <a:endParaRPr lang="de-DE" dirty="0"/>
           </a:p>
         </p:txBody>
@@ -5879,7 +6018,445 @@
     </p:spTree>
     <p:extLst>
       <p:ext uri="{BB962C8B-B14F-4D97-AF65-F5344CB8AC3E}">
-        <p14:creationId xmlns:p14="http://schemas.microsoft.com/office/powerpoint/2010/main" val="2008646652"/>
+        <p14:creationId xmlns:p14="http://schemas.microsoft.com/office/powerpoint/2010/main" val="405135550"/>
+      </p:ext>
+    </p:extLst>
+  </p:cSld>
+  <p:clrMapOvr>
+    <a:masterClrMapping/>
+  </p:clrMapOvr>
+</p:notes>
+</file>
+
+<file path=ppt/notesSlides/notesSlide14.xml><?xml version="1.0" encoding="utf-8"?>
+<p:notes xmlns:a="http://schemas.openxmlformats.org/drawingml/2006/main" xmlns:r="http://schemas.openxmlformats.org/officeDocument/2006/relationships" xmlns:p="http://schemas.openxmlformats.org/presentationml/2006/main">
+  <p:cSld>
+    <p:spTree>
+      <p:nvGrpSpPr>
+        <p:cNvPr id="1" name=""/>
+        <p:cNvGrpSpPr/>
+        <p:nvPr/>
+      </p:nvGrpSpPr>
+      <p:grpSpPr>
+        <a:xfrm>
+          <a:off x="0" y="0"/>
+          <a:ext cx="0" cy="0"/>
+          <a:chOff x="0" y="0"/>
+          <a:chExt cx="0" cy="0"/>
+        </a:xfrm>
+      </p:grpSpPr>
+      <p:sp>
+        <p:nvSpPr>
+          <p:cNvPr id="2" name="Folienbildplatzhalter 1"/>
+          <p:cNvSpPr>
+            <a:spLocks noGrp="1" noRot="1" noChangeAspect="1"/>
+          </p:cNvSpPr>
+          <p:nvPr>
+            <p:ph type="sldImg"/>
+          </p:nvPr>
+        </p:nvSpPr>
+        <p:spPr/>
+      </p:sp>
+      <p:sp>
+        <p:nvSpPr>
+          <p:cNvPr id="3" name="Notizenplatzhalter 2"/>
+          <p:cNvSpPr>
+            <a:spLocks noGrp="1"/>
+          </p:cNvSpPr>
+          <p:nvPr>
+            <p:ph type="body" idx="1"/>
+          </p:nvPr>
+        </p:nvSpPr>
+        <p:spPr/>
+        <p:txBody>
+          <a:bodyPr/>
+          <a:lstStyle/>
+          <a:p>
+            <a:r>
+              <a:rPr lang="de-DE" dirty="0"/>
+              <a:t>-Tabelle zu den Kündigungsfristen nach § 622 BGB</a:t>
+            </a:r>
+          </a:p>
+          <a:p>
+            <a:r>
+              <a:rPr lang="de-DE" dirty="0"/>
+              <a:t>-Unterscheidung zwischen Arbeitnehmer und Arbeitgeber</a:t>
+            </a:r>
+          </a:p>
+          <a:p>
+            <a:r>
+              <a:rPr lang="de-DE" dirty="0"/>
+              <a:t>-zunächst bei einer Probezeit für beide zwei Wochen</a:t>
+            </a:r>
+          </a:p>
+          <a:p>
+            <a:r>
+              <a:rPr lang="de-DE" dirty="0"/>
+              <a:t>-nach Probezeit oder wenn es keine Probezeit gibt für beide 4 Wochen zum 15. oder zum Ende vom Monat</a:t>
+            </a:r>
+          </a:p>
+          <a:p>
+            <a:r>
+              <a:rPr lang="de-DE" dirty="0"/>
+              <a:t>-diese Frist gilt beim Arbeitnehmer im folgenden immer</a:t>
+            </a:r>
+          </a:p>
+          <a:p>
+            <a:r>
+              <a:rPr lang="de-DE" dirty="0"/>
+              <a:t>-nach 2 Jahren des Arbeitsverhältnisses haben wir einen Monat zum Monatsende auf Arbeitgeber Seite</a:t>
+            </a:r>
+          </a:p>
+          <a:p>
+            <a:pPr marL="0" indent="0">
+              <a:buFontTx/>
+              <a:buNone/>
+            </a:pPr>
+            <a:r>
+              <a:rPr lang="de-DE" dirty="0"/>
+              <a:t>-Das steigt im Folgenden immer um einen Monat</a:t>
+            </a:r>
+          </a:p>
+          <a:p>
+            <a:pPr marL="0" indent="0">
+              <a:buFontTx/>
+              <a:buNone/>
+            </a:pPr>
+            <a:r>
+              <a:rPr lang="de-DE" dirty="0"/>
+              <a:t>-in Schritten von 5, 8, 10, 12, 15, 20</a:t>
+            </a:r>
+          </a:p>
+          <a:p>
+            <a:pPr marL="0" indent="0">
+              <a:buFontTx/>
+              <a:buNone/>
+            </a:pPr>
+            <a:r>
+              <a:rPr lang="de-DE" dirty="0"/>
+              <a:t>-am Ende nach 20 Jahren bei 7 Monaten Frist</a:t>
+            </a:r>
+          </a:p>
+          <a:p>
+            <a:endParaRPr lang="de-DE" dirty="0"/>
+          </a:p>
+        </p:txBody>
+      </p:sp>
+    </p:spTree>
+    <p:extLst>
+      <p:ext uri="{BB962C8B-B14F-4D97-AF65-F5344CB8AC3E}">
+        <p14:creationId xmlns:p14="http://schemas.microsoft.com/office/powerpoint/2010/main" val="3320144725"/>
+      </p:ext>
+    </p:extLst>
+  </p:cSld>
+  <p:clrMapOvr>
+    <a:masterClrMapping/>
+  </p:clrMapOvr>
+</p:notes>
+</file>
+
+<file path=ppt/notesSlides/notesSlide15.xml><?xml version="1.0" encoding="utf-8"?>
+<p:notes xmlns:a="http://schemas.openxmlformats.org/drawingml/2006/main" xmlns:r="http://schemas.openxmlformats.org/officeDocument/2006/relationships" xmlns:p="http://schemas.openxmlformats.org/presentationml/2006/main">
+  <p:cSld>
+    <p:spTree>
+      <p:nvGrpSpPr>
+        <p:cNvPr id="1" name=""/>
+        <p:cNvGrpSpPr/>
+        <p:nvPr/>
+      </p:nvGrpSpPr>
+      <p:grpSpPr>
+        <a:xfrm>
+          <a:off x="0" y="0"/>
+          <a:ext cx="0" cy="0"/>
+          <a:chOff x="0" y="0"/>
+          <a:chExt cx="0" cy="0"/>
+        </a:xfrm>
+      </p:grpSpPr>
+      <p:sp>
+        <p:nvSpPr>
+          <p:cNvPr id="2" name="Folienbildplatzhalter 1"/>
+          <p:cNvSpPr>
+            <a:spLocks noGrp="1" noRot="1" noChangeAspect="1"/>
+          </p:cNvSpPr>
+          <p:nvPr>
+            <p:ph type="sldImg"/>
+          </p:nvPr>
+        </p:nvSpPr>
+        <p:spPr/>
+      </p:sp>
+      <p:sp>
+        <p:nvSpPr>
+          <p:cNvPr id="3" name="Notizenplatzhalter 2"/>
+          <p:cNvSpPr>
+            <a:spLocks noGrp="1"/>
+          </p:cNvSpPr>
+          <p:nvPr>
+            <p:ph type="body" idx="1"/>
+          </p:nvPr>
+        </p:nvSpPr>
+        <p:spPr/>
+        <p:txBody>
+          <a:bodyPr/>
+          <a:lstStyle/>
+          <a:p>
+            <a:r>
+              <a:rPr lang="de-DE" dirty="0"/>
+              <a:t>Frage in die Runde – Aufklärung durch Erklärung des Themas </a:t>
+            </a:r>
+          </a:p>
+        </p:txBody>
+      </p:sp>
+    </p:spTree>
+    <p:extLst>
+      <p:ext uri="{BB962C8B-B14F-4D97-AF65-F5344CB8AC3E}">
+        <p14:creationId xmlns:p14="http://schemas.microsoft.com/office/powerpoint/2010/main" val="1923891660"/>
+      </p:ext>
+    </p:extLst>
+  </p:cSld>
+  <p:clrMapOvr>
+    <a:masterClrMapping/>
+  </p:clrMapOvr>
+</p:notes>
+</file>
+
+<file path=ppt/notesSlides/notesSlide16.xml><?xml version="1.0" encoding="utf-8"?>
+<p:notes xmlns:a="http://schemas.openxmlformats.org/drawingml/2006/main" xmlns:r="http://schemas.openxmlformats.org/officeDocument/2006/relationships" xmlns:p="http://schemas.openxmlformats.org/presentationml/2006/main">
+  <p:cSld>
+    <p:spTree>
+      <p:nvGrpSpPr>
+        <p:cNvPr id="1" name=""/>
+        <p:cNvGrpSpPr/>
+        <p:nvPr/>
+      </p:nvGrpSpPr>
+      <p:grpSpPr>
+        <a:xfrm>
+          <a:off x="0" y="0"/>
+          <a:ext cx="0" cy="0"/>
+          <a:chOff x="0" y="0"/>
+          <a:chExt cx="0" cy="0"/>
+        </a:xfrm>
+      </p:grpSpPr>
+      <p:sp>
+        <p:nvSpPr>
+          <p:cNvPr id="2" name="Folienbildplatzhalter 1"/>
+          <p:cNvSpPr>
+            <a:spLocks noGrp="1" noRot="1" noChangeAspect="1"/>
+          </p:cNvSpPr>
+          <p:nvPr>
+            <p:ph type="sldImg"/>
+          </p:nvPr>
+        </p:nvSpPr>
+        <p:spPr/>
+      </p:sp>
+      <p:sp>
+        <p:nvSpPr>
+          <p:cNvPr id="3" name="Notizenplatzhalter 2"/>
+          <p:cNvSpPr>
+            <a:spLocks noGrp="1"/>
+          </p:cNvSpPr>
+          <p:nvPr>
+            <p:ph type="body" idx="1"/>
+          </p:nvPr>
+        </p:nvSpPr>
+        <p:spPr/>
+        <p:txBody>
+          <a:bodyPr/>
+          <a:lstStyle/>
+          <a:p>
+            <a:endParaRPr lang="de-DE" dirty="0"/>
+          </a:p>
+        </p:txBody>
+      </p:sp>
+    </p:spTree>
+    <p:extLst>
+      <p:ext uri="{BB962C8B-B14F-4D97-AF65-F5344CB8AC3E}">
+        <p14:creationId xmlns:p14="http://schemas.microsoft.com/office/powerpoint/2010/main" val="2837189043"/>
+      </p:ext>
+    </p:extLst>
+  </p:cSld>
+  <p:clrMapOvr>
+    <a:masterClrMapping/>
+  </p:clrMapOvr>
+</p:notes>
+</file>
+
+<file path=ppt/notesSlides/notesSlide17.xml><?xml version="1.0" encoding="utf-8"?>
+<p:notes xmlns:a="http://schemas.openxmlformats.org/drawingml/2006/main" xmlns:r="http://schemas.openxmlformats.org/officeDocument/2006/relationships" xmlns:p="http://schemas.openxmlformats.org/presentationml/2006/main">
+  <p:cSld>
+    <p:spTree>
+      <p:nvGrpSpPr>
+        <p:cNvPr id="1" name=""/>
+        <p:cNvGrpSpPr/>
+        <p:nvPr/>
+      </p:nvGrpSpPr>
+      <p:grpSpPr>
+        <a:xfrm>
+          <a:off x="0" y="0"/>
+          <a:ext cx="0" cy="0"/>
+          <a:chOff x="0" y="0"/>
+          <a:chExt cx="0" cy="0"/>
+        </a:xfrm>
+      </p:grpSpPr>
+      <p:sp>
+        <p:nvSpPr>
+          <p:cNvPr id="2" name="Folienbildplatzhalter 1"/>
+          <p:cNvSpPr>
+            <a:spLocks noGrp="1" noRot="1" noChangeAspect="1"/>
+          </p:cNvSpPr>
+          <p:nvPr>
+            <p:ph type="sldImg"/>
+          </p:nvPr>
+        </p:nvSpPr>
+        <p:spPr/>
+      </p:sp>
+      <p:sp>
+        <p:nvSpPr>
+          <p:cNvPr id="3" name="Notizenplatzhalter 2"/>
+          <p:cNvSpPr>
+            <a:spLocks noGrp="1"/>
+          </p:cNvSpPr>
+          <p:nvPr>
+            <p:ph type="body" idx="1"/>
+          </p:nvPr>
+        </p:nvSpPr>
+        <p:spPr/>
+        <p:txBody>
+          <a:bodyPr/>
+          <a:lstStyle/>
+          <a:p>
+            <a:endParaRPr lang="de-DE" dirty="0"/>
+          </a:p>
+        </p:txBody>
+      </p:sp>
+    </p:spTree>
+    <p:extLst>
+      <p:ext uri="{BB962C8B-B14F-4D97-AF65-F5344CB8AC3E}">
+        <p14:creationId xmlns:p14="http://schemas.microsoft.com/office/powerpoint/2010/main" val="3923527183"/>
+      </p:ext>
+    </p:extLst>
+  </p:cSld>
+  <p:clrMapOvr>
+    <a:masterClrMapping/>
+  </p:clrMapOvr>
+</p:notes>
+</file>
+
+<file path=ppt/notesSlides/notesSlide18.xml><?xml version="1.0" encoding="utf-8"?>
+<p:notes xmlns:a="http://schemas.openxmlformats.org/drawingml/2006/main" xmlns:r="http://schemas.openxmlformats.org/officeDocument/2006/relationships" xmlns:p="http://schemas.openxmlformats.org/presentationml/2006/main">
+  <p:cSld>
+    <p:spTree>
+      <p:nvGrpSpPr>
+        <p:cNvPr id="1" name=""/>
+        <p:cNvGrpSpPr/>
+        <p:nvPr/>
+      </p:nvGrpSpPr>
+      <p:grpSpPr>
+        <a:xfrm>
+          <a:off x="0" y="0"/>
+          <a:ext cx="0" cy="0"/>
+          <a:chOff x="0" y="0"/>
+          <a:chExt cx="0" cy="0"/>
+        </a:xfrm>
+      </p:grpSpPr>
+      <p:sp>
+        <p:nvSpPr>
+          <p:cNvPr id="2" name="Folienbildplatzhalter 1"/>
+          <p:cNvSpPr>
+            <a:spLocks noGrp="1" noRot="1" noChangeAspect="1"/>
+          </p:cNvSpPr>
+          <p:nvPr>
+            <p:ph type="sldImg"/>
+          </p:nvPr>
+        </p:nvSpPr>
+        <p:spPr/>
+      </p:sp>
+      <p:sp>
+        <p:nvSpPr>
+          <p:cNvPr id="3" name="Notizenplatzhalter 2"/>
+          <p:cNvSpPr>
+            <a:spLocks noGrp="1"/>
+          </p:cNvSpPr>
+          <p:nvPr>
+            <p:ph type="body" idx="1"/>
+          </p:nvPr>
+        </p:nvSpPr>
+        <p:spPr/>
+        <p:txBody>
+          <a:bodyPr/>
+          <a:lstStyle/>
+          <a:p>
+            <a:r>
+              <a:rPr lang="de-DE" dirty="0"/>
+              <a:t>Mehr Informationen – Datei Inhalt - nennen</a:t>
+            </a:r>
+          </a:p>
+        </p:txBody>
+      </p:sp>
+    </p:spTree>
+    <p:extLst>
+      <p:ext uri="{BB962C8B-B14F-4D97-AF65-F5344CB8AC3E}">
+        <p14:creationId xmlns:p14="http://schemas.microsoft.com/office/powerpoint/2010/main" val="3686132942"/>
+      </p:ext>
+    </p:extLst>
+  </p:cSld>
+  <p:clrMapOvr>
+    <a:masterClrMapping/>
+  </p:clrMapOvr>
+</p:notes>
+</file>
+
+<file path=ppt/notesSlides/notesSlide19.xml><?xml version="1.0" encoding="utf-8"?>
+<p:notes xmlns:a="http://schemas.openxmlformats.org/drawingml/2006/main" xmlns:r="http://schemas.openxmlformats.org/officeDocument/2006/relationships" xmlns:p="http://schemas.openxmlformats.org/presentationml/2006/main">
+  <p:cSld>
+    <p:spTree>
+      <p:nvGrpSpPr>
+        <p:cNvPr id="1" name=""/>
+        <p:cNvGrpSpPr/>
+        <p:nvPr/>
+      </p:nvGrpSpPr>
+      <p:grpSpPr>
+        <a:xfrm>
+          <a:off x="0" y="0"/>
+          <a:ext cx="0" cy="0"/>
+          <a:chOff x="0" y="0"/>
+          <a:chExt cx="0" cy="0"/>
+        </a:xfrm>
+      </p:grpSpPr>
+      <p:sp>
+        <p:nvSpPr>
+          <p:cNvPr id="2" name="Folienbildplatzhalter 1"/>
+          <p:cNvSpPr>
+            <a:spLocks noGrp="1" noRot="1" noChangeAspect="1"/>
+          </p:cNvSpPr>
+          <p:nvPr>
+            <p:ph type="sldImg"/>
+          </p:nvPr>
+        </p:nvSpPr>
+        <p:spPr/>
+      </p:sp>
+      <p:sp>
+        <p:nvSpPr>
+          <p:cNvPr id="3" name="Notizenplatzhalter 2"/>
+          <p:cNvSpPr>
+            <a:spLocks noGrp="1"/>
+          </p:cNvSpPr>
+          <p:nvPr>
+            <p:ph type="body" idx="1"/>
+          </p:nvPr>
+        </p:nvSpPr>
+        <p:spPr/>
+        <p:txBody>
+          <a:bodyPr/>
+          <a:lstStyle/>
+          <a:p>
+            <a:endParaRPr lang="de-DE" dirty="0"/>
+          </a:p>
+        </p:txBody>
+      </p:sp>
+    </p:spTree>
+    <p:extLst>
+      <p:ext uri="{BB962C8B-B14F-4D97-AF65-F5344CB8AC3E}">
+        <p14:creationId xmlns:p14="http://schemas.microsoft.com/office/powerpoint/2010/main" val="2578773954"/>
       </p:ext>
     </p:extLst>
   </p:cSld>
@@ -5935,15 +6512,1006 @@
           <a:p>
             <a:r>
               <a:rPr lang="de-DE" dirty="0"/>
-              <a:t>Frage in die Runde – Aufklärung durch Erklärung des Themas </a:t>
-            </a:r>
+              <a:t>-Beendigung des Arbeitsverhältnisses ohne Handlung von Vertragsparteien</a:t>
+            </a:r>
+          </a:p>
+          <a:p>
+            <a:r>
+              <a:rPr lang="de-DE" dirty="0"/>
+              <a:t>-Die Beendigung ist nur die automatische Folge von bestimmten Umständen</a:t>
+            </a:r>
+          </a:p>
+          <a:p>
+            <a:r>
+              <a:rPr lang="de-DE" dirty="0"/>
+              <a:t>-2 Fälle und eine zusätzliche Information am Rande</a:t>
+            </a:r>
+          </a:p>
+          <a:p>
+            <a:endParaRPr lang="de-DE" dirty="0"/>
           </a:p>
         </p:txBody>
       </p:sp>
     </p:spTree>
     <p:extLst>
       <p:ext uri="{BB962C8B-B14F-4D97-AF65-F5344CB8AC3E}">
-        <p14:creationId xmlns:p14="http://schemas.microsoft.com/office/powerpoint/2010/main" val="1923891660"/>
+        <p14:creationId xmlns:p14="http://schemas.microsoft.com/office/powerpoint/2010/main" val="2816911280"/>
+      </p:ext>
+    </p:extLst>
+  </p:cSld>
+  <p:clrMapOvr>
+    <a:masterClrMapping/>
+  </p:clrMapOvr>
+</p:notes>
+</file>
+
+<file path=ppt/notesSlides/notesSlide20.xml><?xml version="1.0" encoding="utf-8"?>
+<p:notes xmlns:a="http://schemas.openxmlformats.org/drawingml/2006/main" xmlns:r="http://schemas.openxmlformats.org/officeDocument/2006/relationships" xmlns:p="http://schemas.openxmlformats.org/presentationml/2006/main">
+  <p:cSld>
+    <p:spTree>
+      <p:nvGrpSpPr>
+        <p:cNvPr id="1" name=""/>
+        <p:cNvGrpSpPr/>
+        <p:nvPr/>
+      </p:nvGrpSpPr>
+      <p:grpSpPr>
+        <a:xfrm>
+          <a:off x="0" y="0"/>
+          <a:ext cx="0" cy="0"/>
+          <a:chOff x="0" y="0"/>
+          <a:chExt cx="0" cy="0"/>
+        </a:xfrm>
+      </p:grpSpPr>
+      <p:sp>
+        <p:nvSpPr>
+          <p:cNvPr id="2" name="Folienbildplatzhalter 1"/>
+          <p:cNvSpPr>
+            <a:spLocks noGrp="1" noRot="1" noChangeAspect="1"/>
+          </p:cNvSpPr>
+          <p:nvPr>
+            <p:ph type="sldImg"/>
+          </p:nvPr>
+        </p:nvSpPr>
+        <p:spPr/>
+      </p:sp>
+      <p:sp>
+        <p:nvSpPr>
+          <p:cNvPr id="3" name="Notizenplatzhalter 2"/>
+          <p:cNvSpPr>
+            <a:spLocks noGrp="1"/>
+          </p:cNvSpPr>
+          <p:nvPr>
+            <p:ph type="body" idx="1"/>
+          </p:nvPr>
+        </p:nvSpPr>
+        <p:spPr/>
+        <p:txBody>
+          <a:bodyPr/>
+          <a:lstStyle/>
+          <a:p>
+            <a:r>
+              <a:rPr lang="de-DE" dirty="0"/>
+              <a:t>-die außerordentliche Kündigung ist die Ausnahme</a:t>
+            </a:r>
+          </a:p>
+          <a:p>
+            <a:r>
+              <a:rPr lang="de-DE" dirty="0"/>
+              <a:t>-aus dem Kündigungsschutzgesetz geht nur eine 3 Wochen Frist zu Klageerhebung vor</a:t>
+            </a:r>
+          </a:p>
+          <a:p>
+            <a:r>
+              <a:rPr lang="de-DE" dirty="0"/>
+              <a:t>-keine gesetzlichen Kündigungsfristen daher auch fristlose Kündigung</a:t>
+            </a:r>
+          </a:p>
+          <a:p>
+            <a:r>
+              <a:rPr lang="de-DE" dirty="0"/>
+              <a:t>-strenge Anforderungen für die außerordentliche Kündigung</a:t>
+            </a:r>
+          </a:p>
+          <a:p>
+            <a:pPr marL="228600" indent="-228600">
+              <a:buAutoNum type="arabicPeriod"/>
+            </a:pPr>
+            <a:r>
+              <a:rPr lang="de-DE" dirty="0"/>
+              <a:t>Wichtiger Grund weshalb bei Abwägung der Interessen der beiden Parteien der Regelfall nicht zumutbar ist</a:t>
+            </a:r>
+          </a:p>
+          <a:p>
+            <a:pPr marL="228600" indent="-228600">
+              <a:buAutoNum type="arabicPeriod"/>
+            </a:pPr>
+            <a:r>
+              <a:rPr lang="de-DE" dirty="0"/>
+              <a:t>Zwei Wochen Frist zur Kündigung, ab dem Zeitpunkt indem der Arbeitgeber von dem Grund erfährt</a:t>
+            </a:r>
+          </a:p>
+          <a:p>
+            <a:endParaRPr lang="de-DE" dirty="0"/>
+          </a:p>
+        </p:txBody>
+      </p:sp>
+    </p:spTree>
+    <p:extLst>
+      <p:ext uri="{BB962C8B-B14F-4D97-AF65-F5344CB8AC3E}">
+        <p14:creationId xmlns:p14="http://schemas.microsoft.com/office/powerpoint/2010/main" val="1811333870"/>
+      </p:ext>
+    </p:extLst>
+  </p:cSld>
+  <p:clrMapOvr>
+    <a:masterClrMapping/>
+  </p:clrMapOvr>
+</p:notes>
+</file>
+
+<file path=ppt/notesSlides/notesSlide21.xml><?xml version="1.0" encoding="utf-8"?>
+<p:notes xmlns:a="http://schemas.openxmlformats.org/drawingml/2006/main" xmlns:r="http://schemas.openxmlformats.org/officeDocument/2006/relationships" xmlns:p="http://schemas.openxmlformats.org/presentationml/2006/main">
+  <p:cSld>
+    <p:spTree>
+      <p:nvGrpSpPr>
+        <p:cNvPr id="1" name=""/>
+        <p:cNvGrpSpPr/>
+        <p:nvPr/>
+      </p:nvGrpSpPr>
+      <p:grpSpPr>
+        <a:xfrm>
+          <a:off x="0" y="0"/>
+          <a:ext cx="0" cy="0"/>
+          <a:chOff x="0" y="0"/>
+          <a:chExt cx="0" cy="0"/>
+        </a:xfrm>
+      </p:grpSpPr>
+      <p:sp>
+        <p:nvSpPr>
+          <p:cNvPr id="2" name="Folienbildplatzhalter 1"/>
+          <p:cNvSpPr>
+            <a:spLocks noGrp="1" noRot="1" noChangeAspect="1"/>
+          </p:cNvSpPr>
+          <p:nvPr>
+            <p:ph type="sldImg"/>
+          </p:nvPr>
+        </p:nvSpPr>
+        <p:spPr/>
+      </p:sp>
+      <p:sp>
+        <p:nvSpPr>
+          <p:cNvPr id="3" name="Notizenplatzhalter 2"/>
+          <p:cNvSpPr>
+            <a:spLocks noGrp="1"/>
+          </p:cNvSpPr>
+          <p:nvPr>
+            <p:ph type="body" idx="1"/>
+          </p:nvPr>
+        </p:nvSpPr>
+        <p:spPr/>
+        <p:txBody>
+          <a:bodyPr/>
+          <a:lstStyle/>
+          <a:p>
+            <a:r>
+              <a:rPr lang="de-DE" dirty="0"/>
+              <a:t>-wie sehen die wichtigen Gründe aus</a:t>
+            </a:r>
+          </a:p>
+          <a:p>
+            <a:r>
+              <a:rPr lang="de-DE" dirty="0"/>
+              <a:t>-Alkohol bei der Arbeit</a:t>
+            </a:r>
+          </a:p>
+          <a:p>
+            <a:r>
+              <a:rPr lang="de-DE" dirty="0"/>
+              <a:t>-Arbeitsverweigerung</a:t>
+            </a:r>
+          </a:p>
+          <a:p>
+            <a:r>
+              <a:rPr lang="de-DE" dirty="0"/>
+              <a:t>-Nebentätigkeiten von denen der Arbeitgeber nichts weiß bzw. nicht zugestimmt hat</a:t>
+            </a:r>
+          </a:p>
+          <a:p>
+            <a:pPr marL="0" marR="0" lvl="0" indent="0" algn="ctr" defTabSz="914400" rtl="0" eaLnBrk="1" fontAlgn="base" latinLnBrk="0" hangingPunct="1">
+              <a:lnSpc>
+                <a:spcPct val="100000"/>
+              </a:lnSpc>
+              <a:spcBef>
+                <a:spcPct val="30000"/>
+              </a:spcBef>
+              <a:spcAft>
+                <a:spcPct val="0"/>
+              </a:spcAft>
+              <a:buClrTx/>
+              <a:buSzTx/>
+              <a:buFontTx/>
+              <a:buNone/>
+              <a:tabLst/>
+              <a:defRPr/>
+            </a:pPr>
+            <a:r>
+              <a:rPr lang="de-DE" dirty="0"/>
+              <a:t>-Absichtliche falsch Erfassung von Arbeitszeiten</a:t>
+            </a:r>
+          </a:p>
+          <a:p>
+            <a:r>
+              <a:rPr lang="de-DE" dirty="0"/>
+              <a:t>-Internet und Telefonnutzung während der Arbeit</a:t>
+            </a:r>
+          </a:p>
+          <a:p>
+            <a:r>
+              <a:rPr lang="de-DE" dirty="0"/>
+              <a:t>-Unpünktlichkeit</a:t>
+            </a:r>
+          </a:p>
+          <a:p>
+            <a:r>
+              <a:rPr lang="de-DE" dirty="0"/>
+              <a:t>-Belästigung oder Beleidigung während der Arbeit</a:t>
+            </a:r>
+          </a:p>
+          <a:p>
+            <a:endParaRPr lang="de-DE" dirty="0"/>
+          </a:p>
+        </p:txBody>
+      </p:sp>
+    </p:spTree>
+    <p:extLst>
+      <p:ext uri="{BB962C8B-B14F-4D97-AF65-F5344CB8AC3E}">
+        <p14:creationId xmlns:p14="http://schemas.microsoft.com/office/powerpoint/2010/main" val="2981054788"/>
+      </p:ext>
+    </p:extLst>
+  </p:cSld>
+  <p:clrMapOvr>
+    <a:masterClrMapping/>
+  </p:clrMapOvr>
+</p:notes>
+</file>
+
+<file path=ppt/notesSlides/notesSlide22.xml><?xml version="1.0" encoding="utf-8"?>
+<p:notes xmlns:a="http://schemas.openxmlformats.org/drawingml/2006/main" xmlns:r="http://schemas.openxmlformats.org/officeDocument/2006/relationships" xmlns:p="http://schemas.openxmlformats.org/presentationml/2006/main">
+  <p:cSld>
+    <p:spTree>
+      <p:nvGrpSpPr>
+        <p:cNvPr id="1" name=""/>
+        <p:cNvGrpSpPr/>
+        <p:nvPr/>
+      </p:nvGrpSpPr>
+      <p:grpSpPr>
+        <a:xfrm>
+          <a:off x="0" y="0"/>
+          <a:ext cx="0" cy="0"/>
+          <a:chOff x="0" y="0"/>
+          <a:chExt cx="0" cy="0"/>
+        </a:xfrm>
+      </p:grpSpPr>
+      <p:sp>
+        <p:nvSpPr>
+          <p:cNvPr id="2" name="Folienbildplatzhalter 1"/>
+          <p:cNvSpPr>
+            <a:spLocks noGrp="1" noRot="1" noChangeAspect="1"/>
+          </p:cNvSpPr>
+          <p:nvPr>
+            <p:ph type="sldImg"/>
+          </p:nvPr>
+        </p:nvSpPr>
+        <p:spPr/>
+      </p:sp>
+      <p:sp>
+        <p:nvSpPr>
+          <p:cNvPr id="3" name="Notizenplatzhalter 2"/>
+          <p:cNvSpPr>
+            <a:spLocks noGrp="1"/>
+          </p:cNvSpPr>
+          <p:nvPr>
+            <p:ph type="body" idx="1"/>
+          </p:nvPr>
+        </p:nvSpPr>
+        <p:spPr/>
+        <p:txBody>
+          <a:bodyPr/>
+          <a:lstStyle/>
+          <a:p>
+            <a:r>
+              <a:rPr lang="de-DE" dirty="0"/>
+              <a:t>-Fritz Fischer arbeitet im Home Office</a:t>
+            </a:r>
+          </a:p>
+          <a:p>
+            <a:r>
+              <a:rPr lang="de-DE" dirty="0"/>
+              <a:t>-seine Arbeitszeiten erfasst er mit einem Formular wo er Anfang und Ende sowie Pausen einträgt</a:t>
+            </a:r>
+          </a:p>
+          <a:p>
+            <a:r>
+              <a:rPr lang="de-DE" dirty="0"/>
+              <a:t>-mit seiner Unterschrift bestätigt er die Richtigkeit seiner Angaben</a:t>
+            </a:r>
+          </a:p>
+          <a:p>
+            <a:r>
+              <a:rPr lang="de-DE" dirty="0"/>
+              <a:t>-bei einer Überprüfung werden 400 Überstunden in den letzten 3 Jahren festgestellt die nachweislich nicht geleistet wurden</a:t>
+            </a:r>
+          </a:p>
+          <a:p>
+            <a:endParaRPr lang="de-DE" dirty="0"/>
+          </a:p>
+          <a:p>
+            <a:endParaRPr lang="de-DE" dirty="0"/>
+          </a:p>
+        </p:txBody>
+      </p:sp>
+    </p:spTree>
+    <p:extLst>
+      <p:ext uri="{BB962C8B-B14F-4D97-AF65-F5344CB8AC3E}">
+        <p14:creationId xmlns:p14="http://schemas.microsoft.com/office/powerpoint/2010/main" val="1346378876"/>
+      </p:ext>
+    </p:extLst>
+  </p:cSld>
+  <p:clrMapOvr>
+    <a:masterClrMapping/>
+  </p:clrMapOvr>
+</p:notes>
+</file>
+
+<file path=ppt/notesSlides/notesSlide23.xml><?xml version="1.0" encoding="utf-8"?>
+<p:notes xmlns:a="http://schemas.openxmlformats.org/drawingml/2006/main" xmlns:r="http://schemas.openxmlformats.org/officeDocument/2006/relationships" xmlns:p="http://schemas.openxmlformats.org/presentationml/2006/main">
+  <p:cSld>
+    <p:spTree>
+      <p:nvGrpSpPr>
+        <p:cNvPr id="1" name=""/>
+        <p:cNvGrpSpPr/>
+        <p:nvPr/>
+      </p:nvGrpSpPr>
+      <p:grpSpPr>
+        <a:xfrm>
+          <a:off x="0" y="0"/>
+          <a:ext cx="0" cy="0"/>
+          <a:chOff x="0" y="0"/>
+          <a:chExt cx="0" cy="0"/>
+        </a:xfrm>
+      </p:grpSpPr>
+      <p:sp>
+        <p:nvSpPr>
+          <p:cNvPr id="2" name="Folienbildplatzhalter 1"/>
+          <p:cNvSpPr>
+            <a:spLocks noGrp="1" noRot="1" noChangeAspect="1"/>
+          </p:cNvSpPr>
+          <p:nvPr>
+            <p:ph type="sldImg"/>
+          </p:nvPr>
+        </p:nvSpPr>
+        <p:spPr/>
+      </p:sp>
+      <p:sp>
+        <p:nvSpPr>
+          <p:cNvPr id="3" name="Notizenplatzhalter 2"/>
+          <p:cNvSpPr>
+            <a:spLocks noGrp="1"/>
+          </p:cNvSpPr>
+          <p:nvPr>
+            <p:ph type="body" idx="1"/>
+          </p:nvPr>
+        </p:nvSpPr>
+        <p:spPr/>
+        <p:txBody>
+          <a:bodyPr/>
+          <a:lstStyle/>
+          <a:p>
+            <a:pPr marL="0" marR="0" lvl="0" indent="0" algn="ctr" defTabSz="914400" rtl="0" eaLnBrk="1" fontAlgn="base" latinLnBrk="0" hangingPunct="1">
+              <a:lnSpc>
+                <a:spcPct val="100000"/>
+              </a:lnSpc>
+              <a:spcBef>
+                <a:spcPct val="30000"/>
+              </a:spcBef>
+              <a:spcAft>
+                <a:spcPct val="0"/>
+              </a:spcAft>
+              <a:buClrTx/>
+              <a:buSzTx/>
+              <a:buFontTx/>
+              <a:buNone/>
+              <a:tabLst/>
+              <a:defRPr/>
+            </a:pPr>
+            <a:r>
+              <a:rPr lang="de-DE" dirty="0"/>
+              <a:t>-Fritz ist uneinsichtig als er darauf angesprochen wird</a:t>
+            </a:r>
+          </a:p>
+          <a:p>
+            <a:r>
+              <a:rPr lang="de-DE" dirty="0"/>
+              <a:t>-der Arbeitgeber kündigt Fritz fristlos</a:t>
+            </a:r>
+          </a:p>
+          <a:p>
+            <a:pPr marL="0" marR="0" lvl="0" indent="0" algn="ctr" defTabSz="914400" rtl="0" eaLnBrk="1" fontAlgn="base" latinLnBrk="0" hangingPunct="1">
+              <a:lnSpc>
+                <a:spcPct val="100000"/>
+              </a:lnSpc>
+              <a:spcBef>
+                <a:spcPct val="30000"/>
+              </a:spcBef>
+              <a:spcAft>
+                <a:spcPct val="0"/>
+              </a:spcAft>
+              <a:buClrTx/>
+              <a:buSzTx/>
+              <a:buFontTx/>
+              <a:buNone/>
+              <a:tabLst/>
+              <a:defRPr/>
+            </a:pPr>
+            <a:r>
+              <a:rPr lang="de-DE" dirty="0"/>
+              <a:t>-Grund: Absichtliche falsch Erfassung von Arbeitszeiten</a:t>
+            </a:r>
+          </a:p>
+          <a:p>
+            <a:endParaRPr lang="de-DE" dirty="0"/>
+          </a:p>
+          <a:p>
+            <a:endParaRPr lang="de-DE" dirty="0"/>
+          </a:p>
+        </p:txBody>
+      </p:sp>
+    </p:spTree>
+    <p:extLst>
+      <p:ext uri="{BB962C8B-B14F-4D97-AF65-F5344CB8AC3E}">
+        <p14:creationId xmlns:p14="http://schemas.microsoft.com/office/powerpoint/2010/main" val="114999654"/>
+      </p:ext>
+    </p:extLst>
+  </p:cSld>
+  <p:clrMapOvr>
+    <a:masterClrMapping/>
+  </p:clrMapOvr>
+</p:notes>
+</file>
+
+<file path=ppt/notesSlides/notesSlide24.xml><?xml version="1.0" encoding="utf-8"?>
+<p:notes xmlns:a="http://schemas.openxmlformats.org/drawingml/2006/main" xmlns:r="http://schemas.openxmlformats.org/officeDocument/2006/relationships" xmlns:p="http://schemas.openxmlformats.org/presentationml/2006/main">
+  <p:cSld>
+    <p:spTree>
+      <p:nvGrpSpPr>
+        <p:cNvPr id="1" name=""/>
+        <p:cNvGrpSpPr/>
+        <p:nvPr/>
+      </p:nvGrpSpPr>
+      <p:grpSpPr>
+        <a:xfrm>
+          <a:off x="0" y="0"/>
+          <a:ext cx="0" cy="0"/>
+          <a:chOff x="0" y="0"/>
+          <a:chExt cx="0" cy="0"/>
+        </a:xfrm>
+      </p:grpSpPr>
+      <p:sp>
+        <p:nvSpPr>
+          <p:cNvPr id="2" name="Folienbildplatzhalter 1"/>
+          <p:cNvSpPr>
+            <a:spLocks noGrp="1" noRot="1" noChangeAspect="1"/>
+          </p:cNvSpPr>
+          <p:nvPr>
+            <p:ph type="sldImg"/>
+          </p:nvPr>
+        </p:nvSpPr>
+        <p:spPr/>
+      </p:sp>
+      <p:sp>
+        <p:nvSpPr>
+          <p:cNvPr id="3" name="Notizenplatzhalter 2"/>
+          <p:cNvSpPr>
+            <a:spLocks noGrp="1"/>
+          </p:cNvSpPr>
+          <p:nvPr>
+            <p:ph type="body" idx="1"/>
+          </p:nvPr>
+        </p:nvSpPr>
+        <p:spPr/>
+        <p:txBody>
+          <a:bodyPr/>
+          <a:lstStyle/>
+          <a:p>
+            <a:r>
+              <a:rPr lang="de-DE" dirty="0"/>
+              <a:t>-bisher immer Beendigung des Arbeitsverhältnisses </a:t>
+            </a:r>
+          </a:p>
+          <a:p>
+            <a:r>
+              <a:rPr lang="de-DE" dirty="0"/>
+              <a:t>-jetzt Änderung von Arbeitskonditionen</a:t>
+            </a:r>
+          </a:p>
+          <a:p>
+            <a:r>
+              <a:rPr lang="de-DE" dirty="0"/>
+              <a:t>-die Kündigung beinhaltet ein Angebot</a:t>
+            </a:r>
+          </a:p>
+          <a:p>
+            <a:r>
+              <a:rPr lang="de-DE" dirty="0"/>
+              <a:t>-die gekündigte Partei entscheidet ob das Verhältnis zu neuen Konditionen zustande kommt</a:t>
+            </a:r>
+          </a:p>
+          <a:p>
+            <a:r>
+              <a:rPr lang="de-DE" dirty="0"/>
+              <a:t>-fast ausschließlich von Arbeitgeber genutzt</a:t>
+            </a:r>
+          </a:p>
+          <a:p>
+            <a:r>
+              <a:rPr lang="de-DE" dirty="0"/>
+              <a:t>-wird genutzt wenn Arbeit zu gewissen werden soll die nicht zu dem Weisungsrecht passt</a:t>
+            </a:r>
+          </a:p>
+          <a:p>
+            <a:r>
+              <a:rPr lang="de-DE" dirty="0"/>
+              <a:t>-Beispiele: Inhalt oder Ort der Arbeitsleistung, Arbeitszeiten</a:t>
+            </a:r>
+          </a:p>
+          <a:p>
+            <a:endParaRPr lang="de-DE" dirty="0"/>
+          </a:p>
+        </p:txBody>
+      </p:sp>
+    </p:spTree>
+    <p:extLst>
+      <p:ext uri="{BB962C8B-B14F-4D97-AF65-F5344CB8AC3E}">
+        <p14:creationId xmlns:p14="http://schemas.microsoft.com/office/powerpoint/2010/main" val="2037940144"/>
+      </p:ext>
+    </p:extLst>
+  </p:cSld>
+  <p:clrMapOvr>
+    <a:masterClrMapping/>
+  </p:clrMapOvr>
+</p:notes>
+</file>
+
+<file path=ppt/notesSlides/notesSlide25.xml><?xml version="1.0" encoding="utf-8"?>
+<p:notes xmlns:a="http://schemas.openxmlformats.org/drawingml/2006/main" xmlns:r="http://schemas.openxmlformats.org/officeDocument/2006/relationships" xmlns:p="http://schemas.openxmlformats.org/presentationml/2006/main">
+  <p:cSld>
+    <p:spTree>
+      <p:nvGrpSpPr>
+        <p:cNvPr id="1" name=""/>
+        <p:cNvGrpSpPr/>
+        <p:nvPr/>
+      </p:nvGrpSpPr>
+      <p:grpSpPr>
+        <a:xfrm>
+          <a:off x="0" y="0"/>
+          <a:ext cx="0" cy="0"/>
+          <a:chOff x="0" y="0"/>
+          <a:chExt cx="0" cy="0"/>
+        </a:xfrm>
+      </p:grpSpPr>
+      <p:sp>
+        <p:nvSpPr>
+          <p:cNvPr id="2" name="Folienbildplatzhalter 1"/>
+          <p:cNvSpPr>
+            <a:spLocks noGrp="1" noRot="1" noChangeAspect="1"/>
+          </p:cNvSpPr>
+          <p:nvPr>
+            <p:ph type="sldImg"/>
+          </p:nvPr>
+        </p:nvSpPr>
+        <p:spPr/>
+      </p:sp>
+      <p:sp>
+        <p:nvSpPr>
+          <p:cNvPr id="3" name="Notizenplatzhalter 2"/>
+          <p:cNvSpPr>
+            <a:spLocks noGrp="1"/>
+          </p:cNvSpPr>
+          <p:nvPr>
+            <p:ph type="body" idx="1"/>
+          </p:nvPr>
+        </p:nvSpPr>
+        <p:spPr/>
+        <p:txBody>
+          <a:bodyPr/>
+          <a:lstStyle/>
+          <a:p>
+            <a:r>
+              <a:rPr lang="de-DE" dirty="0"/>
+              <a:t>-Bärbel Bunt verwaltet den Fuhrpark</a:t>
+            </a:r>
+          </a:p>
+          <a:p>
+            <a:r>
+              <a:rPr lang="de-DE" dirty="0"/>
+              <a:t>-das Unternehmen reduziert den Fuhrpark auf wenige Fahrzeuge</a:t>
+            </a:r>
+          </a:p>
+          <a:p>
+            <a:r>
+              <a:rPr lang="de-DE" dirty="0"/>
+              <a:t>-damit fällt auch der Arbeitsplatz von Bärbel weg</a:t>
+            </a:r>
+          </a:p>
+          <a:p>
+            <a:r>
+              <a:rPr lang="de-DE" dirty="0"/>
+              <a:t>-zeitlich muss im Einkauf eine Stelle besetzt werden</a:t>
+            </a:r>
+          </a:p>
+          <a:p>
+            <a:r>
+              <a:rPr lang="de-DE" dirty="0"/>
+              <a:t>-Welche Möglichkeiten hat der Arbeitsgeber</a:t>
+            </a:r>
+          </a:p>
+          <a:p>
+            <a:endParaRPr lang="de-DE" dirty="0"/>
+          </a:p>
+        </p:txBody>
+      </p:sp>
+    </p:spTree>
+    <p:extLst>
+      <p:ext uri="{BB962C8B-B14F-4D97-AF65-F5344CB8AC3E}">
+        <p14:creationId xmlns:p14="http://schemas.microsoft.com/office/powerpoint/2010/main" val="2973813576"/>
+      </p:ext>
+    </p:extLst>
+  </p:cSld>
+  <p:clrMapOvr>
+    <a:masterClrMapping/>
+  </p:clrMapOvr>
+</p:notes>
+</file>
+
+<file path=ppt/notesSlides/notesSlide26.xml><?xml version="1.0" encoding="utf-8"?>
+<p:notes xmlns:a="http://schemas.openxmlformats.org/drawingml/2006/main" xmlns:r="http://schemas.openxmlformats.org/officeDocument/2006/relationships" xmlns:p="http://schemas.openxmlformats.org/presentationml/2006/main">
+  <p:cSld>
+    <p:spTree>
+      <p:nvGrpSpPr>
+        <p:cNvPr id="1" name=""/>
+        <p:cNvGrpSpPr/>
+        <p:nvPr/>
+      </p:nvGrpSpPr>
+      <p:grpSpPr>
+        <a:xfrm>
+          <a:off x="0" y="0"/>
+          <a:ext cx="0" cy="0"/>
+          <a:chOff x="0" y="0"/>
+          <a:chExt cx="0" cy="0"/>
+        </a:xfrm>
+      </p:grpSpPr>
+      <p:sp>
+        <p:nvSpPr>
+          <p:cNvPr id="2" name="Folienbildplatzhalter 1"/>
+          <p:cNvSpPr>
+            <a:spLocks noGrp="1" noRot="1" noChangeAspect="1"/>
+          </p:cNvSpPr>
+          <p:nvPr>
+            <p:ph type="sldImg"/>
+          </p:nvPr>
+        </p:nvSpPr>
+        <p:spPr/>
+      </p:sp>
+      <p:sp>
+        <p:nvSpPr>
+          <p:cNvPr id="3" name="Notizenplatzhalter 2"/>
+          <p:cNvSpPr>
+            <a:spLocks noGrp="1"/>
+          </p:cNvSpPr>
+          <p:nvPr>
+            <p:ph type="body" idx="1"/>
+          </p:nvPr>
+        </p:nvSpPr>
+        <p:spPr/>
+        <p:txBody>
+          <a:bodyPr/>
+          <a:lstStyle/>
+          <a:p>
+            <a:r>
+              <a:rPr lang="de-DE" dirty="0"/>
+              <a:t>-eine Möglichkeit ist die Änderungskündigung mit dem Angebot im Einkauf zu arbeiten</a:t>
+            </a:r>
+          </a:p>
+          <a:p>
+            <a:r>
+              <a:rPr lang="de-DE" dirty="0"/>
+              <a:t>-Annahme: die benötigten Qualifikationen sind vorhanden</a:t>
+            </a:r>
+          </a:p>
+          <a:p>
+            <a:endParaRPr lang="de-DE" dirty="0"/>
+          </a:p>
+        </p:txBody>
+      </p:sp>
+    </p:spTree>
+    <p:extLst>
+      <p:ext uri="{BB962C8B-B14F-4D97-AF65-F5344CB8AC3E}">
+        <p14:creationId xmlns:p14="http://schemas.microsoft.com/office/powerpoint/2010/main" val="1494763754"/>
+      </p:ext>
+    </p:extLst>
+  </p:cSld>
+  <p:clrMapOvr>
+    <a:masterClrMapping/>
+  </p:clrMapOvr>
+</p:notes>
+</file>
+
+<file path=ppt/notesSlides/notesSlide27.xml><?xml version="1.0" encoding="utf-8"?>
+<p:notes xmlns:a="http://schemas.openxmlformats.org/drawingml/2006/main" xmlns:r="http://schemas.openxmlformats.org/officeDocument/2006/relationships" xmlns:p="http://schemas.openxmlformats.org/presentationml/2006/main">
+  <p:cSld>
+    <p:spTree>
+      <p:nvGrpSpPr>
+        <p:cNvPr id="1" name=""/>
+        <p:cNvGrpSpPr/>
+        <p:nvPr/>
+      </p:nvGrpSpPr>
+      <p:grpSpPr>
+        <a:xfrm>
+          <a:off x="0" y="0"/>
+          <a:ext cx="0" cy="0"/>
+          <a:chOff x="0" y="0"/>
+          <a:chExt cx="0" cy="0"/>
+        </a:xfrm>
+      </p:grpSpPr>
+      <p:sp>
+        <p:nvSpPr>
+          <p:cNvPr id="2" name="Folienbildplatzhalter 1"/>
+          <p:cNvSpPr>
+            <a:spLocks noGrp="1" noRot="1" noChangeAspect="1"/>
+          </p:cNvSpPr>
+          <p:nvPr>
+            <p:ph type="sldImg"/>
+          </p:nvPr>
+        </p:nvSpPr>
+        <p:spPr/>
+      </p:sp>
+      <p:sp>
+        <p:nvSpPr>
+          <p:cNvPr id="3" name="Notizenplatzhalter 2"/>
+          <p:cNvSpPr>
+            <a:spLocks noGrp="1"/>
+          </p:cNvSpPr>
+          <p:nvPr>
+            <p:ph type="body" idx="1"/>
+          </p:nvPr>
+        </p:nvSpPr>
+        <p:spPr/>
+        <p:txBody>
+          <a:bodyPr/>
+          <a:lstStyle/>
+          <a:p>
+            <a:r>
+              <a:rPr lang="de-DE" dirty="0"/>
+              <a:t>-der neue Geschäftsführer kommt mit Martina Meier nicht zurecht</a:t>
+            </a:r>
+          </a:p>
+          <a:p>
+            <a:r>
+              <a:rPr lang="de-DE" dirty="0"/>
+              <a:t>-diese ist als Assistentin der Geschäftsführung eingestellt</a:t>
+            </a:r>
+          </a:p>
+          <a:p>
+            <a:r>
+              <a:rPr lang="de-DE" dirty="0"/>
+              <a:t>-die Zusammenarbeit mit Martina soll weiterhin bestehen</a:t>
+            </a:r>
+          </a:p>
+          <a:p>
+            <a:r>
+              <a:rPr lang="de-DE" dirty="0"/>
+              <a:t>-Martina soll Teil der Teamleitung einer Abteilung werden</a:t>
+            </a:r>
+          </a:p>
+          <a:p>
+            <a:endParaRPr lang="de-DE" dirty="0"/>
+          </a:p>
+        </p:txBody>
+      </p:sp>
+    </p:spTree>
+    <p:extLst>
+      <p:ext uri="{BB962C8B-B14F-4D97-AF65-F5344CB8AC3E}">
+        <p14:creationId xmlns:p14="http://schemas.microsoft.com/office/powerpoint/2010/main" val="2138832231"/>
+      </p:ext>
+    </p:extLst>
+  </p:cSld>
+  <p:clrMapOvr>
+    <a:masterClrMapping/>
+  </p:clrMapOvr>
+</p:notes>
+</file>
+
+<file path=ppt/notesSlides/notesSlide28.xml><?xml version="1.0" encoding="utf-8"?>
+<p:notes xmlns:a="http://schemas.openxmlformats.org/drawingml/2006/main" xmlns:r="http://schemas.openxmlformats.org/officeDocument/2006/relationships" xmlns:p="http://schemas.openxmlformats.org/presentationml/2006/main">
+  <p:cSld>
+    <p:spTree>
+      <p:nvGrpSpPr>
+        <p:cNvPr id="1" name=""/>
+        <p:cNvGrpSpPr/>
+        <p:nvPr/>
+      </p:nvGrpSpPr>
+      <p:grpSpPr>
+        <a:xfrm>
+          <a:off x="0" y="0"/>
+          <a:ext cx="0" cy="0"/>
+          <a:chOff x="0" y="0"/>
+          <a:chExt cx="0" cy="0"/>
+        </a:xfrm>
+      </p:grpSpPr>
+      <p:sp>
+        <p:nvSpPr>
+          <p:cNvPr id="2" name="Folienbildplatzhalter 1"/>
+          <p:cNvSpPr>
+            <a:spLocks noGrp="1" noRot="1" noChangeAspect="1"/>
+          </p:cNvSpPr>
+          <p:nvPr>
+            <p:ph type="sldImg"/>
+          </p:nvPr>
+        </p:nvSpPr>
+        <p:spPr/>
+      </p:sp>
+      <p:sp>
+        <p:nvSpPr>
+          <p:cNvPr id="3" name="Notizenplatzhalter 2"/>
+          <p:cNvSpPr>
+            <a:spLocks noGrp="1"/>
+          </p:cNvSpPr>
+          <p:nvPr>
+            <p:ph type="body" idx="1"/>
+          </p:nvPr>
+        </p:nvSpPr>
+        <p:spPr/>
+        <p:txBody>
+          <a:bodyPr/>
+          <a:lstStyle/>
+          <a:p>
+            <a:r>
+              <a:rPr lang="de-DE" dirty="0"/>
+              <a:t>-durch das Weisungsrecht als Assistentin der Geschäftsführung ist die Änderung zur Teamleitung nicht so einfach möglich</a:t>
+            </a:r>
+          </a:p>
+          <a:p>
+            <a:r>
+              <a:rPr lang="de-DE" dirty="0"/>
+              <a:t>-stimmt Martina direkt zu kann ihr Vertrag geändert werden</a:t>
+            </a:r>
+          </a:p>
+          <a:p>
+            <a:r>
+              <a:rPr lang="de-DE" dirty="0"/>
+              <a:t>-ansonsten bedarf es der Änderungskündigung</a:t>
+            </a:r>
+          </a:p>
+          <a:p>
+            <a:endParaRPr lang="de-DE" dirty="0"/>
+          </a:p>
+        </p:txBody>
+      </p:sp>
+    </p:spTree>
+    <p:extLst>
+      <p:ext uri="{BB962C8B-B14F-4D97-AF65-F5344CB8AC3E}">
+        <p14:creationId xmlns:p14="http://schemas.microsoft.com/office/powerpoint/2010/main" val="955736467"/>
+      </p:ext>
+    </p:extLst>
+  </p:cSld>
+  <p:clrMapOvr>
+    <a:masterClrMapping/>
+  </p:clrMapOvr>
+</p:notes>
+</file>
+
+<file path=ppt/notesSlides/notesSlide29.xml><?xml version="1.0" encoding="utf-8"?>
+<p:notes xmlns:a="http://schemas.openxmlformats.org/drawingml/2006/main" xmlns:r="http://schemas.openxmlformats.org/officeDocument/2006/relationships" xmlns:p="http://schemas.openxmlformats.org/presentationml/2006/main">
+  <p:cSld>
+    <p:spTree>
+      <p:nvGrpSpPr>
+        <p:cNvPr id="1" name=""/>
+        <p:cNvGrpSpPr/>
+        <p:nvPr/>
+      </p:nvGrpSpPr>
+      <p:grpSpPr>
+        <a:xfrm>
+          <a:off x="0" y="0"/>
+          <a:ext cx="0" cy="0"/>
+          <a:chOff x="0" y="0"/>
+          <a:chExt cx="0" cy="0"/>
+        </a:xfrm>
+      </p:grpSpPr>
+      <p:sp>
+        <p:nvSpPr>
+          <p:cNvPr id="2" name="Folienbildplatzhalter 1"/>
+          <p:cNvSpPr>
+            <a:spLocks noGrp="1" noRot="1" noChangeAspect="1"/>
+          </p:cNvSpPr>
+          <p:nvPr>
+            <p:ph type="sldImg"/>
+          </p:nvPr>
+        </p:nvSpPr>
+        <p:spPr/>
+      </p:sp>
+      <p:sp>
+        <p:nvSpPr>
+          <p:cNvPr id="3" name="Notizenplatzhalter 2"/>
+          <p:cNvSpPr>
+            <a:spLocks noGrp="1"/>
+          </p:cNvSpPr>
+          <p:nvPr>
+            <p:ph type="body" idx="1"/>
+          </p:nvPr>
+        </p:nvSpPr>
+        <p:spPr/>
+        <p:txBody>
+          <a:bodyPr/>
+          <a:lstStyle/>
+          <a:p>
+            <a:r>
+              <a:rPr lang="de-DE" dirty="0"/>
+              <a:t>-es gibt 3 mögliche Reaktionen auf eine Änderungskündigung</a:t>
+            </a:r>
+          </a:p>
+          <a:p>
+            <a:pPr marL="228600" indent="-228600">
+              <a:buAutoNum type="arabicPeriod"/>
+            </a:pPr>
+            <a:r>
+              <a:rPr lang="de-DE" dirty="0"/>
+              <a:t>Annehmen des Angebotes und Fortsetzen des Arbeitsverhältnisses mit geänderten Konditionen</a:t>
+            </a:r>
+          </a:p>
+          <a:p>
+            <a:pPr marL="228600" indent="-228600">
+              <a:buAutoNum type="arabicPeriod"/>
+            </a:pPr>
+            <a:r>
+              <a:rPr lang="de-DE" dirty="0"/>
+              <a:t>Ablehnen des Angebotes und aus scheiden aus dem Arbeitsverhältnis</a:t>
+            </a:r>
+          </a:p>
+          <a:p>
+            <a:pPr marL="228600" indent="-228600">
+              <a:buAutoNum type="arabicPeriod"/>
+            </a:pPr>
+            <a:r>
+              <a:rPr lang="de-DE" dirty="0"/>
+              <a:t>Annehmen unter Vorbehalt: Zunächst zu geänderten Konditionen arbeiten und währenddessen wird geprüft ob die Kündigung sozial gerechtfertigt ist</a:t>
+            </a:r>
+          </a:p>
+          <a:p>
+            <a:pPr marL="0" indent="0">
+              <a:buNone/>
+            </a:pPr>
+            <a:r>
+              <a:rPr lang="de-DE" dirty="0"/>
+              <a:t>-sozial gerecht: die neuen Konditionen bleiben bestehen</a:t>
+            </a:r>
+          </a:p>
+          <a:p>
+            <a:pPr marL="0" indent="0">
+              <a:buNone/>
+            </a:pPr>
+            <a:r>
+              <a:rPr lang="de-DE" dirty="0"/>
+              <a:t>-sozial nicht gerecht: die alten Konditionen werden wieder hergestellt</a:t>
+            </a:r>
+          </a:p>
+          <a:p>
+            <a:endParaRPr lang="de-DE" dirty="0"/>
+          </a:p>
+        </p:txBody>
+      </p:sp>
+    </p:spTree>
+    <p:extLst>
+      <p:ext uri="{BB962C8B-B14F-4D97-AF65-F5344CB8AC3E}">
+        <p14:creationId xmlns:p14="http://schemas.microsoft.com/office/powerpoint/2010/main" val="2184235187"/>
       </p:ext>
     </p:extLst>
   </p:cSld>
@@ -5997,6 +7565,30 @@
           <a:bodyPr/>
           <a:lstStyle/>
           <a:p>
+            <a:r>
+              <a:rPr lang="de-DE" dirty="0"/>
+              <a:t>-Arbeitspflicht ist eine an die Person gebundene Leistungspflicht</a:t>
+            </a:r>
+          </a:p>
+          <a:p>
+            <a:r>
+              <a:rPr lang="de-DE" dirty="0"/>
+              <a:t>-bei Tod des Arbeitnehmers endet das Arbeitsverhältnis automatisch</a:t>
+            </a:r>
+          </a:p>
+          <a:p>
+            <a:r>
+              <a:rPr lang="de-DE" dirty="0"/>
+              <a:t>-Ansprüche von Erben gegenüber des Arbeitgebers können geltend gemacht werden</a:t>
+            </a:r>
+          </a:p>
+          <a:p>
+            <a:r>
+              <a:rPr lang="de-DE" dirty="0"/>
+              <a:t>-Beispiele: Aushändigung persönlicher Gegenstände, Abgeltung von Urlaub, Zahlung von Abfindung</a:t>
+            </a:r>
+          </a:p>
+          <a:p>
             <a:endParaRPr lang="de-DE" dirty="0"/>
           </a:p>
         </p:txBody>
@@ -6004,7 +7596,469 @@
     </p:spTree>
     <p:extLst>
       <p:ext uri="{BB962C8B-B14F-4D97-AF65-F5344CB8AC3E}">
-        <p14:creationId xmlns:p14="http://schemas.microsoft.com/office/powerpoint/2010/main" val="2837189043"/>
+        <p14:creationId xmlns:p14="http://schemas.microsoft.com/office/powerpoint/2010/main" val="2454823597"/>
+      </p:ext>
+    </p:extLst>
+  </p:cSld>
+  <p:clrMapOvr>
+    <a:masterClrMapping/>
+  </p:clrMapOvr>
+</p:notes>
+</file>
+
+<file path=ppt/notesSlides/notesSlide30.xml><?xml version="1.0" encoding="utf-8"?>
+<p:notes xmlns:a="http://schemas.openxmlformats.org/drawingml/2006/main" xmlns:r="http://schemas.openxmlformats.org/officeDocument/2006/relationships" xmlns:p="http://schemas.openxmlformats.org/presentationml/2006/main">
+  <p:cSld>
+    <p:spTree>
+      <p:nvGrpSpPr>
+        <p:cNvPr id="1" name=""/>
+        <p:cNvGrpSpPr/>
+        <p:nvPr/>
+      </p:nvGrpSpPr>
+      <p:grpSpPr>
+        <a:xfrm>
+          <a:off x="0" y="0"/>
+          <a:ext cx="0" cy="0"/>
+          <a:chOff x="0" y="0"/>
+          <a:chExt cx="0" cy="0"/>
+        </a:xfrm>
+      </p:grpSpPr>
+      <p:sp>
+        <p:nvSpPr>
+          <p:cNvPr id="2" name="Folienbildplatzhalter 1"/>
+          <p:cNvSpPr>
+            <a:spLocks noGrp="1" noRot="1" noChangeAspect="1"/>
+          </p:cNvSpPr>
+          <p:nvPr>
+            <p:ph type="sldImg"/>
+          </p:nvPr>
+        </p:nvSpPr>
+        <p:spPr/>
+      </p:sp>
+      <p:sp>
+        <p:nvSpPr>
+          <p:cNvPr id="3" name="Notizenplatzhalter 2"/>
+          <p:cNvSpPr>
+            <a:spLocks noGrp="1"/>
+          </p:cNvSpPr>
+          <p:nvPr>
+            <p:ph type="body" idx="1"/>
+          </p:nvPr>
+        </p:nvSpPr>
+        <p:spPr/>
+        <p:txBody>
+          <a:bodyPr/>
+          <a:lstStyle/>
+          <a:p>
+            <a:r>
+              <a:rPr lang="de-DE" dirty="0"/>
+              <a:t>Mehr Informationen – Datei Inhalt - nennen</a:t>
+            </a:r>
+          </a:p>
+        </p:txBody>
+      </p:sp>
+    </p:spTree>
+    <p:extLst>
+      <p:ext uri="{BB962C8B-B14F-4D97-AF65-F5344CB8AC3E}">
+        <p14:creationId xmlns:p14="http://schemas.microsoft.com/office/powerpoint/2010/main" val="227031039"/>
+      </p:ext>
+    </p:extLst>
+  </p:cSld>
+  <p:clrMapOvr>
+    <a:masterClrMapping/>
+  </p:clrMapOvr>
+</p:notes>
+</file>
+
+<file path=ppt/notesSlides/notesSlide31.xml><?xml version="1.0" encoding="utf-8"?>
+<p:notes xmlns:a="http://schemas.openxmlformats.org/drawingml/2006/main" xmlns:r="http://schemas.openxmlformats.org/officeDocument/2006/relationships" xmlns:p="http://schemas.openxmlformats.org/presentationml/2006/main">
+  <p:cSld>
+    <p:spTree>
+      <p:nvGrpSpPr>
+        <p:cNvPr id="1" name=""/>
+        <p:cNvGrpSpPr/>
+        <p:nvPr/>
+      </p:nvGrpSpPr>
+      <p:grpSpPr>
+        <a:xfrm>
+          <a:off x="0" y="0"/>
+          <a:ext cx="0" cy="0"/>
+          <a:chOff x="0" y="0"/>
+          <a:chExt cx="0" cy="0"/>
+        </a:xfrm>
+      </p:grpSpPr>
+      <p:sp>
+        <p:nvSpPr>
+          <p:cNvPr id="2" name="Folienbildplatzhalter 1"/>
+          <p:cNvSpPr>
+            <a:spLocks noGrp="1" noRot="1" noChangeAspect="1"/>
+          </p:cNvSpPr>
+          <p:nvPr>
+            <p:ph type="sldImg"/>
+          </p:nvPr>
+        </p:nvSpPr>
+        <p:spPr/>
+      </p:sp>
+      <p:sp>
+        <p:nvSpPr>
+          <p:cNvPr id="3" name="Notizenplatzhalter 2"/>
+          <p:cNvSpPr>
+            <a:spLocks noGrp="1"/>
+          </p:cNvSpPr>
+          <p:nvPr>
+            <p:ph type="body" idx="1"/>
+          </p:nvPr>
+        </p:nvSpPr>
+        <p:spPr/>
+        <p:txBody>
+          <a:bodyPr/>
+          <a:lstStyle/>
+          <a:p>
+            <a:r>
+              <a:rPr lang="de-DE" dirty="0"/>
+              <a:t>Mehr Informationen – Datei Inhalt - nennen</a:t>
+            </a:r>
+          </a:p>
+        </p:txBody>
+      </p:sp>
+    </p:spTree>
+    <p:extLst>
+      <p:ext uri="{BB962C8B-B14F-4D97-AF65-F5344CB8AC3E}">
+        <p14:creationId xmlns:p14="http://schemas.microsoft.com/office/powerpoint/2010/main" val="548825917"/>
+      </p:ext>
+    </p:extLst>
+  </p:cSld>
+  <p:clrMapOvr>
+    <a:masterClrMapping/>
+  </p:clrMapOvr>
+</p:notes>
+</file>
+
+<file path=ppt/notesSlides/notesSlide32.xml><?xml version="1.0" encoding="utf-8"?>
+<p:notes xmlns:a="http://schemas.openxmlformats.org/drawingml/2006/main" xmlns:r="http://schemas.openxmlformats.org/officeDocument/2006/relationships" xmlns:p="http://schemas.openxmlformats.org/presentationml/2006/main">
+  <p:cSld>
+    <p:spTree>
+      <p:nvGrpSpPr>
+        <p:cNvPr id="1" name=""/>
+        <p:cNvGrpSpPr/>
+        <p:nvPr/>
+      </p:nvGrpSpPr>
+      <p:grpSpPr>
+        <a:xfrm>
+          <a:off x="0" y="0"/>
+          <a:ext cx="0" cy="0"/>
+          <a:chOff x="0" y="0"/>
+          <a:chExt cx="0" cy="0"/>
+        </a:xfrm>
+      </p:grpSpPr>
+      <p:sp>
+        <p:nvSpPr>
+          <p:cNvPr id="2" name="Folienbildplatzhalter 1"/>
+          <p:cNvSpPr>
+            <a:spLocks noGrp="1" noRot="1" noChangeAspect="1"/>
+          </p:cNvSpPr>
+          <p:nvPr>
+            <p:ph type="sldImg"/>
+          </p:nvPr>
+        </p:nvSpPr>
+        <p:spPr/>
+      </p:sp>
+      <p:sp>
+        <p:nvSpPr>
+          <p:cNvPr id="3" name="Notizenplatzhalter 2"/>
+          <p:cNvSpPr>
+            <a:spLocks noGrp="1"/>
+          </p:cNvSpPr>
+          <p:nvPr>
+            <p:ph type="body" idx="1"/>
+          </p:nvPr>
+        </p:nvSpPr>
+        <p:spPr/>
+        <p:txBody>
+          <a:bodyPr/>
+          <a:lstStyle/>
+          <a:p>
+            <a:r>
+              <a:rPr lang="de-DE" dirty="0"/>
+              <a:t>Mehr Informationen – Datei Inhalt - nennen</a:t>
+            </a:r>
+          </a:p>
+        </p:txBody>
+      </p:sp>
+    </p:spTree>
+    <p:extLst>
+      <p:ext uri="{BB962C8B-B14F-4D97-AF65-F5344CB8AC3E}">
+        <p14:creationId xmlns:p14="http://schemas.microsoft.com/office/powerpoint/2010/main" val="336108918"/>
+      </p:ext>
+    </p:extLst>
+  </p:cSld>
+  <p:clrMapOvr>
+    <a:masterClrMapping/>
+  </p:clrMapOvr>
+</p:notes>
+</file>
+
+<file path=ppt/notesSlides/notesSlide33.xml><?xml version="1.0" encoding="utf-8"?>
+<p:notes xmlns:a="http://schemas.openxmlformats.org/drawingml/2006/main" xmlns:r="http://schemas.openxmlformats.org/officeDocument/2006/relationships" xmlns:p="http://schemas.openxmlformats.org/presentationml/2006/main">
+  <p:cSld>
+    <p:spTree>
+      <p:nvGrpSpPr>
+        <p:cNvPr id="1" name=""/>
+        <p:cNvGrpSpPr/>
+        <p:nvPr/>
+      </p:nvGrpSpPr>
+      <p:grpSpPr>
+        <a:xfrm>
+          <a:off x="0" y="0"/>
+          <a:ext cx="0" cy="0"/>
+          <a:chOff x="0" y="0"/>
+          <a:chExt cx="0" cy="0"/>
+        </a:xfrm>
+      </p:grpSpPr>
+      <p:sp>
+        <p:nvSpPr>
+          <p:cNvPr id="2" name="Folienbildplatzhalter 1"/>
+          <p:cNvSpPr>
+            <a:spLocks noGrp="1" noRot="1" noChangeAspect="1"/>
+          </p:cNvSpPr>
+          <p:nvPr>
+            <p:ph type="sldImg"/>
+          </p:nvPr>
+        </p:nvSpPr>
+        <p:spPr/>
+      </p:sp>
+      <p:sp>
+        <p:nvSpPr>
+          <p:cNvPr id="3" name="Notizenplatzhalter 2"/>
+          <p:cNvSpPr>
+            <a:spLocks noGrp="1"/>
+          </p:cNvSpPr>
+          <p:nvPr>
+            <p:ph type="body" idx="1"/>
+          </p:nvPr>
+        </p:nvSpPr>
+        <p:spPr/>
+        <p:txBody>
+          <a:bodyPr/>
+          <a:lstStyle/>
+          <a:p>
+            <a:r>
+              <a:rPr lang="de-DE" dirty="0"/>
+              <a:t>Mehr Informationen – Datei Inhalt - nennen</a:t>
+            </a:r>
+          </a:p>
+        </p:txBody>
+      </p:sp>
+    </p:spTree>
+    <p:extLst>
+      <p:ext uri="{BB962C8B-B14F-4D97-AF65-F5344CB8AC3E}">
+        <p14:creationId xmlns:p14="http://schemas.microsoft.com/office/powerpoint/2010/main" val="2483484080"/>
+      </p:ext>
+    </p:extLst>
+  </p:cSld>
+  <p:clrMapOvr>
+    <a:masterClrMapping/>
+  </p:clrMapOvr>
+</p:notes>
+</file>
+
+<file path=ppt/notesSlides/notesSlide34.xml><?xml version="1.0" encoding="utf-8"?>
+<p:notes xmlns:a="http://schemas.openxmlformats.org/drawingml/2006/main" xmlns:r="http://schemas.openxmlformats.org/officeDocument/2006/relationships" xmlns:p="http://schemas.openxmlformats.org/presentationml/2006/main">
+  <p:cSld>
+    <p:spTree>
+      <p:nvGrpSpPr>
+        <p:cNvPr id="1" name=""/>
+        <p:cNvGrpSpPr/>
+        <p:nvPr/>
+      </p:nvGrpSpPr>
+      <p:grpSpPr>
+        <a:xfrm>
+          <a:off x="0" y="0"/>
+          <a:ext cx="0" cy="0"/>
+          <a:chOff x="0" y="0"/>
+          <a:chExt cx="0" cy="0"/>
+        </a:xfrm>
+      </p:grpSpPr>
+      <p:sp>
+        <p:nvSpPr>
+          <p:cNvPr id="2" name="Folienbildplatzhalter 1"/>
+          <p:cNvSpPr>
+            <a:spLocks noGrp="1" noRot="1" noChangeAspect="1"/>
+          </p:cNvSpPr>
+          <p:nvPr>
+            <p:ph type="sldImg"/>
+          </p:nvPr>
+        </p:nvSpPr>
+        <p:spPr/>
+      </p:sp>
+      <p:sp>
+        <p:nvSpPr>
+          <p:cNvPr id="3" name="Notizenplatzhalter 2"/>
+          <p:cNvSpPr>
+            <a:spLocks noGrp="1"/>
+          </p:cNvSpPr>
+          <p:nvPr>
+            <p:ph type="body" idx="1"/>
+          </p:nvPr>
+        </p:nvSpPr>
+        <p:spPr/>
+        <p:txBody>
+          <a:bodyPr/>
+          <a:lstStyle/>
+          <a:p>
+            <a:pPr marL="0" marR="0" lvl="0" indent="0" algn="ctr" defTabSz="914400" rtl="0" eaLnBrk="1" fontAlgn="base" latinLnBrk="0" hangingPunct="1">
+              <a:lnSpc>
+                <a:spcPct val="100000"/>
+              </a:lnSpc>
+              <a:spcBef>
+                <a:spcPct val="30000"/>
+              </a:spcBef>
+              <a:spcAft>
+                <a:spcPct val="0"/>
+              </a:spcAft>
+              <a:buClrTx/>
+              <a:buSzTx/>
+              <a:buFontTx/>
+              <a:buNone/>
+              <a:tabLst/>
+              <a:defRPr/>
+            </a:pPr>
+            <a:r>
+              <a:rPr lang="de-DE" dirty="0"/>
+              <a:t>Frage in die Runde – Aufklärung durch Erklärung des Themas </a:t>
+            </a:r>
+          </a:p>
+          <a:p>
+            <a:endParaRPr lang="de-DE" dirty="0"/>
+          </a:p>
+        </p:txBody>
+      </p:sp>
+    </p:spTree>
+    <p:extLst>
+      <p:ext uri="{BB962C8B-B14F-4D97-AF65-F5344CB8AC3E}">
+        <p14:creationId xmlns:p14="http://schemas.microsoft.com/office/powerpoint/2010/main" val="2328256058"/>
+      </p:ext>
+    </p:extLst>
+  </p:cSld>
+  <p:clrMapOvr>
+    <a:masterClrMapping/>
+  </p:clrMapOvr>
+</p:notes>
+</file>
+
+<file path=ppt/notesSlides/notesSlide35.xml><?xml version="1.0" encoding="utf-8"?>
+<p:notes xmlns:a="http://schemas.openxmlformats.org/drawingml/2006/main" xmlns:r="http://schemas.openxmlformats.org/officeDocument/2006/relationships" xmlns:p="http://schemas.openxmlformats.org/presentationml/2006/main">
+  <p:cSld>
+    <p:spTree>
+      <p:nvGrpSpPr>
+        <p:cNvPr id="1" name=""/>
+        <p:cNvGrpSpPr/>
+        <p:nvPr/>
+      </p:nvGrpSpPr>
+      <p:grpSpPr>
+        <a:xfrm>
+          <a:off x="0" y="0"/>
+          <a:ext cx="0" cy="0"/>
+          <a:chOff x="0" y="0"/>
+          <a:chExt cx="0" cy="0"/>
+        </a:xfrm>
+      </p:grpSpPr>
+      <p:sp>
+        <p:nvSpPr>
+          <p:cNvPr id="2" name="Folienbildplatzhalter 1"/>
+          <p:cNvSpPr>
+            <a:spLocks noGrp="1" noRot="1" noChangeAspect="1"/>
+          </p:cNvSpPr>
+          <p:nvPr>
+            <p:ph type="sldImg"/>
+          </p:nvPr>
+        </p:nvSpPr>
+        <p:spPr/>
+      </p:sp>
+      <p:sp>
+        <p:nvSpPr>
+          <p:cNvPr id="3" name="Notizenplatzhalter 2"/>
+          <p:cNvSpPr>
+            <a:spLocks noGrp="1"/>
+          </p:cNvSpPr>
+          <p:nvPr>
+            <p:ph type="body" idx="1"/>
+          </p:nvPr>
+        </p:nvSpPr>
+        <p:spPr/>
+        <p:txBody>
+          <a:bodyPr/>
+          <a:lstStyle/>
+          <a:p>
+            <a:endParaRPr lang="de-DE" dirty="0"/>
+          </a:p>
+        </p:txBody>
+      </p:sp>
+    </p:spTree>
+    <p:extLst>
+      <p:ext uri="{BB962C8B-B14F-4D97-AF65-F5344CB8AC3E}">
+        <p14:creationId xmlns:p14="http://schemas.microsoft.com/office/powerpoint/2010/main" val="2927870195"/>
+      </p:ext>
+    </p:extLst>
+  </p:cSld>
+  <p:clrMapOvr>
+    <a:masterClrMapping/>
+  </p:clrMapOvr>
+</p:notes>
+</file>
+
+<file path=ppt/notesSlides/notesSlide36.xml><?xml version="1.0" encoding="utf-8"?>
+<p:notes xmlns:a="http://schemas.openxmlformats.org/drawingml/2006/main" xmlns:r="http://schemas.openxmlformats.org/officeDocument/2006/relationships" xmlns:p="http://schemas.openxmlformats.org/presentationml/2006/main">
+  <p:cSld>
+    <p:spTree>
+      <p:nvGrpSpPr>
+        <p:cNvPr id="1" name=""/>
+        <p:cNvGrpSpPr/>
+        <p:nvPr/>
+      </p:nvGrpSpPr>
+      <p:grpSpPr>
+        <a:xfrm>
+          <a:off x="0" y="0"/>
+          <a:ext cx="0" cy="0"/>
+          <a:chOff x="0" y="0"/>
+          <a:chExt cx="0" cy="0"/>
+        </a:xfrm>
+      </p:grpSpPr>
+      <p:sp>
+        <p:nvSpPr>
+          <p:cNvPr id="2" name="Folienbildplatzhalter 1"/>
+          <p:cNvSpPr>
+            <a:spLocks noGrp="1" noRot="1" noChangeAspect="1"/>
+          </p:cNvSpPr>
+          <p:nvPr>
+            <p:ph type="sldImg"/>
+          </p:nvPr>
+        </p:nvSpPr>
+        <p:spPr/>
+      </p:sp>
+      <p:sp>
+        <p:nvSpPr>
+          <p:cNvPr id="3" name="Notizenplatzhalter 2"/>
+          <p:cNvSpPr>
+            <a:spLocks noGrp="1"/>
+          </p:cNvSpPr>
+          <p:nvPr>
+            <p:ph type="body" idx="1"/>
+          </p:nvPr>
+        </p:nvSpPr>
+        <p:spPr/>
+        <p:txBody>
+          <a:bodyPr/>
+          <a:lstStyle/>
+          <a:p>
+            <a:endParaRPr lang="de-DE" dirty="0"/>
+          </a:p>
+        </p:txBody>
+      </p:sp>
+    </p:spTree>
+    <p:extLst>
+      <p:ext uri="{BB962C8B-B14F-4D97-AF65-F5344CB8AC3E}">
+        <p14:creationId xmlns:p14="http://schemas.microsoft.com/office/powerpoint/2010/main" val="2008646652"/>
       </p:ext>
     </p:extLst>
   </p:cSld>
@@ -6058,6 +8112,30 @@
           <a:bodyPr/>
           <a:lstStyle/>
           <a:p>
+            <a:r>
+              <a:rPr lang="de-DE" dirty="0"/>
+              <a:t>-Max Müller verstirbt</a:t>
+            </a:r>
+          </a:p>
+          <a:p>
+            <a:r>
+              <a:rPr lang="de-DE" dirty="0"/>
+              <a:t>-Auf seinem Urlaubskonto sind noch 8 Tage die er hätte nehmen können</a:t>
+            </a:r>
+          </a:p>
+          <a:p>
+            <a:r>
+              <a:rPr lang="de-DE" dirty="0"/>
+              <a:t>-Diese 8 Tage sind dann abzugelten</a:t>
+            </a:r>
+          </a:p>
+          <a:p>
+            <a:r>
+              <a:rPr lang="de-DE" dirty="0"/>
+              <a:t>-Der entsprechende Geldbetrag ist an die Erben auszuzahlen</a:t>
+            </a:r>
+          </a:p>
+          <a:p>
             <a:endParaRPr lang="de-DE" dirty="0"/>
           </a:p>
         </p:txBody>
@@ -6065,7 +8143,7 @@
     </p:spTree>
     <p:extLst>
       <p:ext uri="{BB962C8B-B14F-4D97-AF65-F5344CB8AC3E}">
-        <p14:creationId xmlns:p14="http://schemas.microsoft.com/office/powerpoint/2010/main" val="3923527183"/>
+        <p14:creationId xmlns:p14="http://schemas.microsoft.com/office/powerpoint/2010/main" val="1617397297"/>
       </p:ext>
     </p:extLst>
   </p:cSld>
@@ -6121,15 +8199,54 @@
           <a:p>
             <a:r>
               <a:rPr lang="de-DE" dirty="0"/>
-              <a:t>Mehr Informationen – Datei Inhalt - nennen</a:t>
-            </a:r>
+              <a:t>-eigentlich kein Fall von automatischer Beendigung des Arbeitsverhältnisses aber als Information am Rand</a:t>
+            </a:r>
+          </a:p>
+          <a:p>
+            <a:r>
+              <a:rPr lang="de-DE" dirty="0"/>
+              <a:t>-Annahme: Arbeitgeber ist eine natürliche Person</a:t>
+            </a:r>
+          </a:p>
+          <a:p>
+            <a:r>
+              <a:rPr lang="de-DE" dirty="0"/>
+              <a:t>-der Tod vom Arbeitgeber hat keine Auswirkung auf das Arbeitsverhältnis</a:t>
+            </a:r>
+          </a:p>
+          <a:p>
+            <a:r>
+              <a:rPr lang="de-DE" dirty="0"/>
+              <a:t>-es gibt keine Vergleichbare Regelung oder Gesetze wie gerade beim Tod von Arbeitnehmer</a:t>
+            </a:r>
+          </a:p>
+          <a:p>
+            <a:r>
+              <a:rPr lang="de-DE" dirty="0"/>
+              <a:t>-das Unternehmen fällt an die Erben</a:t>
+            </a:r>
+          </a:p>
+          <a:p>
+            <a:r>
+              <a:rPr lang="de-DE" dirty="0"/>
+              <a:t>-Erben sind dann die Arbeitgeber</a:t>
+            </a:r>
+          </a:p>
+          <a:p>
+            <a:r>
+              <a:rPr lang="de-DE" dirty="0"/>
+              <a:t>-Arbeitsverhältnis bleibt bestehen</a:t>
+            </a:r>
+          </a:p>
+          <a:p>
+            <a:endParaRPr lang="de-DE" dirty="0"/>
           </a:p>
         </p:txBody>
       </p:sp>
     </p:spTree>
     <p:extLst>
       <p:ext uri="{BB962C8B-B14F-4D97-AF65-F5344CB8AC3E}">
-        <p14:creationId xmlns:p14="http://schemas.microsoft.com/office/powerpoint/2010/main" val="3686132942"/>
+        <p14:creationId xmlns:p14="http://schemas.microsoft.com/office/powerpoint/2010/main" val="288981909"/>
       </p:ext>
     </p:extLst>
   </p:cSld>
@@ -6183,6 +8300,36 @@
           <a:bodyPr/>
           <a:lstStyle/>
           <a:p>
+            <a:r>
+              <a:rPr lang="de-DE" dirty="0"/>
+              <a:t>-das Arbeitsverhältnis endet nach einem vereinbarten Zeitraum</a:t>
+            </a:r>
+          </a:p>
+          <a:p>
+            <a:r>
+              <a:rPr lang="de-DE" dirty="0"/>
+              <a:t>-sehr verbreiteter Fall und viele Arbeitsverhältnisse sind kalendermäßig befristet</a:t>
+            </a:r>
+          </a:p>
+          <a:p>
+            <a:r>
+              <a:rPr lang="de-DE" dirty="0"/>
+              <a:t>-z.B. Schüler/Studenten die in den Ferien irgendwo nur für x Wochen arbeiten</a:t>
+            </a:r>
+          </a:p>
+          <a:p>
+            <a:r>
+              <a:rPr lang="de-DE" dirty="0"/>
+              <a:t>-bedarf keiner Handlung zur Beendigung</a:t>
+            </a:r>
+          </a:p>
+          <a:p>
+            <a:r>
+              <a:rPr lang="de-DE" dirty="0"/>
+              <a:t>-Arbeitgeber muss vor dem Ende darauf hinweisen</a:t>
+            </a:r>
+          </a:p>
+          <a:p>
             <a:endParaRPr lang="de-DE" dirty="0"/>
           </a:p>
         </p:txBody>
@@ -6190,7 +8337,7 @@
     </p:spTree>
     <p:extLst>
       <p:ext uri="{BB962C8B-B14F-4D97-AF65-F5344CB8AC3E}">
-        <p14:creationId xmlns:p14="http://schemas.microsoft.com/office/powerpoint/2010/main" val="2578773954"/>
+        <p14:creationId xmlns:p14="http://schemas.microsoft.com/office/powerpoint/2010/main" val="2661188486"/>
       </p:ext>
     </p:extLst>
   </p:cSld>
@@ -6246,15 +8393,39 @@
           <a:p>
             <a:r>
               <a:rPr lang="de-DE" dirty="0"/>
-              <a:t>Mehr Informationen – Datei Inhalt - nennen</a:t>
-            </a:r>
+              <a:t>-es besteht immer das Recht den Arbeitsvertrag mit Auflösungsvertrag zu beenden</a:t>
+            </a:r>
+          </a:p>
+          <a:p>
+            <a:r>
+              <a:rPr lang="de-DE" dirty="0"/>
+              <a:t>-Einvernehmlich heißt dann das beide Parteien verhandeln und zustimmen</a:t>
+            </a:r>
+          </a:p>
+          <a:p>
+            <a:r>
+              <a:rPr lang="de-DE" dirty="0"/>
+              <a:t>-dabei kann das Ende frei bestimmt werden</a:t>
+            </a:r>
+          </a:p>
+          <a:p>
+            <a:r>
+              <a:rPr lang="de-DE" dirty="0"/>
+              <a:t>-der Arbeitnehmer hat für 3 Monate keinen Anspruch auf Arbeitslosengeld weil er der Beendigung zugestimmt hat</a:t>
+            </a:r>
+          </a:p>
+          <a:p>
+            <a:endParaRPr lang="de-DE" dirty="0"/>
+          </a:p>
+          <a:p>
+            <a:endParaRPr lang="de-DE" dirty="0"/>
           </a:p>
         </p:txBody>
       </p:sp>
     </p:spTree>
     <p:extLst>
       <p:ext uri="{BB962C8B-B14F-4D97-AF65-F5344CB8AC3E}">
-        <p14:creationId xmlns:p14="http://schemas.microsoft.com/office/powerpoint/2010/main" val="227031039"/>
+        <p14:creationId xmlns:p14="http://schemas.microsoft.com/office/powerpoint/2010/main" val="3791454489"/>
       </p:ext>
     </p:extLst>
   </p:cSld>
@@ -6310,15 +8481,54 @@
           <a:p>
             <a:r>
               <a:rPr lang="de-DE" dirty="0"/>
-              <a:t>Mehr Informationen – Datei Inhalt - nennen</a:t>
-            </a:r>
+              <a:t>-Max Müller arbeitet bei der Schnell und Gut GmbH</a:t>
+            </a:r>
+          </a:p>
+          <a:p>
+            <a:r>
+              <a:rPr lang="de-DE" dirty="0"/>
+              <a:t>-das Unternehmen befindet sich in einer wirtschaftlich schwierigen Phase</a:t>
+            </a:r>
+          </a:p>
+          <a:p>
+            <a:r>
+              <a:rPr lang="de-DE" dirty="0"/>
+              <a:t>-Max kriegt ein Angebot von einem anderen Unternehmen</a:t>
+            </a:r>
+          </a:p>
+          <a:p>
+            <a:r>
+              <a:rPr lang="de-DE" dirty="0"/>
+              <a:t>-er will das Angebot möglichst schnell antreten</a:t>
+            </a:r>
+          </a:p>
+          <a:p>
+            <a:r>
+              <a:rPr lang="de-DE" dirty="0"/>
+              <a:t>-er wendet sich an seinen Arbeitsgeber</a:t>
+            </a:r>
+          </a:p>
+          <a:p>
+            <a:r>
+              <a:rPr lang="de-DE" dirty="0"/>
+              <a:t>-dieser will nur ungern auf Max verzichten stimmt aber zu</a:t>
+            </a:r>
+          </a:p>
+          <a:p>
+            <a:r>
+              <a:rPr lang="de-DE" dirty="0"/>
+              <a:t>-im beidseitigen Einvernehmen endet das Arbeitsverhältnis zum Ende des Monats</a:t>
+            </a:r>
+          </a:p>
+          <a:p>
+            <a:endParaRPr lang="de-DE" dirty="0"/>
           </a:p>
         </p:txBody>
       </p:sp>
     </p:spTree>
     <p:extLst>
       <p:ext uri="{BB962C8B-B14F-4D97-AF65-F5344CB8AC3E}">
-        <p14:creationId xmlns:p14="http://schemas.microsoft.com/office/powerpoint/2010/main" val="548825917"/>
+        <p14:creationId xmlns:p14="http://schemas.microsoft.com/office/powerpoint/2010/main" val="180942429"/>
       </p:ext>
     </p:extLst>
   </p:cSld>
@@ -6374,7 +8584,51 @@
           <a:p>
             <a:r>
               <a:rPr lang="de-DE" dirty="0"/>
-              <a:t>Mehr Informationen – Datei Inhalt - nennen</a:t>
+              <a:t>-das Beispiel geht weiter</a:t>
+            </a:r>
+          </a:p>
+          <a:p>
+            <a:r>
+              <a:rPr lang="de-DE" dirty="0"/>
+              <a:t>-in der letzten Woche kommt Max einmal 5 Minuten zu spät</a:t>
+            </a:r>
+          </a:p>
+          <a:p>
+            <a:r>
+              <a:rPr lang="de-DE" dirty="0"/>
+              <a:t>-der Arbeitgeber spricht ihn sofort darauf an</a:t>
+            </a:r>
+          </a:p>
+          <a:p>
+            <a:r>
+              <a:rPr lang="de-DE" dirty="0"/>
+              <a:t>-bezichtigt ihn des Arbeitszeitbetrugs </a:t>
+            </a:r>
+          </a:p>
+          <a:p>
+            <a:r>
+              <a:rPr lang="de-DE" dirty="0"/>
+              <a:t>-Strafanzeige, fristlose Kündigung und schlechtes Arbeitszeugnis</a:t>
+            </a:r>
+          </a:p>
+          <a:p>
+            <a:r>
+              <a:rPr lang="de-DE" dirty="0"/>
+              <a:t>-Max soll der sofortigen Freistellung zustimmen</a:t>
+            </a:r>
+          </a:p>
+          <a:p>
+            <a:r>
+              <a:rPr lang="de-DE" dirty="0"/>
+              <a:t>-Situation nochmal </a:t>
+            </a:r>
+            <a:r>
+              <a:rPr lang="de-DE" dirty="0" err="1"/>
+              <a:t>zsm</a:t>
+            </a:r>
+            <a:r>
+              <a:rPr lang="de-DE" dirty="0"/>
+              <a:t> fassen</a:t>
             </a:r>
           </a:p>
         </p:txBody>
@@ -6382,7 +8636,7 @@
     </p:spTree>
     <p:extLst>
       <p:ext uri="{BB962C8B-B14F-4D97-AF65-F5344CB8AC3E}">
-        <p14:creationId xmlns:p14="http://schemas.microsoft.com/office/powerpoint/2010/main" val="336108918"/>
+        <p14:creationId xmlns:p14="http://schemas.microsoft.com/office/powerpoint/2010/main" val="528302768"/>
       </p:ext>
     </p:extLst>
   </p:cSld>
@@ -6393,6 +8647,884 @@
 </file>
 
 <file path=ppt/slideLayouts/slideLayout1.xml><?xml version="1.0" encoding="utf-8"?>
+<p:sldLayout xmlns:a="http://schemas.openxmlformats.org/drawingml/2006/main" xmlns:r="http://schemas.openxmlformats.org/officeDocument/2006/relationships" xmlns:p="http://schemas.openxmlformats.org/presentationml/2006/main" showMasterSp="0" type="title" preserve="1">
+  <p:cSld name="Titelfolie">
+    <p:spTree>
+      <p:nvGrpSpPr>
+        <p:cNvPr id="1" name=""/>
+        <p:cNvGrpSpPr/>
+        <p:nvPr/>
+      </p:nvGrpSpPr>
+      <p:grpSpPr>
+        <a:xfrm>
+          <a:off x="0" y="0"/>
+          <a:ext cx="0" cy="0"/>
+          <a:chOff x="0" y="0"/>
+          <a:chExt cx="0" cy="0"/>
+        </a:xfrm>
+      </p:grpSpPr>
+      <p:pic>
+        <p:nvPicPr>
+          <p:cNvPr id="4160" name="Picture 64" descr="Fotolia_2596290_XL duplex"/>
+          <p:cNvPicPr>
+            <a:picLocks noChangeAspect="1" noChangeArrowheads="1"/>
+          </p:cNvPicPr>
+          <p:nvPr userDrawn="1"/>
+        </p:nvPicPr>
+        <p:blipFill>
+          <a:blip r:embed="rId2">
+            <a:extLst>
+              <a:ext uri="{28A0092B-C50C-407E-A947-70E740481C1C}">
+                <a14:useLocalDpi xmlns:a14="http://schemas.microsoft.com/office/drawing/2010/main" val="0"/>
+              </a:ext>
+            </a:extLst>
+          </a:blip>
+          <a:srcRect t="607" b="11909"/>
+          <a:stretch>
+            <a:fillRect/>
+          </a:stretch>
+        </p:blipFill>
+        <p:spPr bwMode="auto">
+          <a:xfrm>
+            <a:off x="0" y="0"/>
+            <a:ext cx="9144000" cy="6858000"/>
+          </a:xfrm>
+          <a:prstGeom prst="rect">
+            <a:avLst/>
+          </a:prstGeom>
+          <a:noFill/>
+          <a:extLst>
+            <a:ext uri="{909E8E84-426E-40dd-AFC4-6F175D3DCCD1}">
+              <a14:hiddenFill xmlns:a14="http://schemas.microsoft.com/office/drawing/2010/main" xmlns="">
+                <a:solidFill>
+                  <a:srgbClr val="FFFFFF"/>
+                </a:solidFill>
+              </a14:hiddenFill>
+            </a:ext>
+          </a:extLst>
+        </p:spPr>
+      </p:pic>
+      <p:pic>
+        <p:nvPicPr>
+          <p:cNvPr id="4158" name="Picture 62" descr="Kästchen-blau-breit"/>
+          <p:cNvPicPr>
+            <a:picLocks noChangeAspect="1" noChangeArrowheads="1"/>
+          </p:cNvPicPr>
+          <p:nvPr userDrawn="1"/>
+        </p:nvPicPr>
+        <p:blipFill>
+          <a:blip r:embed="rId3">
+            <a:extLst>
+              <a:ext uri="{28A0092B-C50C-407E-A947-70E740481C1C}">
+                <a14:useLocalDpi xmlns:a14="http://schemas.microsoft.com/office/drawing/2010/main" val="0"/>
+              </a:ext>
+            </a:extLst>
+          </a:blip>
+          <a:srcRect l="11011" t="65588"/>
+          <a:stretch>
+            <a:fillRect/>
+          </a:stretch>
+        </p:blipFill>
+        <p:spPr bwMode="auto">
+          <a:xfrm>
+            <a:off x="0" y="0"/>
+            <a:ext cx="8647113" cy="1114425"/>
+          </a:xfrm>
+          <a:prstGeom prst="rect">
+            <a:avLst/>
+          </a:prstGeom>
+          <a:noFill/>
+          <a:extLst>
+            <a:ext uri="{909E8E84-426E-40dd-AFC4-6F175D3DCCD1}">
+              <a14:hiddenFill xmlns:a14="http://schemas.microsoft.com/office/drawing/2010/main" xmlns="">
+                <a:solidFill>
+                  <a:srgbClr val="FFFFFF"/>
+                </a:solidFill>
+              </a14:hiddenFill>
+            </a:ext>
+          </a:extLst>
+        </p:spPr>
+      </p:pic>
+      <p:sp>
+        <p:nvSpPr>
+          <p:cNvPr id="4117" name="Rectangle 21"/>
+          <p:cNvSpPr>
+            <a:spLocks noGrp="1" noChangeArrowheads="1"/>
+          </p:cNvSpPr>
+          <p:nvPr>
+            <p:ph type="ctrTitle" sz="quarter"/>
+          </p:nvPr>
+        </p:nvSpPr>
+        <p:spPr>
+          <a:extLst>
+            <a:ext uri="{909E8E84-426E-40dd-AFC4-6F175D3DCCD1}">
+              <a14:hiddenFill xmlns:a14="http://schemas.microsoft.com/office/drawing/2010/main" xmlns="">
+                <a:solidFill>
+                  <a:schemeClr val="accent2"/>
+                </a:solidFill>
+              </a14:hiddenFill>
+            </a:ext>
+            <a:ext uri="{91240B29-F687-4f45-9708-019B960494DF}">
+              <a14:hiddenLine xmlns:a14="http://schemas.microsoft.com/office/drawing/2010/main" xmlns="" w="9525">
+                <a:solidFill>
+                  <a:schemeClr val="accent2"/>
+                </a:solidFill>
+                <a:miter lim="800000"/>
+                <a:headEnd/>
+                <a:tailEnd/>
+              </a14:hiddenLine>
+            </a:ext>
+          </a:extLst>
+        </p:spPr>
+        <p:txBody>
+          <a:bodyPr/>
+          <a:lstStyle>
+            <a:lvl1pPr>
+              <a:defRPr/>
+            </a:lvl1pPr>
+          </a:lstStyle>
+          <a:p>
+            <a:pPr lvl="0"/>
+            <a:r>
+              <a:rPr lang="de-DE" noProof="0"/>
+              <a:t>Mastertitelformat bearbeiten</a:t>
+            </a:r>
+          </a:p>
+        </p:txBody>
+      </p:sp>
+      <p:grpSp>
+        <p:nvGrpSpPr>
+          <p:cNvPr id="4157" name="Group 61"/>
+          <p:cNvGrpSpPr>
+            <a:grpSpLocks/>
+          </p:cNvGrpSpPr>
+          <p:nvPr userDrawn="1"/>
+        </p:nvGrpSpPr>
+        <p:grpSpPr bwMode="auto">
+          <a:xfrm>
+            <a:off x="7024688" y="5949950"/>
+            <a:ext cx="2119312" cy="908050"/>
+            <a:chOff x="4425" y="3748"/>
+            <a:chExt cx="1335" cy="572"/>
+          </a:xfrm>
+        </p:grpSpPr>
+        <p:pic>
+          <p:nvPicPr>
+            <p:cNvPr id="4155" name="Picture 59" descr="Kästchen-weiss"/>
+            <p:cNvPicPr>
+              <a:picLocks noChangeAspect="1" noChangeArrowheads="1"/>
+            </p:cNvPicPr>
+            <p:nvPr userDrawn="1"/>
+          </p:nvPicPr>
+          <p:blipFill>
+            <a:blip r:embed="rId4">
+              <a:extLst>
+                <a:ext uri="{28A0092B-C50C-407E-A947-70E740481C1C}">
+                  <a14:useLocalDpi xmlns:a14="http://schemas.microsoft.com/office/drawing/2010/main" val="0"/>
+                </a:ext>
+              </a:extLst>
+            </a:blip>
+            <a:srcRect r="26407" b="68468"/>
+            <a:stretch>
+              <a:fillRect/>
+            </a:stretch>
+          </p:blipFill>
+          <p:spPr bwMode="auto">
+            <a:xfrm>
+              <a:off x="4425" y="3748"/>
+              <a:ext cx="1335" cy="572"/>
+            </a:xfrm>
+            <a:prstGeom prst="rect">
+              <a:avLst/>
+            </a:prstGeom>
+            <a:noFill/>
+            <a:extLst>
+              <a:ext uri="{909E8E84-426E-40dd-AFC4-6F175D3DCCD1}">
+                <a14:hiddenFill xmlns:a14="http://schemas.microsoft.com/office/drawing/2010/main" xmlns="">
+                  <a:solidFill>
+                    <a:srgbClr val="FFFFFF"/>
+                  </a:solidFill>
+                </a14:hiddenFill>
+              </a:ext>
+            </a:extLst>
+          </p:spPr>
+        </p:pic>
+        <p:pic>
+          <p:nvPicPr>
+            <p:cNvPr id="4154" name="Picture 58" descr="Logo-RGB"/>
+            <p:cNvPicPr>
+              <a:picLocks noChangeAspect="1" noChangeArrowheads="1"/>
+            </p:cNvPicPr>
+            <p:nvPr userDrawn="1"/>
+          </p:nvPicPr>
+          <p:blipFill>
+            <a:blip r:embed="rId5">
+              <a:extLst>
+                <a:ext uri="{28A0092B-C50C-407E-A947-70E740481C1C}">
+                  <a14:useLocalDpi xmlns:a14="http://schemas.microsoft.com/office/drawing/2010/main" val="0"/>
+                </a:ext>
+              </a:extLst>
+            </a:blip>
+            <a:srcRect/>
+            <a:stretch>
+              <a:fillRect/>
+            </a:stretch>
+          </p:blipFill>
+          <p:spPr bwMode="auto">
+            <a:xfrm>
+              <a:off x="4613" y="3864"/>
+              <a:ext cx="834" cy="257"/>
+            </a:xfrm>
+            <a:prstGeom prst="rect">
+              <a:avLst/>
+            </a:prstGeom>
+            <a:noFill/>
+            <a:extLst>
+              <a:ext uri="{909E8E84-426E-40dd-AFC4-6F175D3DCCD1}">
+                <a14:hiddenFill xmlns:a14="http://schemas.microsoft.com/office/drawing/2010/main" xmlns="">
+                  <a:solidFill>
+                    <a:srgbClr val="FFFFFF"/>
+                  </a:solidFill>
+                </a14:hiddenFill>
+              </a:ext>
+            </a:extLst>
+          </p:spPr>
+        </p:pic>
+      </p:grpSp>
+    </p:spTree>
+  </p:cSld>
+  <p:clrMapOvr>
+    <a:masterClrMapping/>
+  </p:clrMapOvr>
+  <p:transition>
+    <p:dissolve/>
+  </p:transition>
+</p:sldLayout>
+</file>
+
+<file path=ppt/slideLayouts/slideLayout10.xml><?xml version="1.0" encoding="utf-8"?>
+<p:sldLayout xmlns:a="http://schemas.openxmlformats.org/drawingml/2006/main" xmlns:r="http://schemas.openxmlformats.org/officeDocument/2006/relationships" xmlns:p="http://schemas.openxmlformats.org/presentationml/2006/main" type="vertTx" preserve="1">
+  <p:cSld name="Titel und vertikaler Text">
+    <p:spTree>
+      <p:nvGrpSpPr>
+        <p:cNvPr id="1" name=""/>
+        <p:cNvGrpSpPr/>
+        <p:nvPr/>
+      </p:nvGrpSpPr>
+      <p:grpSpPr>
+        <a:xfrm>
+          <a:off x="0" y="0"/>
+          <a:ext cx="0" cy="0"/>
+          <a:chOff x="0" y="0"/>
+          <a:chExt cx="0" cy="0"/>
+        </a:xfrm>
+      </p:grpSpPr>
+      <p:sp>
+        <p:nvSpPr>
+          <p:cNvPr id="2" name="Titel 1"/>
+          <p:cNvSpPr>
+            <a:spLocks noGrp="1"/>
+          </p:cNvSpPr>
+          <p:nvPr>
+            <p:ph type="title"/>
+          </p:nvPr>
+        </p:nvSpPr>
+        <p:spPr/>
+        <p:txBody>
+          <a:bodyPr/>
+          <a:lstStyle/>
+          <a:p>
+            <a:r>
+              <a:rPr lang="de-DE"/>
+              <a:t>Mastertitelformat bearbeiten</a:t>
+            </a:r>
+          </a:p>
+        </p:txBody>
+      </p:sp>
+      <p:sp>
+        <p:nvSpPr>
+          <p:cNvPr id="3" name="Vertikaler Textplatzhalter 2"/>
+          <p:cNvSpPr>
+            <a:spLocks noGrp="1"/>
+          </p:cNvSpPr>
+          <p:nvPr>
+            <p:ph type="body" orient="vert" idx="1"/>
+          </p:nvPr>
+        </p:nvSpPr>
+        <p:spPr/>
+        <p:txBody>
+          <a:bodyPr vert="eaVert"/>
+          <a:lstStyle/>
+          <a:p>
+            <a:pPr lvl="0"/>
+            <a:r>
+              <a:rPr lang="de-DE"/>
+              <a:t>Mastertextformat bearbeiten</a:t>
+            </a:r>
+          </a:p>
+          <a:p>
+            <a:pPr lvl="1"/>
+            <a:r>
+              <a:rPr lang="de-DE"/>
+              <a:t>Zweite Ebene</a:t>
+            </a:r>
+          </a:p>
+          <a:p>
+            <a:pPr lvl="2"/>
+            <a:r>
+              <a:rPr lang="de-DE"/>
+              <a:t>Dritte Ebene</a:t>
+            </a:r>
+          </a:p>
+          <a:p>
+            <a:pPr lvl="3"/>
+            <a:r>
+              <a:rPr lang="de-DE"/>
+              <a:t>Vierte Ebene</a:t>
+            </a:r>
+          </a:p>
+          <a:p>
+            <a:pPr lvl="4"/>
+            <a:r>
+              <a:rPr lang="de-DE"/>
+              <a:t>Fünfte Ebene</a:t>
+            </a:r>
+          </a:p>
+        </p:txBody>
+      </p:sp>
+    </p:spTree>
+    <p:extLst>
+      <p:ext uri="{BB962C8B-B14F-4D97-AF65-F5344CB8AC3E}">
+        <p14:creationId xmlns:p14="http://schemas.microsoft.com/office/powerpoint/2010/main" val="3311336270"/>
+      </p:ext>
+    </p:extLst>
+  </p:cSld>
+  <p:clrMapOvr>
+    <a:masterClrMapping/>
+  </p:clrMapOvr>
+  <p:transition>
+    <p:dissolve/>
+  </p:transition>
+</p:sldLayout>
+</file>
+
+<file path=ppt/slideLayouts/slideLayout11.xml><?xml version="1.0" encoding="utf-8"?>
+<p:sldLayout xmlns:a="http://schemas.openxmlformats.org/drawingml/2006/main" xmlns:r="http://schemas.openxmlformats.org/officeDocument/2006/relationships" xmlns:p="http://schemas.openxmlformats.org/presentationml/2006/main" type="vertTitleAndTx" preserve="1">
+  <p:cSld name="Vertikaler Titel und Text">
+    <p:spTree>
+      <p:nvGrpSpPr>
+        <p:cNvPr id="1" name=""/>
+        <p:cNvGrpSpPr/>
+        <p:nvPr/>
+      </p:nvGrpSpPr>
+      <p:grpSpPr>
+        <a:xfrm>
+          <a:off x="0" y="0"/>
+          <a:ext cx="0" cy="0"/>
+          <a:chOff x="0" y="0"/>
+          <a:chExt cx="0" cy="0"/>
+        </a:xfrm>
+      </p:grpSpPr>
+      <p:sp>
+        <p:nvSpPr>
+          <p:cNvPr id="2" name="Vertikaler Titel 1"/>
+          <p:cNvSpPr>
+            <a:spLocks noGrp="1"/>
+          </p:cNvSpPr>
+          <p:nvPr>
+            <p:ph type="title" orient="vert"/>
+          </p:nvPr>
+        </p:nvSpPr>
+        <p:spPr>
+          <a:xfrm>
+            <a:off x="6629400" y="188913"/>
+            <a:ext cx="2017713" cy="5949950"/>
+          </a:xfrm>
+        </p:spPr>
+        <p:txBody>
+          <a:bodyPr vert="eaVert"/>
+          <a:lstStyle/>
+          <a:p>
+            <a:r>
+              <a:rPr lang="de-DE"/>
+              <a:t>Mastertitelformat bearbeiten</a:t>
+            </a:r>
+          </a:p>
+        </p:txBody>
+      </p:sp>
+      <p:sp>
+        <p:nvSpPr>
+          <p:cNvPr id="3" name="Vertikaler Textplatzhalter 2"/>
+          <p:cNvSpPr>
+            <a:spLocks noGrp="1"/>
+          </p:cNvSpPr>
+          <p:nvPr>
+            <p:ph type="body" orient="vert" idx="1"/>
+          </p:nvPr>
+        </p:nvSpPr>
+        <p:spPr>
+          <a:xfrm>
+            <a:off x="573088" y="188913"/>
+            <a:ext cx="5903912" cy="5949950"/>
+          </a:xfrm>
+        </p:spPr>
+        <p:txBody>
+          <a:bodyPr vert="eaVert"/>
+          <a:lstStyle/>
+          <a:p>
+            <a:pPr lvl="0"/>
+            <a:r>
+              <a:rPr lang="de-DE"/>
+              <a:t>Mastertextformat bearbeiten</a:t>
+            </a:r>
+          </a:p>
+          <a:p>
+            <a:pPr lvl="1"/>
+            <a:r>
+              <a:rPr lang="de-DE"/>
+              <a:t>Zweite Ebene</a:t>
+            </a:r>
+          </a:p>
+          <a:p>
+            <a:pPr lvl="2"/>
+            <a:r>
+              <a:rPr lang="de-DE"/>
+              <a:t>Dritte Ebene</a:t>
+            </a:r>
+          </a:p>
+          <a:p>
+            <a:pPr lvl="3"/>
+            <a:r>
+              <a:rPr lang="de-DE"/>
+              <a:t>Vierte Ebene</a:t>
+            </a:r>
+          </a:p>
+          <a:p>
+            <a:pPr lvl="4"/>
+            <a:r>
+              <a:rPr lang="de-DE"/>
+              <a:t>Fünfte Ebene</a:t>
+            </a:r>
+          </a:p>
+        </p:txBody>
+      </p:sp>
+    </p:spTree>
+    <p:extLst>
+      <p:ext uri="{BB962C8B-B14F-4D97-AF65-F5344CB8AC3E}">
+        <p14:creationId xmlns:p14="http://schemas.microsoft.com/office/powerpoint/2010/main" val="2855733929"/>
+      </p:ext>
+    </p:extLst>
+  </p:cSld>
+  <p:clrMapOvr>
+    <a:masterClrMapping/>
+  </p:clrMapOvr>
+  <p:transition>
+    <p:dissolve/>
+  </p:transition>
+</p:sldLayout>
+</file>
+
+<file path=ppt/slideLayouts/slideLayout12.xml><?xml version="1.0" encoding="utf-8"?>
+<p:sldLayout xmlns:a="http://schemas.openxmlformats.org/drawingml/2006/main" xmlns:r="http://schemas.openxmlformats.org/officeDocument/2006/relationships" xmlns:p="http://schemas.openxmlformats.org/presentationml/2006/main" type="titleOnly" preserve="1">
+  <p:cSld name="Nur Titel">
+    <p:spTree>
+      <p:nvGrpSpPr>
+        <p:cNvPr id="1" name=""/>
+        <p:cNvGrpSpPr/>
+        <p:nvPr/>
+      </p:nvGrpSpPr>
+      <p:grpSpPr>
+        <a:xfrm>
+          <a:off x="0" y="0"/>
+          <a:ext cx="0" cy="0"/>
+          <a:chOff x="0" y="0"/>
+          <a:chExt cx="0" cy="0"/>
+        </a:xfrm>
+      </p:grpSpPr>
+    </p:spTree>
+    <p:extLst>
+      <p:ext uri="{BB962C8B-B14F-4D97-AF65-F5344CB8AC3E}">
+        <p14:creationId xmlns:p14="http://schemas.microsoft.com/office/powerpoint/2010/main" val="813669936"/>
+      </p:ext>
+    </p:extLst>
+  </p:cSld>
+  <p:clrMapOvr>
+    <a:masterClrMapping/>
+  </p:clrMapOvr>
+  <p:transition>
+    <p:dissolve/>
+  </p:transition>
+</p:sldLayout>
+</file>
+
+<file path=ppt/slideLayouts/slideLayout13.xml><?xml version="1.0" encoding="utf-8"?>
+<p:sldLayout xmlns:a="http://schemas.openxmlformats.org/drawingml/2006/main" xmlns:r="http://schemas.openxmlformats.org/officeDocument/2006/relationships" xmlns:p="http://schemas.openxmlformats.org/presentationml/2006/main" type="twoTxTwoObj" preserve="1">
+  <p:cSld name="Vergleich">
+    <p:spTree>
+      <p:nvGrpSpPr>
+        <p:cNvPr id="1" name=""/>
+        <p:cNvGrpSpPr/>
+        <p:nvPr/>
+      </p:nvGrpSpPr>
+      <p:grpSpPr>
+        <a:xfrm>
+          <a:off x="0" y="0"/>
+          <a:ext cx="0" cy="0"/>
+          <a:chOff x="0" y="0"/>
+          <a:chExt cx="0" cy="0"/>
+        </a:xfrm>
+      </p:grpSpPr>
+      <p:sp>
+        <p:nvSpPr>
+          <p:cNvPr id="2" name="Textplatzhalter 4">
+            <a:extLst>
+              <a:ext uri="{FF2B5EF4-FFF2-40B4-BE49-F238E27FC236}">
+                <a16:creationId xmlns:a16="http://schemas.microsoft.com/office/drawing/2014/main" id="{A492C140-DE02-DD04-4D2D-ACF14EA79CE4}"/>
+              </a:ext>
+            </a:extLst>
+          </p:cNvPr>
+          <p:cNvSpPr txBox="1">
+            <a:spLocks noGrp="1"/>
+          </p:cNvSpPr>
+          <p:nvPr>
+            <p:ph type="body" idx="1"/>
+          </p:nvPr>
+        </p:nvSpPr>
+        <p:spPr>
+          <a:xfrm>
+            <a:off x="4645023" y="1535113"/>
+            <a:ext cx="4041776" cy="639759"/>
+          </a:xfrm>
+        </p:spPr>
+        <p:txBody>
+          <a:bodyPr anchor="b"/>
+          <a:lstStyle>
+            <a:lvl1pPr marL="0" indent="0">
+              <a:spcAft>
+                <a:spcPts val="900"/>
+              </a:spcAft>
+              <a:buNone/>
+              <a:defRPr sz="2400" b="1"/>
+            </a:lvl1pPr>
+          </a:lstStyle>
+          <a:p>
+            <a:pPr lvl="0"/>
+            <a:r>
+              <a:rPr lang="de-DE"/>
+              <a:t>Mastertextformat bearbeiten</a:t>
+            </a:r>
+          </a:p>
+        </p:txBody>
+      </p:sp>
+      <p:sp>
+        <p:nvSpPr>
+          <p:cNvPr id="3" name="Inhaltsplatzhalter 5">
+            <a:extLst>
+              <a:ext uri="{FF2B5EF4-FFF2-40B4-BE49-F238E27FC236}">
+                <a16:creationId xmlns:a16="http://schemas.microsoft.com/office/drawing/2014/main" id="{15BBD5CA-B7F0-3F72-1A02-0BFE8C271549}"/>
+              </a:ext>
+            </a:extLst>
+          </p:cNvPr>
+          <p:cNvSpPr txBox="1">
+            <a:spLocks noGrp="1"/>
+          </p:cNvSpPr>
+          <p:nvPr>
+            <p:ph idx="2"/>
+          </p:nvPr>
+        </p:nvSpPr>
+        <p:spPr>
+          <a:xfrm>
+            <a:off x="4645023" y="2174872"/>
+            <a:ext cx="4041776" cy="3951286"/>
+          </a:xfrm>
+        </p:spPr>
+        <p:txBody>
+          <a:bodyPr/>
+          <a:lstStyle>
+            <a:lvl1pPr>
+              <a:spcAft>
+                <a:spcPts val="900"/>
+              </a:spcAft>
+              <a:defRPr sz="2400"/>
+            </a:lvl1pPr>
+            <a:lvl2pPr>
+              <a:spcAft>
+                <a:spcPts val="700"/>
+              </a:spcAft>
+              <a:defRPr sz="2000"/>
+            </a:lvl2pPr>
+            <a:lvl3pPr>
+              <a:defRPr sz="1800"/>
+            </a:lvl3pPr>
+            <a:lvl4pPr>
+              <a:defRPr/>
+            </a:lvl4pPr>
+            <a:lvl5pPr>
+              <a:defRPr/>
+            </a:lvl5pPr>
+          </a:lstStyle>
+          <a:p>
+            <a:pPr lvl="0"/>
+            <a:r>
+              <a:rPr lang="de-DE"/>
+              <a:t>Mastertextformat bearbeiten</a:t>
+            </a:r>
+          </a:p>
+          <a:p>
+            <a:pPr lvl="1"/>
+            <a:r>
+              <a:rPr lang="de-DE"/>
+              <a:t>Zweite Ebene</a:t>
+            </a:r>
+          </a:p>
+          <a:p>
+            <a:pPr lvl="2"/>
+            <a:r>
+              <a:rPr lang="de-DE"/>
+              <a:t>Dritte Ebene</a:t>
+            </a:r>
+          </a:p>
+          <a:p>
+            <a:pPr lvl="3"/>
+            <a:r>
+              <a:rPr lang="de-DE"/>
+              <a:t>Vierte Ebene</a:t>
+            </a:r>
+          </a:p>
+          <a:p>
+            <a:pPr lvl="4"/>
+            <a:r>
+              <a:rPr lang="de-DE"/>
+              <a:t>Fünfte Ebene</a:t>
+            </a:r>
+          </a:p>
+        </p:txBody>
+      </p:sp>
+    </p:spTree>
+    <p:extLst>
+      <p:ext uri="{BB962C8B-B14F-4D97-AF65-F5344CB8AC3E}">
+        <p14:creationId xmlns:p14="http://schemas.microsoft.com/office/powerpoint/2010/main" val="3302335173"/>
+      </p:ext>
+    </p:extLst>
+  </p:cSld>
+  <p:clrMapOvr>
+    <a:masterClrMapping/>
+  </p:clrMapOvr>
+  <p:transition>
+    <p:dissolve/>
+  </p:transition>
+</p:sldLayout>
+</file>
+
+<file path=ppt/slideLayouts/slideLayout14.xml><?xml version="1.0" encoding="utf-8"?>
+<p:sldLayout xmlns:a="http://schemas.openxmlformats.org/drawingml/2006/main" xmlns:r="http://schemas.openxmlformats.org/officeDocument/2006/relationships" xmlns:p="http://schemas.openxmlformats.org/presentationml/2006/main" userDrawn="1">
+  <p:cSld name="1_Titel und Inhalt">
+    <p:spTree>
+      <p:nvGrpSpPr>
+        <p:cNvPr id="1" name=""/>
+        <p:cNvGrpSpPr/>
+        <p:nvPr/>
+      </p:nvGrpSpPr>
+      <p:grpSpPr>
+        <a:xfrm>
+          <a:off x="0" y="0"/>
+          <a:ext cx="0" cy="0"/>
+          <a:chOff x="0" y="0"/>
+          <a:chExt cx="0" cy="0"/>
+        </a:xfrm>
+      </p:grpSpPr>
+      <p:sp>
+        <p:nvSpPr>
+          <p:cNvPr id="2" name="Titel 1"/>
+          <p:cNvSpPr>
+            <a:spLocks noGrp="1"/>
+          </p:cNvSpPr>
+          <p:nvPr>
+            <p:ph type="title"/>
+          </p:nvPr>
+        </p:nvSpPr>
+        <p:spPr/>
+        <p:txBody>
+          <a:bodyPr/>
+          <a:lstStyle/>
+          <a:p>
+            <a:r>
+              <a:rPr lang="de-DE"/>
+              <a:t>Mastertitelformat bearbeiten</a:t>
+            </a:r>
+          </a:p>
+        </p:txBody>
+      </p:sp>
+      <p:sp>
+        <p:nvSpPr>
+          <p:cNvPr id="3" name="Inhaltsplatzhalter 2"/>
+          <p:cNvSpPr>
+            <a:spLocks noGrp="1"/>
+          </p:cNvSpPr>
+          <p:nvPr>
+            <p:ph idx="1"/>
+          </p:nvPr>
+        </p:nvSpPr>
+        <p:spPr>
+          <a:xfrm>
+            <a:off x="582613" y="1733550"/>
+            <a:ext cx="8064500" cy="4405313"/>
+          </a:xfrm>
+        </p:spPr>
+        <p:txBody>
+          <a:bodyPr/>
+          <a:lstStyle/>
+          <a:p>
+            <a:pPr lvl="0"/>
+            <a:r>
+              <a:rPr lang="de-DE"/>
+              <a:t>Mastertextformat bearbeiten</a:t>
+            </a:r>
+          </a:p>
+          <a:p>
+            <a:pPr lvl="1"/>
+            <a:r>
+              <a:rPr lang="de-DE"/>
+              <a:t>Zweite Ebene</a:t>
+            </a:r>
+          </a:p>
+          <a:p>
+            <a:pPr lvl="2"/>
+            <a:r>
+              <a:rPr lang="de-DE"/>
+              <a:t>Dritte Ebene</a:t>
+            </a:r>
+          </a:p>
+          <a:p>
+            <a:pPr lvl="3"/>
+            <a:r>
+              <a:rPr lang="de-DE"/>
+              <a:t>Vierte Ebene</a:t>
+            </a:r>
+          </a:p>
+          <a:p>
+            <a:pPr lvl="4"/>
+            <a:r>
+              <a:rPr lang="de-DE"/>
+              <a:t>Fünfte Ebene</a:t>
+            </a:r>
+          </a:p>
+        </p:txBody>
+      </p:sp>
+      <p:sp>
+        <p:nvSpPr>
+          <p:cNvPr id="4" name="Fußzeilenplatzhalter 3"/>
+          <p:cNvSpPr>
+            <a:spLocks noGrp="1"/>
+          </p:cNvSpPr>
+          <p:nvPr>
+            <p:ph type="ftr" sz="quarter" idx="10"/>
+          </p:nvPr>
+        </p:nvSpPr>
+        <p:spPr/>
+        <p:txBody>
+          <a:bodyPr/>
+          <a:lstStyle/>
+          <a:p>
+            <a:endParaRPr lang="de-DE" dirty="0"/>
+          </a:p>
+        </p:txBody>
+      </p:sp>
+      <p:sp>
+        <p:nvSpPr>
+          <p:cNvPr id="6" name="Textplatzhalter 5"/>
+          <p:cNvSpPr>
+            <a:spLocks noGrp="1"/>
+          </p:cNvSpPr>
+          <p:nvPr>
+            <p:ph type="body" sz="quarter" idx="11" hasCustomPrompt="1"/>
+          </p:nvPr>
+        </p:nvSpPr>
+        <p:spPr>
+          <a:xfrm>
+            <a:off x="582613" y="6278880"/>
+            <a:ext cx="6618287" cy="146263"/>
+          </a:xfrm>
+        </p:spPr>
+        <p:txBody>
+          <a:bodyPr anchor="b"/>
+          <a:lstStyle>
+            <a:lvl1pPr marL="0" indent="0">
+              <a:buNone/>
+              <a:defRPr sz="800"/>
+            </a:lvl1pPr>
+          </a:lstStyle>
+          <a:p>
+            <a:pPr lvl="0"/>
+            <a:r>
+              <a:rPr lang="de-DE" dirty="0"/>
+              <a:t>Quelle, Kommentar, Fußnote (optional)</a:t>
+            </a:r>
+          </a:p>
+        </p:txBody>
+      </p:sp>
+      <p:sp>
+        <p:nvSpPr>
+          <p:cNvPr id="9" name="Textplatzhalter 8"/>
+          <p:cNvSpPr>
+            <a:spLocks noGrp="1"/>
+          </p:cNvSpPr>
+          <p:nvPr>
+            <p:ph type="body" sz="quarter" idx="12" hasCustomPrompt="1"/>
+          </p:nvPr>
+        </p:nvSpPr>
+        <p:spPr>
+          <a:xfrm>
+            <a:off x="582613" y="1271588"/>
+            <a:ext cx="8064500" cy="273600"/>
+          </a:xfrm>
+        </p:spPr>
+        <p:txBody>
+          <a:bodyPr/>
+          <a:lstStyle>
+            <a:lvl1pPr marL="0" indent="0">
+              <a:buNone/>
+              <a:defRPr lang="de-DE" sz="1800" b="1" kern="1200" dirty="0" smtClean="0">
+                <a:solidFill>
+                  <a:srgbClr val="00377D"/>
+                </a:solidFill>
+                <a:latin typeface="Arial" charset="0"/>
+                <a:ea typeface="ＭＳ Ｐゴシック" charset="0"/>
+                <a:cs typeface="+mn-cs"/>
+              </a:defRPr>
+            </a:lvl1pPr>
+          </a:lstStyle>
+          <a:p>
+            <a:pPr lvl="0"/>
+            <a:r>
+              <a:rPr lang="de-DE" dirty="0"/>
+              <a:t>Überschrift 2. Ordnung (optional)</a:t>
+            </a:r>
+          </a:p>
+        </p:txBody>
+      </p:sp>
+    </p:spTree>
+    <p:extLst>
+      <p:ext uri="{BB962C8B-B14F-4D97-AF65-F5344CB8AC3E}">
+        <p14:creationId xmlns:p14="http://schemas.microsoft.com/office/powerpoint/2010/main" val="3156595033"/>
+      </p:ext>
+    </p:extLst>
+  </p:cSld>
+  <p:clrMapOvr>
+    <a:masterClrMapping/>
+  </p:clrMapOvr>
+  <mc:AlternateContent xmlns:mc="http://schemas.openxmlformats.org/markup-compatibility/2006" xmlns:p14="http://schemas.microsoft.com/office/powerpoint/2010/main">
+    <mc:Choice Requires="p14">
+      <p:transition p14:dur="10"/>
+    </mc:Choice>
+    <mc:Fallback xmlns="">
+      <p:transition/>
+    </mc:Fallback>
+  </mc:AlternateContent>
+</p:sldLayout>
+</file>
+
+<file path=ppt/slideLayouts/slideLayout15.xml><?xml version="1.0" encoding="utf-8"?>
 <p:sldLayout xmlns:a="http://schemas.openxmlformats.org/drawingml/2006/main" xmlns:r="http://schemas.openxmlformats.org/officeDocument/2006/relationships" xmlns:p="http://schemas.openxmlformats.org/presentationml/2006/main" showMasterSp="0" type="title" preserve="1">
   <p:cSld name="Titelfolie">
     <p:spTree>
@@ -6638,884 +9770,6 @@
         </p:pic>
       </p:grpSp>
     </p:spTree>
-  </p:cSld>
-  <p:clrMapOvr>
-    <a:masterClrMapping/>
-  </p:clrMapOvr>
-  <p:transition>
-    <p:dissolve/>
-  </p:transition>
-</p:sldLayout>
-</file>
-
-<file path=ppt/slideLayouts/slideLayout10.xml><?xml version="1.0" encoding="utf-8"?>
-<p:sldLayout xmlns:a="http://schemas.openxmlformats.org/drawingml/2006/main" xmlns:r="http://schemas.openxmlformats.org/officeDocument/2006/relationships" xmlns:p="http://schemas.openxmlformats.org/presentationml/2006/main" type="vertTx" preserve="1">
-  <p:cSld name="Titel und vertikaler Text">
-    <p:spTree>
-      <p:nvGrpSpPr>
-        <p:cNvPr id="1" name=""/>
-        <p:cNvGrpSpPr/>
-        <p:nvPr/>
-      </p:nvGrpSpPr>
-      <p:grpSpPr>
-        <a:xfrm>
-          <a:off x="0" y="0"/>
-          <a:ext cx="0" cy="0"/>
-          <a:chOff x="0" y="0"/>
-          <a:chExt cx="0" cy="0"/>
-        </a:xfrm>
-      </p:grpSpPr>
-      <p:sp>
-        <p:nvSpPr>
-          <p:cNvPr id="2" name="Titel 1"/>
-          <p:cNvSpPr>
-            <a:spLocks noGrp="1"/>
-          </p:cNvSpPr>
-          <p:nvPr>
-            <p:ph type="title"/>
-          </p:nvPr>
-        </p:nvSpPr>
-        <p:spPr/>
-        <p:txBody>
-          <a:bodyPr/>
-          <a:lstStyle/>
-          <a:p>
-            <a:r>
-              <a:rPr lang="de-DE"/>
-              <a:t>Mastertitelformat bearbeiten</a:t>
-            </a:r>
-          </a:p>
-        </p:txBody>
-      </p:sp>
-      <p:sp>
-        <p:nvSpPr>
-          <p:cNvPr id="3" name="Vertikaler Textplatzhalter 2"/>
-          <p:cNvSpPr>
-            <a:spLocks noGrp="1"/>
-          </p:cNvSpPr>
-          <p:nvPr>
-            <p:ph type="body" orient="vert" idx="1"/>
-          </p:nvPr>
-        </p:nvSpPr>
-        <p:spPr/>
-        <p:txBody>
-          <a:bodyPr vert="eaVert"/>
-          <a:lstStyle/>
-          <a:p>
-            <a:pPr lvl="0"/>
-            <a:r>
-              <a:rPr lang="de-DE"/>
-              <a:t>Mastertextformat bearbeiten</a:t>
-            </a:r>
-          </a:p>
-          <a:p>
-            <a:pPr lvl="1"/>
-            <a:r>
-              <a:rPr lang="de-DE"/>
-              <a:t>Zweite Ebene</a:t>
-            </a:r>
-          </a:p>
-          <a:p>
-            <a:pPr lvl="2"/>
-            <a:r>
-              <a:rPr lang="de-DE"/>
-              <a:t>Dritte Ebene</a:t>
-            </a:r>
-          </a:p>
-          <a:p>
-            <a:pPr lvl="3"/>
-            <a:r>
-              <a:rPr lang="de-DE"/>
-              <a:t>Vierte Ebene</a:t>
-            </a:r>
-          </a:p>
-          <a:p>
-            <a:pPr lvl="4"/>
-            <a:r>
-              <a:rPr lang="de-DE"/>
-              <a:t>Fünfte Ebene</a:t>
-            </a:r>
-          </a:p>
-        </p:txBody>
-      </p:sp>
-    </p:spTree>
-    <p:extLst>
-      <p:ext uri="{BB962C8B-B14F-4D97-AF65-F5344CB8AC3E}">
-        <p14:creationId xmlns:p14="http://schemas.microsoft.com/office/powerpoint/2010/main" val="3311336270"/>
-      </p:ext>
-    </p:extLst>
-  </p:cSld>
-  <p:clrMapOvr>
-    <a:masterClrMapping/>
-  </p:clrMapOvr>
-  <p:transition>
-    <p:dissolve/>
-  </p:transition>
-</p:sldLayout>
-</file>
-
-<file path=ppt/slideLayouts/slideLayout11.xml><?xml version="1.0" encoding="utf-8"?>
-<p:sldLayout xmlns:a="http://schemas.openxmlformats.org/drawingml/2006/main" xmlns:r="http://schemas.openxmlformats.org/officeDocument/2006/relationships" xmlns:p="http://schemas.openxmlformats.org/presentationml/2006/main" type="vertTitleAndTx" preserve="1">
-  <p:cSld name="Vertikaler Titel und Text">
-    <p:spTree>
-      <p:nvGrpSpPr>
-        <p:cNvPr id="1" name=""/>
-        <p:cNvGrpSpPr/>
-        <p:nvPr/>
-      </p:nvGrpSpPr>
-      <p:grpSpPr>
-        <a:xfrm>
-          <a:off x="0" y="0"/>
-          <a:ext cx="0" cy="0"/>
-          <a:chOff x="0" y="0"/>
-          <a:chExt cx="0" cy="0"/>
-        </a:xfrm>
-      </p:grpSpPr>
-      <p:sp>
-        <p:nvSpPr>
-          <p:cNvPr id="2" name="Vertikaler Titel 1"/>
-          <p:cNvSpPr>
-            <a:spLocks noGrp="1"/>
-          </p:cNvSpPr>
-          <p:nvPr>
-            <p:ph type="title" orient="vert"/>
-          </p:nvPr>
-        </p:nvSpPr>
-        <p:spPr>
-          <a:xfrm>
-            <a:off x="6629400" y="188913"/>
-            <a:ext cx="2017713" cy="5949950"/>
-          </a:xfrm>
-        </p:spPr>
-        <p:txBody>
-          <a:bodyPr vert="eaVert"/>
-          <a:lstStyle/>
-          <a:p>
-            <a:r>
-              <a:rPr lang="de-DE"/>
-              <a:t>Mastertitelformat bearbeiten</a:t>
-            </a:r>
-          </a:p>
-        </p:txBody>
-      </p:sp>
-      <p:sp>
-        <p:nvSpPr>
-          <p:cNvPr id="3" name="Vertikaler Textplatzhalter 2"/>
-          <p:cNvSpPr>
-            <a:spLocks noGrp="1"/>
-          </p:cNvSpPr>
-          <p:nvPr>
-            <p:ph type="body" orient="vert" idx="1"/>
-          </p:nvPr>
-        </p:nvSpPr>
-        <p:spPr>
-          <a:xfrm>
-            <a:off x="573088" y="188913"/>
-            <a:ext cx="5903912" cy="5949950"/>
-          </a:xfrm>
-        </p:spPr>
-        <p:txBody>
-          <a:bodyPr vert="eaVert"/>
-          <a:lstStyle/>
-          <a:p>
-            <a:pPr lvl="0"/>
-            <a:r>
-              <a:rPr lang="de-DE"/>
-              <a:t>Mastertextformat bearbeiten</a:t>
-            </a:r>
-          </a:p>
-          <a:p>
-            <a:pPr lvl="1"/>
-            <a:r>
-              <a:rPr lang="de-DE"/>
-              <a:t>Zweite Ebene</a:t>
-            </a:r>
-          </a:p>
-          <a:p>
-            <a:pPr lvl="2"/>
-            <a:r>
-              <a:rPr lang="de-DE"/>
-              <a:t>Dritte Ebene</a:t>
-            </a:r>
-          </a:p>
-          <a:p>
-            <a:pPr lvl="3"/>
-            <a:r>
-              <a:rPr lang="de-DE"/>
-              <a:t>Vierte Ebene</a:t>
-            </a:r>
-          </a:p>
-          <a:p>
-            <a:pPr lvl="4"/>
-            <a:r>
-              <a:rPr lang="de-DE"/>
-              <a:t>Fünfte Ebene</a:t>
-            </a:r>
-          </a:p>
-        </p:txBody>
-      </p:sp>
-    </p:spTree>
-    <p:extLst>
-      <p:ext uri="{BB962C8B-B14F-4D97-AF65-F5344CB8AC3E}">
-        <p14:creationId xmlns:p14="http://schemas.microsoft.com/office/powerpoint/2010/main" val="2855733929"/>
-      </p:ext>
-    </p:extLst>
-  </p:cSld>
-  <p:clrMapOvr>
-    <a:masterClrMapping/>
-  </p:clrMapOvr>
-  <p:transition>
-    <p:dissolve/>
-  </p:transition>
-</p:sldLayout>
-</file>
-
-<file path=ppt/slideLayouts/slideLayout12.xml><?xml version="1.0" encoding="utf-8"?>
-<p:sldLayout xmlns:a="http://schemas.openxmlformats.org/drawingml/2006/main" xmlns:r="http://schemas.openxmlformats.org/officeDocument/2006/relationships" xmlns:p="http://schemas.openxmlformats.org/presentationml/2006/main" type="titleOnly" preserve="1">
-  <p:cSld name="Nur Titel">
-    <p:spTree>
-      <p:nvGrpSpPr>
-        <p:cNvPr id="1" name=""/>
-        <p:cNvGrpSpPr/>
-        <p:nvPr/>
-      </p:nvGrpSpPr>
-      <p:grpSpPr>
-        <a:xfrm>
-          <a:off x="0" y="0"/>
-          <a:ext cx="0" cy="0"/>
-          <a:chOff x="0" y="0"/>
-          <a:chExt cx="0" cy="0"/>
-        </a:xfrm>
-      </p:grpSpPr>
-    </p:spTree>
-    <p:extLst>
-      <p:ext uri="{BB962C8B-B14F-4D97-AF65-F5344CB8AC3E}">
-        <p14:creationId xmlns:p14="http://schemas.microsoft.com/office/powerpoint/2010/main" val="813669936"/>
-      </p:ext>
-    </p:extLst>
-  </p:cSld>
-  <p:clrMapOvr>
-    <a:masterClrMapping/>
-  </p:clrMapOvr>
-  <p:transition>
-    <p:dissolve/>
-  </p:transition>
-</p:sldLayout>
-</file>
-
-<file path=ppt/slideLayouts/slideLayout13.xml><?xml version="1.0" encoding="utf-8"?>
-<p:sldLayout xmlns:a="http://schemas.openxmlformats.org/drawingml/2006/main" xmlns:r="http://schemas.openxmlformats.org/officeDocument/2006/relationships" xmlns:p="http://schemas.openxmlformats.org/presentationml/2006/main" type="twoTxTwoObj" preserve="1">
-  <p:cSld name="Vergleich">
-    <p:spTree>
-      <p:nvGrpSpPr>
-        <p:cNvPr id="1" name=""/>
-        <p:cNvGrpSpPr/>
-        <p:nvPr/>
-      </p:nvGrpSpPr>
-      <p:grpSpPr>
-        <a:xfrm>
-          <a:off x="0" y="0"/>
-          <a:ext cx="0" cy="0"/>
-          <a:chOff x="0" y="0"/>
-          <a:chExt cx="0" cy="0"/>
-        </a:xfrm>
-      </p:grpSpPr>
-      <p:sp>
-        <p:nvSpPr>
-          <p:cNvPr id="2" name="Textplatzhalter 4">
-            <a:extLst>
-              <a:ext uri="{FF2B5EF4-FFF2-40B4-BE49-F238E27FC236}">
-                <a16:creationId xmlns:a16="http://schemas.microsoft.com/office/drawing/2014/main" id="{A492C140-DE02-DD04-4D2D-ACF14EA79CE4}"/>
-              </a:ext>
-            </a:extLst>
-          </p:cNvPr>
-          <p:cNvSpPr txBox="1">
-            <a:spLocks noGrp="1"/>
-          </p:cNvSpPr>
-          <p:nvPr>
-            <p:ph type="body" idx="1"/>
-          </p:nvPr>
-        </p:nvSpPr>
-        <p:spPr>
-          <a:xfrm>
-            <a:off x="4645023" y="1535113"/>
-            <a:ext cx="4041776" cy="639759"/>
-          </a:xfrm>
-        </p:spPr>
-        <p:txBody>
-          <a:bodyPr anchor="b"/>
-          <a:lstStyle>
-            <a:lvl1pPr marL="0" indent="0">
-              <a:spcAft>
-                <a:spcPts val="900"/>
-              </a:spcAft>
-              <a:buNone/>
-              <a:defRPr sz="2400" b="1"/>
-            </a:lvl1pPr>
-          </a:lstStyle>
-          <a:p>
-            <a:pPr lvl="0"/>
-            <a:r>
-              <a:rPr lang="de-DE"/>
-              <a:t>Mastertextformat bearbeiten</a:t>
-            </a:r>
-          </a:p>
-        </p:txBody>
-      </p:sp>
-      <p:sp>
-        <p:nvSpPr>
-          <p:cNvPr id="3" name="Inhaltsplatzhalter 5">
-            <a:extLst>
-              <a:ext uri="{FF2B5EF4-FFF2-40B4-BE49-F238E27FC236}">
-                <a16:creationId xmlns:a16="http://schemas.microsoft.com/office/drawing/2014/main" id="{15BBD5CA-B7F0-3F72-1A02-0BFE8C271549}"/>
-              </a:ext>
-            </a:extLst>
-          </p:cNvPr>
-          <p:cNvSpPr txBox="1">
-            <a:spLocks noGrp="1"/>
-          </p:cNvSpPr>
-          <p:nvPr>
-            <p:ph idx="2"/>
-          </p:nvPr>
-        </p:nvSpPr>
-        <p:spPr>
-          <a:xfrm>
-            <a:off x="4645023" y="2174872"/>
-            <a:ext cx="4041776" cy="3951286"/>
-          </a:xfrm>
-        </p:spPr>
-        <p:txBody>
-          <a:bodyPr/>
-          <a:lstStyle>
-            <a:lvl1pPr>
-              <a:spcAft>
-                <a:spcPts val="900"/>
-              </a:spcAft>
-              <a:defRPr sz="2400"/>
-            </a:lvl1pPr>
-            <a:lvl2pPr>
-              <a:spcAft>
-                <a:spcPts val="700"/>
-              </a:spcAft>
-              <a:defRPr sz="2000"/>
-            </a:lvl2pPr>
-            <a:lvl3pPr>
-              <a:defRPr sz="1800"/>
-            </a:lvl3pPr>
-            <a:lvl4pPr>
-              <a:defRPr/>
-            </a:lvl4pPr>
-            <a:lvl5pPr>
-              <a:defRPr/>
-            </a:lvl5pPr>
-          </a:lstStyle>
-          <a:p>
-            <a:pPr lvl="0"/>
-            <a:r>
-              <a:rPr lang="de-DE"/>
-              <a:t>Mastertextformat bearbeiten</a:t>
-            </a:r>
-          </a:p>
-          <a:p>
-            <a:pPr lvl="1"/>
-            <a:r>
-              <a:rPr lang="de-DE"/>
-              <a:t>Zweite Ebene</a:t>
-            </a:r>
-          </a:p>
-          <a:p>
-            <a:pPr lvl="2"/>
-            <a:r>
-              <a:rPr lang="de-DE"/>
-              <a:t>Dritte Ebene</a:t>
-            </a:r>
-          </a:p>
-          <a:p>
-            <a:pPr lvl="3"/>
-            <a:r>
-              <a:rPr lang="de-DE"/>
-              <a:t>Vierte Ebene</a:t>
-            </a:r>
-          </a:p>
-          <a:p>
-            <a:pPr lvl="4"/>
-            <a:r>
-              <a:rPr lang="de-DE"/>
-              <a:t>Fünfte Ebene</a:t>
-            </a:r>
-          </a:p>
-        </p:txBody>
-      </p:sp>
-    </p:spTree>
-    <p:extLst>
-      <p:ext uri="{BB962C8B-B14F-4D97-AF65-F5344CB8AC3E}">
-        <p14:creationId xmlns:p14="http://schemas.microsoft.com/office/powerpoint/2010/main" val="3302335173"/>
-      </p:ext>
-    </p:extLst>
-  </p:cSld>
-  <p:clrMapOvr>
-    <a:masterClrMapping/>
-  </p:clrMapOvr>
-  <p:transition>
-    <p:dissolve/>
-  </p:transition>
-</p:sldLayout>
-</file>
-
-<file path=ppt/slideLayouts/slideLayout14.xml><?xml version="1.0" encoding="utf-8"?>
-<p:sldLayout xmlns:a="http://schemas.openxmlformats.org/drawingml/2006/main" xmlns:r="http://schemas.openxmlformats.org/officeDocument/2006/relationships" xmlns:p="http://schemas.openxmlformats.org/presentationml/2006/main" userDrawn="1">
-  <p:cSld name="1_Titel und Inhalt">
-    <p:spTree>
-      <p:nvGrpSpPr>
-        <p:cNvPr id="1" name=""/>
-        <p:cNvGrpSpPr/>
-        <p:nvPr/>
-      </p:nvGrpSpPr>
-      <p:grpSpPr>
-        <a:xfrm>
-          <a:off x="0" y="0"/>
-          <a:ext cx="0" cy="0"/>
-          <a:chOff x="0" y="0"/>
-          <a:chExt cx="0" cy="0"/>
-        </a:xfrm>
-      </p:grpSpPr>
-      <p:sp>
-        <p:nvSpPr>
-          <p:cNvPr id="2" name="Titel 1"/>
-          <p:cNvSpPr>
-            <a:spLocks noGrp="1"/>
-          </p:cNvSpPr>
-          <p:nvPr>
-            <p:ph type="title"/>
-          </p:nvPr>
-        </p:nvSpPr>
-        <p:spPr/>
-        <p:txBody>
-          <a:bodyPr/>
-          <a:lstStyle/>
-          <a:p>
-            <a:r>
-              <a:rPr lang="de-DE"/>
-              <a:t>Mastertitelformat bearbeiten</a:t>
-            </a:r>
-          </a:p>
-        </p:txBody>
-      </p:sp>
-      <p:sp>
-        <p:nvSpPr>
-          <p:cNvPr id="3" name="Inhaltsplatzhalter 2"/>
-          <p:cNvSpPr>
-            <a:spLocks noGrp="1"/>
-          </p:cNvSpPr>
-          <p:nvPr>
-            <p:ph idx="1"/>
-          </p:nvPr>
-        </p:nvSpPr>
-        <p:spPr>
-          <a:xfrm>
-            <a:off x="582613" y="1733550"/>
-            <a:ext cx="8064500" cy="4405313"/>
-          </a:xfrm>
-        </p:spPr>
-        <p:txBody>
-          <a:bodyPr/>
-          <a:lstStyle/>
-          <a:p>
-            <a:pPr lvl="0"/>
-            <a:r>
-              <a:rPr lang="de-DE"/>
-              <a:t>Mastertextformat bearbeiten</a:t>
-            </a:r>
-          </a:p>
-          <a:p>
-            <a:pPr lvl="1"/>
-            <a:r>
-              <a:rPr lang="de-DE"/>
-              <a:t>Zweite Ebene</a:t>
-            </a:r>
-          </a:p>
-          <a:p>
-            <a:pPr lvl="2"/>
-            <a:r>
-              <a:rPr lang="de-DE"/>
-              <a:t>Dritte Ebene</a:t>
-            </a:r>
-          </a:p>
-          <a:p>
-            <a:pPr lvl="3"/>
-            <a:r>
-              <a:rPr lang="de-DE"/>
-              <a:t>Vierte Ebene</a:t>
-            </a:r>
-          </a:p>
-          <a:p>
-            <a:pPr lvl="4"/>
-            <a:r>
-              <a:rPr lang="de-DE"/>
-              <a:t>Fünfte Ebene</a:t>
-            </a:r>
-          </a:p>
-        </p:txBody>
-      </p:sp>
-      <p:sp>
-        <p:nvSpPr>
-          <p:cNvPr id="4" name="Fußzeilenplatzhalter 3"/>
-          <p:cNvSpPr>
-            <a:spLocks noGrp="1"/>
-          </p:cNvSpPr>
-          <p:nvPr>
-            <p:ph type="ftr" sz="quarter" idx="10"/>
-          </p:nvPr>
-        </p:nvSpPr>
-        <p:spPr/>
-        <p:txBody>
-          <a:bodyPr/>
-          <a:lstStyle/>
-          <a:p>
-            <a:endParaRPr lang="de-DE" dirty="0"/>
-          </a:p>
-        </p:txBody>
-      </p:sp>
-      <p:sp>
-        <p:nvSpPr>
-          <p:cNvPr id="6" name="Textplatzhalter 5"/>
-          <p:cNvSpPr>
-            <a:spLocks noGrp="1"/>
-          </p:cNvSpPr>
-          <p:nvPr>
-            <p:ph type="body" sz="quarter" idx="11" hasCustomPrompt="1"/>
-          </p:nvPr>
-        </p:nvSpPr>
-        <p:spPr>
-          <a:xfrm>
-            <a:off x="582613" y="6278880"/>
-            <a:ext cx="6618287" cy="146263"/>
-          </a:xfrm>
-        </p:spPr>
-        <p:txBody>
-          <a:bodyPr anchor="b"/>
-          <a:lstStyle>
-            <a:lvl1pPr marL="0" indent="0">
-              <a:buNone/>
-              <a:defRPr sz="800"/>
-            </a:lvl1pPr>
-          </a:lstStyle>
-          <a:p>
-            <a:pPr lvl="0"/>
-            <a:r>
-              <a:rPr lang="de-DE" dirty="0"/>
-              <a:t>Quelle, Kommentar, Fußnote (optional)</a:t>
-            </a:r>
-          </a:p>
-        </p:txBody>
-      </p:sp>
-      <p:sp>
-        <p:nvSpPr>
-          <p:cNvPr id="9" name="Textplatzhalter 8"/>
-          <p:cNvSpPr>
-            <a:spLocks noGrp="1"/>
-          </p:cNvSpPr>
-          <p:nvPr>
-            <p:ph type="body" sz="quarter" idx="12" hasCustomPrompt="1"/>
-          </p:nvPr>
-        </p:nvSpPr>
-        <p:spPr>
-          <a:xfrm>
-            <a:off x="582613" y="1271588"/>
-            <a:ext cx="8064500" cy="273600"/>
-          </a:xfrm>
-        </p:spPr>
-        <p:txBody>
-          <a:bodyPr/>
-          <a:lstStyle>
-            <a:lvl1pPr marL="0" indent="0">
-              <a:buNone/>
-              <a:defRPr lang="de-DE" sz="1800" b="1" kern="1200" dirty="0" smtClean="0">
-                <a:solidFill>
-                  <a:srgbClr val="00377D"/>
-                </a:solidFill>
-                <a:latin typeface="Arial" charset="0"/>
-                <a:ea typeface="ＭＳ Ｐゴシック" charset="0"/>
-                <a:cs typeface="+mn-cs"/>
-              </a:defRPr>
-            </a:lvl1pPr>
-          </a:lstStyle>
-          <a:p>
-            <a:pPr lvl="0"/>
-            <a:r>
-              <a:rPr lang="de-DE" dirty="0"/>
-              <a:t>Überschrift 2. Ordnung (optional)</a:t>
-            </a:r>
-          </a:p>
-        </p:txBody>
-      </p:sp>
-    </p:spTree>
-    <p:extLst>
-      <p:ext uri="{BB962C8B-B14F-4D97-AF65-F5344CB8AC3E}">
-        <p14:creationId xmlns:p14="http://schemas.microsoft.com/office/powerpoint/2010/main" val="3156595033"/>
-      </p:ext>
-    </p:extLst>
-  </p:cSld>
-  <p:clrMapOvr>
-    <a:masterClrMapping/>
-  </p:clrMapOvr>
-  <mc:AlternateContent xmlns:mc="http://schemas.openxmlformats.org/markup-compatibility/2006" xmlns:p14="http://schemas.microsoft.com/office/powerpoint/2010/main">
-    <mc:Choice Requires="p14">
-      <p:transition p14:dur="10"/>
-    </mc:Choice>
-    <mc:Fallback xmlns="">
-      <p:transition/>
-    </mc:Fallback>
-  </mc:AlternateContent>
-</p:sldLayout>
-</file>
-
-<file path=ppt/slideLayouts/slideLayout15.xml><?xml version="1.0" encoding="utf-8"?>
-<p:sldLayout xmlns:a="http://schemas.openxmlformats.org/drawingml/2006/main" xmlns:r="http://schemas.openxmlformats.org/officeDocument/2006/relationships" xmlns:p="http://schemas.openxmlformats.org/presentationml/2006/main" showMasterSp="0" type="title" preserve="1">
-  <p:cSld name="Titelfolie">
-    <p:spTree>
-      <p:nvGrpSpPr>
-        <p:cNvPr id="1" name=""/>
-        <p:cNvGrpSpPr/>
-        <p:nvPr/>
-      </p:nvGrpSpPr>
-      <p:grpSpPr>
-        <a:xfrm>
-          <a:off x="0" y="0"/>
-          <a:ext cx="0" cy="0"/>
-          <a:chOff x="0" y="0"/>
-          <a:chExt cx="0" cy="0"/>
-        </a:xfrm>
-      </p:grpSpPr>
-      <p:pic>
-        <p:nvPicPr>
-          <p:cNvPr id="4160" name="Picture 64" descr="Fotolia_2596290_XL duplex"/>
-          <p:cNvPicPr>
-            <a:picLocks noChangeAspect="1" noChangeArrowheads="1"/>
-          </p:cNvPicPr>
-          <p:nvPr userDrawn="1"/>
-        </p:nvPicPr>
-        <p:blipFill>
-          <a:blip r:embed="rId2">
-            <a:extLst>
-              <a:ext uri="{28A0092B-C50C-407E-A947-70E740481C1C}">
-                <a14:useLocalDpi xmlns:a14="http://schemas.microsoft.com/office/drawing/2010/main" val="0"/>
-              </a:ext>
-            </a:extLst>
-          </a:blip>
-          <a:srcRect t="607" b="11909"/>
-          <a:stretch>
-            <a:fillRect/>
-          </a:stretch>
-        </p:blipFill>
-        <p:spPr bwMode="auto">
-          <a:xfrm>
-            <a:off x="0" y="0"/>
-            <a:ext cx="9144000" cy="6858000"/>
-          </a:xfrm>
-          <a:prstGeom prst="rect">
-            <a:avLst/>
-          </a:prstGeom>
-          <a:noFill/>
-          <a:extLst>
-            <a:ext uri="{909E8E84-426E-40dd-AFC4-6F175D3DCCD1}">
-              <a14:hiddenFill xmlns:a14="http://schemas.microsoft.com/office/drawing/2010/main" xmlns="">
-                <a:solidFill>
-                  <a:srgbClr val="FFFFFF"/>
-                </a:solidFill>
-              </a14:hiddenFill>
-            </a:ext>
-          </a:extLst>
-        </p:spPr>
-      </p:pic>
-      <p:pic>
-        <p:nvPicPr>
-          <p:cNvPr id="4158" name="Picture 62" descr="Kästchen-blau-breit"/>
-          <p:cNvPicPr>
-            <a:picLocks noChangeAspect="1" noChangeArrowheads="1"/>
-          </p:cNvPicPr>
-          <p:nvPr userDrawn="1"/>
-        </p:nvPicPr>
-        <p:blipFill>
-          <a:blip r:embed="rId3">
-            <a:extLst>
-              <a:ext uri="{28A0092B-C50C-407E-A947-70E740481C1C}">
-                <a14:useLocalDpi xmlns:a14="http://schemas.microsoft.com/office/drawing/2010/main" val="0"/>
-              </a:ext>
-            </a:extLst>
-          </a:blip>
-          <a:srcRect l="11011" t="65588"/>
-          <a:stretch>
-            <a:fillRect/>
-          </a:stretch>
-        </p:blipFill>
-        <p:spPr bwMode="auto">
-          <a:xfrm>
-            <a:off x="0" y="0"/>
-            <a:ext cx="8647113" cy="1114425"/>
-          </a:xfrm>
-          <a:prstGeom prst="rect">
-            <a:avLst/>
-          </a:prstGeom>
-          <a:noFill/>
-          <a:extLst>
-            <a:ext uri="{909E8E84-426E-40dd-AFC4-6F175D3DCCD1}">
-              <a14:hiddenFill xmlns:a14="http://schemas.microsoft.com/office/drawing/2010/main" xmlns="">
-                <a:solidFill>
-                  <a:srgbClr val="FFFFFF"/>
-                </a:solidFill>
-              </a14:hiddenFill>
-            </a:ext>
-          </a:extLst>
-        </p:spPr>
-      </p:pic>
-      <p:sp>
-        <p:nvSpPr>
-          <p:cNvPr id="4117" name="Rectangle 21"/>
-          <p:cNvSpPr>
-            <a:spLocks noGrp="1" noChangeArrowheads="1"/>
-          </p:cNvSpPr>
-          <p:nvPr>
-            <p:ph type="ctrTitle" sz="quarter"/>
-          </p:nvPr>
-        </p:nvSpPr>
-        <p:spPr>
-          <a:extLst>
-            <a:ext uri="{909E8E84-426E-40dd-AFC4-6F175D3DCCD1}">
-              <a14:hiddenFill xmlns:a14="http://schemas.microsoft.com/office/drawing/2010/main" xmlns="">
-                <a:solidFill>
-                  <a:schemeClr val="accent2"/>
-                </a:solidFill>
-              </a14:hiddenFill>
-            </a:ext>
-            <a:ext uri="{91240B29-F687-4f45-9708-019B960494DF}">
-              <a14:hiddenLine xmlns:a14="http://schemas.microsoft.com/office/drawing/2010/main" xmlns="" w="9525">
-                <a:solidFill>
-                  <a:schemeClr val="accent2"/>
-                </a:solidFill>
-                <a:miter lim="800000"/>
-                <a:headEnd/>
-                <a:tailEnd/>
-              </a14:hiddenLine>
-            </a:ext>
-          </a:extLst>
-        </p:spPr>
-        <p:txBody>
-          <a:bodyPr/>
-          <a:lstStyle>
-            <a:lvl1pPr>
-              <a:defRPr/>
-            </a:lvl1pPr>
-          </a:lstStyle>
-          <a:p>
-            <a:pPr lvl="0"/>
-            <a:r>
-              <a:rPr lang="de-DE" noProof="0"/>
-              <a:t>Mastertitelformat bearbeiten</a:t>
-            </a:r>
-          </a:p>
-        </p:txBody>
-      </p:sp>
-      <p:grpSp>
-        <p:nvGrpSpPr>
-          <p:cNvPr id="4157" name="Group 61"/>
-          <p:cNvGrpSpPr>
-            <a:grpSpLocks/>
-          </p:cNvGrpSpPr>
-          <p:nvPr userDrawn="1"/>
-        </p:nvGrpSpPr>
-        <p:grpSpPr bwMode="auto">
-          <a:xfrm>
-            <a:off x="7024688" y="5949950"/>
-            <a:ext cx="2119312" cy="908050"/>
-            <a:chOff x="4425" y="3748"/>
-            <a:chExt cx="1335" cy="572"/>
-          </a:xfrm>
-        </p:grpSpPr>
-        <p:pic>
-          <p:nvPicPr>
-            <p:cNvPr id="4155" name="Picture 59" descr="Kästchen-weiss"/>
-            <p:cNvPicPr>
-              <a:picLocks noChangeAspect="1" noChangeArrowheads="1"/>
-            </p:cNvPicPr>
-            <p:nvPr userDrawn="1"/>
-          </p:nvPicPr>
-          <p:blipFill>
-            <a:blip r:embed="rId4">
-              <a:extLst>
-                <a:ext uri="{28A0092B-C50C-407E-A947-70E740481C1C}">
-                  <a14:useLocalDpi xmlns:a14="http://schemas.microsoft.com/office/drawing/2010/main" val="0"/>
-                </a:ext>
-              </a:extLst>
-            </a:blip>
-            <a:srcRect r="26407" b="68468"/>
-            <a:stretch>
-              <a:fillRect/>
-            </a:stretch>
-          </p:blipFill>
-          <p:spPr bwMode="auto">
-            <a:xfrm>
-              <a:off x="4425" y="3748"/>
-              <a:ext cx="1335" cy="572"/>
-            </a:xfrm>
-            <a:prstGeom prst="rect">
-              <a:avLst/>
-            </a:prstGeom>
-            <a:noFill/>
-            <a:extLst>
-              <a:ext uri="{909E8E84-426E-40dd-AFC4-6F175D3DCCD1}">
-                <a14:hiddenFill xmlns:a14="http://schemas.microsoft.com/office/drawing/2010/main" xmlns="">
-                  <a:solidFill>
-                    <a:srgbClr val="FFFFFF"/>
-                  </a:solidFill>
-                </a14:hiddenFill>
-              </a:ext>
-            </a:extLst>
-          </p:spPr>
-        </p:pic>
-        <p:pic>
-          <p:nvPicPr>
-            <p:cNvPr id="4154" name="Picture 58" descr="Logo-RGB"/>
-            <p:cNvPicPr>
-              <a:picLocks noChangeAspect="1" noChangeArrowheads="1"/>
-            </p:cNvPicPr>
-            <p:nvPr userDrawn="1"/>
-          </p:nvPicPr>
-          <p:blipFill>
-            <a:blip r:embed="rId5">
-              <a:extLst>
-                <a:ext uri="{28A0092B-C50C-407E-A947-70E740481C1C}">
-                  <a14:useLocalDpi xmlns:a14="http://schemas.microsoft.com/office/drawing/2010/main" val="0"/>
-                </a:ext>
-              </a:extLst>
-            </a:blip>
-            <a:srcRect/>
-            <a:stretch>
-              <a:fillRect/>
-            </a:stretch>
-          </p:blipFill>
-          <p:spPr bwMode="auto">
-            <a:xfrm>
-              <a:off x="4613" y="3864"/>
-              <a:ext cx="834" cy="257"/>
-            </a:xfrm>
-            <a:prstGeom prst="rect">
-              <a:avLst/>
-            </a:prstGeom>
-            <a:noFill/>
-            <a:extLst>
-              <a:ext uri="{909E8E84-426E-40dd-AFC4-6F175D3DCCD1}">
-                <a14:hiddenFill xmlns:a14="http://schemas.microsoft.com/office/drawing/2010/main" xmlns="">
-                  <a:solidFill>
-                    <a:srgbClr val="FFFFFF"/>
-                  </a:solidFill>
-                </a14:hiddenFill>
-              </a:ext>
-            </a:extLst>
-          </p:spPr>
-        </p:pic>
-      </p:grpSp>
-    </p:spTree>
     <p:extLst>
       <p:ext uri="{BB962C8B-B14F-4D97-AF65-F5344CB8AC3E}">
         <p14:creationId xmlns:p14="http://schemas.microsoft.com/office/powerpoint/2010/main" val="1481778505"/>
@@ -9619,7 +11873,7 @@
           <a:noFill/>
           <a:extLst>
             <a:ext uri="{909E8E84-426E-40dd-AFC4-6F175D3DCCD1}">
-              <a14:hiddenFill xmlns:a14="http://schemas.microsoft.com/office/drawing/2010/main" xmlns="">
+              <a14:hiddenFill xmlns="" xmlns:a14="http://schemas.microsoft.com/office/drawing/2010/main">
                 <a:solidFill>
                   <a:srgbClr val="FFFFFF"/>
                 </a:solidFill>
@@ -9660,7 +11914,7 @@
           <a:noFill/>
           <a:extLst>
             <a:ext uri="{909E8E84-426E-40dd-AFC4-6F175D3DCCD1}">
-              <a14:hiddenFill xmlns:a14="http://schemas.microsoft.com/office/drawing/2010/main" xmlns="">
+              <a14:hiddenFill xmlns="" xmlns:a14="http://schemas.microsoft.com/office/drawing/2010/main">
                 <a:solidFill>
                   <a:srgbClr val="FFFFFF"/>
                 </a:solidFill>
@@ -9682,14 +11936,14 @@
         <p:spPr>
           <a:extLst>
             <a:ext uri="{909E8E84-426E-40dd-AFC4-6F175D3DCCD1}">
-              <a14:hiddenFill xmlns:a14="http://schemas.microsoft.com/office/drawing/2010/main" xmlns="">
+              <a14:hiddenFill xmlns="" xmlns:a14="http://schemas.microsoft.com/office/drawing/2010/main">
                 <a:solidFill>
                   <a:schemeClr val="accent2"/>
                 </a:solidFill>
               </a14:hiddenFill>
             </a:ext>
             <a:ext uri="{91240B29-F687-4f45-9708-019B960494DF}">
-              <a14:hiddenLine xmlns:a14="http://schemas.microsoft.com/office/drawing/2010/main" xmlns="" w="9525">
+              <a14:hiddenLine xmlns="" xmlns:a14="http://schemas.microsoft.com/office/drawing/2010/main" w="9525">
                 <a:solidFill>
                   <a:schemeClr val="accent2"/>
                 </a:solidFill>
@@ -9764,7 +12018,7 @@
             <a:noFill/>
             <a:extLst>
               <a:ext uri="{909E8E84-426E-40dd-AFC4-6F175D3DCCD1}">
-                <a14:hiddenFill xmlns:a14="http://schemas.microsoft.com/office/drawing/2010/main" xmlns="">
+                <a14:hiddenFill xmlns="" xmlns:a14="http://schemas.microsoft.com/office/drawing/2010/main">
                   <a:solidFill>
                     <a:srgbClr val="FFFFFF"/>
                   </a:solidFill>
@@ -9805,7 +12059,7 @@
             <a:noFill/>
             <a:extLst>
               <a:ext uri="{909E8E84-426E-40dd-AFC4-6F175D3DCCD1}">
-                <a14:hiddenFill xmlns:a14="http://schemas.microsoft.com/office/drawing/2010/main" xmlns="">
+                <a14:hiddenFill xmlns="" xmlns:a14="http://schemas.microsoft.com/office/drawing/2010/main">
                   <a:solidFill>
                     <a:srgbClr val="FFFFFF"/>
                   </a:solidFill>
@@ -13026,7 +15280,7 @@
           <a:noFill/>
           <a:extLst>
             <a:ext uri="{909E8E84-426E-40dd-AFC4-6F175D3DCCD1}">
-              <a14:hiddenFill xmlns="" xmlns:a14="http://schemas.microsoft.com/office/drawing/2010/main">
+              <a14:hiddenFill xmlns:a14="http://schemas.microsoft.com/office/drawing/2010/main" xmlns="">
                 <a:solidFill>
                   <a:srgbClr val="FFFFFF"/>
                 </a:solidFill>
@@ -13060,14 +15314,14 @@
           <a:effectLst/>
           <a:extLst>
             <a:ext uri="{909E8E84-426E-40dd-AFC4-6F175D3DCCD1}">
-              <a14:hiddenFill xmlns="" xmlns:a14="http://schemas.microsoft.com/office/drawing/2010/main">
+              <a14:hiddenFill xmlns:a14="http://schemas.microsoft.com/office/drawing/2010/main" xmlns="">
                 <a:solidFill>
                   <a:schemeClr val="accent1"/>
                 </a:solidFill>
               </a14:hiddenFill>
             </a:ext>
             <a:ext uri="{91240B29-F687-4f45-9708-019B960494DF}">
-              <a14:hiddenLine xmlns="" xmlns:a14="http://schemas.microsoft.com/office/drawing/2010/main" w="9525">
+              <a14:hiddenLine xmlns:a14="http://schemas.microsoft.com/office/drawing/2010/main" xmlns="" w="9525">
                 <a:solidFill>
                   <a:schemeClr val="tx1"/>
                 </a:solidFill>
@@ -13077,7 +15331,7 @@
               </a14:hiddenLine>
             </a:ext>
             <a:ext uri="{AF507438-7753-43e0-B8FC-AC1667EBCBE1}">
-              <a14:hiddenEffects xmlns="" xmlns:a14="http://schemas.microsoft.com/office/drawing/2010/main">
+              <a14:hiddenEffects xmlns:a14="http://schemas.microsoft.com/office/drawing/2010/main" xmlns="">
                 <a:effectLst>
                   <a:outerShdw blurRad="63500" dist="38099" dir="2700000" algn="ctr" rotWithShape="0">
                     <a:schemeClr val="bg2">
@@ -13088,7 +15342,7 @@
               </a14:hiddenEffects>
             </a:ext>
             <a:ext uri="{FAA26D3D-D897-4be2-8F04-BA451C77F1D7}">
-              <ma14:placeholderFlag xmlns="" xmlns:ma14="http://schemas.microsoft.com/office/mac/drawingml/2011/main" val="1"/>
+              <ma14:placeholderFlag xmlns:ma14="http://schemas.microsoft.com/office/mac/drawingml/2011/main" xmlns="" val="1"/>
             </a:ext>
           </a:extLst>
         </p:spPr>
@@ -13132,14 +15386,14 @@
           <a:effectLst/>
           <a:extLst>
             <a:ext uri="{909E8E84-426E-40dd-AFC4-6F175D3DCCD1}">
-              <a14:hiddenFill xmlns="" xmlns:a14="http://schemas.microsoft.com/office/drawing/2010/main">
+              <a14:hiddenFill xmlns:a14="http://schemas.microsoft.com/office/drawing/2010/main" xmlns="">
                 <a:solidFill>
                   <a:schemeClr val="accent1"/>
                 </a:solidFill>
               </a14:hiddenFill>
             </a:ext>
             <a:ext uri="{91240B29-F687-4f45-9708-019B960494DF}">
-              <a14:hiddenLine xmlns="" xmlns:a14="http://schemas.microsoft.com/office/drawing/2010/main" w="9525">
+              <a14:hiddenLine xmlns:a14="http://schemas.microsoft.com/office/drawing/2010/main" xmlns="" w="9525">
                 <a:solidFill>
                   <a:schemeClr val="tx1"/>
                 </a:solidFill>
@@ -13149,7 +15403,7 @@
               </a14:hiddenLine>
             </a:ext>
             <a:ext uri="{AF507438-7753-43e0-B8FC-AC1667EBCBE1}">
-              <a14:hiddenEffects xmlns="" xmlns:a14="http://schemas.microsoft.com/office/drawing/2010/main">
+              <a14:hiddenEffects xmlns:a14="http://schemas.microsoft.com/office/drawing/2010/main" xmlns="">
                 <a:effectLst>
                   <a:outerShdw blurRad="63500" dist="38099" dir="2700000" algn="ctr" rotWithShape="0">
                     <a:schemeClr val="bg2">
@@ -13267,7 +15521,7 @@
             <a:noFill/>
             <a:extLst>
               <a:ext uri="{909E8E84-426E-40dd-AFC4-6F175D3DCCD1}">
-                <a14:hiddenFill xmlns="" xmlns:a14="http://schemas.microsoft.com/office/drawing/2010/main">
+                <a14:hiddenFill xmlns:a14="http://schemas.microsoft.com/office/drawing/2010/main" xmlns="">
                   <a:solidFill>
                     <a:srgbClr val="FFFFFF"/>
                   </a:solidFill>
@@ -13308,7 +15562,7 @@
             <a:noFill/>
             <a:extLst>
               <a:ext uri="{909E8E84-426E-40dd-AFC4-6F175D3DCCD1}">
-                <a14:hiddenFill xmlns="" xmlns:a14="http://schemas.microsoft.com/office/drawing/2010/main">
+                <a14:hiddenFill xmlns:a14="http://schemas.microsoft.com/office/drawing/2010/main" xmlns="">
                   <a:solidFill>
                     <a:srgbClr val="FFFFFF"/>
                   </a:solidFill>
@@ -13343,14 +15597,14 @@
           <a:effectLst/>
           <a:extLst>
             <a:ext uri="{909E8E84-426E-40dd-AFC4-6F175D3DCCD1}">
-              <a14:hiddenFill xmlns="" xmlns:a14="http://schemas.microsoft.com/office/drawing/2010/main">
+              <a14:hiddenFill xmlns:a14="http://schemas.microsoft.com/office/drawing/2010/main" xmlns="">
                 <a:solidFill>
                   <a:schemeClr val="accent1"/>
                 </a:solidFill>
               </a14:hiddenFill>
             </a:ext>
             <a:ext uri="{91240B29-F687-4f45-9708-019B960494DF}">
-              <a14:hiddenLine xmlns="" xmlns:a14="http://schemas.microsoft.com/office/drawing/2010/main" w="9525">
+              <a14:hiddenLine xmlns:a14="http://schemas.microsoft.com/office/drawing/2010/main" xmlns="" w="9525">
                 <a:solidFill>
                   <a:schemeClr val="tx1"/>
                 </a:solidFill>
@@ -13360,7 +15614,7 @@
               </a14:hiddenLine>
             </a:ext>
             <a:ext uri="{AF507438-7753-43e0-B8FC-AC1667EBCBE1}">
-              <a14:hiddenEffects xmlns="" xmlns:a14="http://schemas.microsoft.com/office/drawing/2010/main">
+              <a14:hiddenEffects xmlns:a14="http://schemas.microsoft.com/office/drawing/2010/main" xmlns="">
                 <a:effectLst>
                   <a:outerShdw blurRad="63500" dist="38099" dir="2700000" algn="ctr" rotWithShape="0">
                     <a:schemeClr val="bg2">
@@ -13371,7 +15625,7 @@
               </a14:hiddenEffects>
             </a:ext>
             <a:ext uri="{FAA26D3D-D897-4be2-8F04-BA451C77F1D7}">
-              <ma14:placeholderFlag xmlns="" xmlns:ma14="http://schemas.microsoft.com/office/mac/drawingml/2011/main" val="1"/>
+              <ma14:placeholderFlag xmlns:ma14="http://schemas.microsoft.com/office/mac/drawingml/2011/main" xmlns="" val="1"/>
             </a:ext>
           </a:extLst>
         </p:spPr>
@@ -13920,7 +16174,7 @@
           <a:noFill/>
           <a:extLst>
             <a:ext uri="{909E8E84-426E-40dd-AFC4-6F175D3DCCD1}">
-              <a14:hiddenFill xmlns:a14="http://schemas.microsoft.com/office/drawing/2010/main" xmlns="">
+              <a14:hiddenFill xmlns="" xmlns:a14="http://schemas.microsoft.com/office/drawing/2010/main">
                 <a:solidFill>
                   <a:srgbClr val="FFFFFF"/>
                 </a:solidFill>
@@ -13954,14 +16208,14 @@
           <a:effectLst/>
           <a:extLst>
             <a:ext uri="{909E8E84-426E-40dd-AFC4-6F175D3DCCD1}">
-              <a14:hiddenFill xmlns:a14="http://schemas.microsoft.com/office/drawing/2010/main" xmlns="">
+              <a14:hiddenFill xmlns="" xmlns:a14="http://schemas.microsoft.com/office/drawing/2010/main">
                 <a:solidFill>
                   <a:schemeClr val="accent1"/>
                 </a:solidFill>
               </a14:hiddenFill>
             </a:ext>
             <a:ext uri="{91240B29-F687-4f45-9708-019B960494DF}">
-              <a14:hiddenLine xmlns:a14="http://schemas.microsoft.com/office/drawing/2010/main" xmlns="" w="9525">
+              <a14:hiddenLine xmlns="" xmlns:a14="http://schemas.microsoft.com/office/drawing/2010/main" w="9525">
                 <a:solidFill>
                   <a:schemeClr val="tx1"/>
                 </a:solidFill>
@@ -13971,7 +16225,7 @@
               </a14:hiddenLine>
             </a:ext>
             <a:ext uri="{AF507438-7753-43e0-B8FC-AC1667EBCBE1}">
-              <a14:hiddenEffects xmlns:a14="http://schemas.microsoft.com/office/drawing/2010/main" xmlns="">
+              <a14:hiddenEffects xmlns="" xmlns:a14="http://schemas.microsoft.com/office/drawing/2010/main">
                 <a:effectLst>
                   <a:outerShdw blurRad="63500" dist="38099" dir="2700000" algn="ctr" rotWithShape="0">
                     <a:schemeClr val="bg2">
@@ -13982,7 +16236,7 @@
               </a14:hiddenEffects>
             </a:ext>
             <a:ext uri="{FAA26D3D-D897-4be2-8F04-BA451C77F1D7}">
-              <ma14:placeholderFlag xmlns:ma14="http://schemas.microsoft.com/office/mac/drawingml/2011/main" xmlns="" val="1"/>
+              <ma14:placeholderFlag xmlns="" xmlns:ma14="http://schemas.microsoft.com/office/mac/drawingml/2011/main" val="1"/>
             </a:ext>
           </a:extLst>
         </p:spPr>
@@ -14026,14 +16280,14 @@
           <a:effectLst/>
           <a:extLst>
             <a:ext uri="{909E8E84-426E-40dd-AFC4-6F175D3DCCD1}">
-              <a14:hiddenFill xmlns:a14="http://schemas.microsoft.com/office/drawing/2010/main" xmlns="">
+              <a14:hiddenFill xmlns="" xmlns:a14="http://schemas.microsoft.com/office/drawing/2010/main">
                 <a:solidFill>
                   <a:schemeClr val="accent1"/>
                 </a:solidFill>
               </a14:hiddenFill>
             </a:ext>
             <a:ext uri="{91240B29-F687-4f45-9708-019B960494DF}">
-              <a14:hiddenLine xmlns:a14="http://schemas.microsoft.com/office/drawing/2010/main" xmlns="" w="9525">
+              <a14:hiddenLine xmlns="" xmlns:a14="http://schemas.microsoft.com/office/drawing/2010/main" w="9525">
                 <a:solidFill>
                   <a:schemeClr val="tx1"/>
                 </a:solidFill>
@@ -14043,7 +16297,7 @@
               </a14:hiddenLine>
             </a:ext>
             <a:ext uri="{AF507438-7753-43e0-B8FC-AC1667EBCBE1}">
-              <a14:hiddenEffects xmlns:a14="http://schemas.microsoft.com/office/drawing/2010/main" xmlns="">
+              <a14:hiddenEffects xmlns="" xmlns:a14="http://schemas.microsoft.com/office/drawing/2010/main">
                 <a:effectLst>
                   <a:outerShdw blurRad="63500" dist="38099" dir="2700000" algn="ctr" rotWithShape="0">
                     <a:schemeClr val="bg2">
@@ -14153,7 +16407,7 @@
             <a:noFill/>
             <a:extLst>
               <a:ext uri="{909E8E84-426E-40dd-AFC4-6F175D3DCCD1}">
-                <a14:hiddenFill xmlns:a14="http://schemas.microsoft.com/office/drawing/2010/main" xmlns="">
+                <a14:hiddenFill xmlns="" xmlns:a14="http://schemas.microsoft.com/office/drawing/2010/main">
                   <a:solidFill>
                     <a:srgbClr val="FFFFFF"/>
                   </a:solidFill>
@@ -14194,7 +16448,7 @@
             <a:noFill/>
             <a:extLst>
               <a:ext uri="{909E8E84-426E-40dd-AFC4-6F175D3DCCD1}">
-                <a14:hiddenFill xmlns:a14="http://schemas.microsoft.com/office/drawing/2010/main" xmlns="">
+                <a14:hiddenFill xmlns="" xmlns:a14="http://schemas.microsoft.com/office/drawing/2010/main">
                   <a:solidFill>
                     <a:srgbClr val="FFFFFF"/>
                   </a:solidFill>
@@ -14229,14 +16483,14 @@
           <a:effectLst/>
           <a:extLst>
             <a:ext uri="{909E8E84-426E-40dd-AFC4-6F175D3DCCD1}">
-              <a14:hiddenFill xmlns:a14="http://schemas.microsoft.com/office/drawing/2010/main" xmlns="">
+              <a14:hiddenFill xmlns="" xmlns:a14="http://schemas.microsoft.com/office/drawing/2010/main">
                 <a:solidFill>
                   <a:schemeClr val="accent1"/>
                 </a:solidFill>
               </a14:hiddenFill>
             </a:ext>
             <a:ext uri="{91240B29-F687-4f45-9708-019B960494DF}">
-              <a14:hiddenLine xmlns:a14="http://schemas.microsoft.com/office/drawing/2010/main" xmlns="" w="9525">
+              <a14:hiddenLine xmlns="" xmlns:a14="http://schemas.microsoft.com/office/drawing/2010/main" w="9525">
                 <a:solidFill>
                   <a:schemeClr val="tx1"/>
                 </a:solidFill>
@@ -14246,7 +16500,7 @@
               </a14:hiddenLine>
             </a:ext>
             <a:ext uri="{AF507438-7753-43e0-B8FC-AC1667EBCBE1}">
-              <a14:hiddenEffects xmlns:a14="http://schemas.microsoft.com/office/drawing/2010/main" xmlns="">
+              <a14:hiddenEffects xmlns="" xmlns:a14="http://schemas.microsoft.com/office/drawing/2010/main">
                 <a:effectLst>
                   <a:outerShdw blurRad="63500" dist="38099" dir="2700000" algn="ctr" rotWithShape="0">
                     <a:schemeClr val="bg2">
@@ -14257,7 +16511,7 @@
               </a14:hiddenEffects>
             </a:ext>
             <a:ext uri="{FAA26D3D-D897-4be2-8F04-BA451C77F1D7}">
-              <ma14:placeholderFlag xmlns:ma14="http://schemas.microsoft.com/office/mac/drawingml/2011/main" xmlns="" val="1"/>
+              <ma14:placeholderFlag xmlns="" xmlns:ma14="http://schemas.microsoft.com/office/mac/drawingml/2011/main" val="1"/>
             </a:ext>
           </a:extLst>
         </p:spPr>
@@ -14811,7 +17065,7 @@
           <a:noFill/>
           <a:extLst>
             <a:ext uri="{909E8E84-426E-40dd-AFC4-6F175D3DCCD1}">
-              <a14:hiddenFill xmlns:a14="http://schemas.microsoft.com/office/drawing/2010/main" xmlns="">
+              <a14:hiddenFill xmlns="" xmlns:a14="http://schemas.microsoft.com/office/drawing/2010/main">
                 <a:solidFill>
                   <a:srgbClr val="FFFFFF"/>
                 </a:solidFill>
@@ -14845,14 +17099,14 @@
           <a:effectLst/>
           <a:extLst>
             <a:ext uri="{909E8E84-426E-40dd-AFC4-6F175D3DCCD1}">
-              <a14:hiddenFill xmlns:a14="http://schemas.microsoft.com/office/drawing/2010/main" xmlns="">
+              <a14:hiddenFill xmlns="" xmlns:a14="http://schemas.microsoft.com/office/drawing/2010/main">
                 <a:solidFill>
                   <a:schemeClr val="accent1"/>
                 </a:solidFill>
               </a14:hiddenFill>
             </a:ext>
             <a:ext uri="{91240B29-F687-4f45-9708-019B960494DF}">
-              <a14:hiddenLine xmlns:a14="http://schemas.microsoft.com/office/drawing/2010/main" xmlns="" w="9525">
+              <a14:hiddenLine xmlns="" xmlns:a14="http://schemas.microsoft.com/office/drawing/2010/main" w="9525">
                 <a:solidFill>
                   <a:schemeClr val="tx1"/>
                 </a:solidFill>
@@ -14862,7 +17116,7 @@
               </a14:hiddenLine>
             </a:ext>
             <a:ext uri="{AF507438-7753-43e0-B8FC-AC1667EBCBE1}">
-              <a14:hiddenEffects xmlns:a14="http://schemas.microsoft.com/office/drawing/2010/main" xmlns="">
+              <a14:hiddenEffects xmlns="" xmlns:a14="http://schemas.microsoft.com/office/drawing/2010/main">
                 <a:effectLst>
                   <a:outerShdw blurRad="63500" dist="38099" dir="2700000" algn="ctr" rotWithShape="0">
                     <a:schemeClr val="bg2">
@@ -14873,7 +17127,7 @@
               </a14:hiddenEffects>
             </a:ext>
             <a:ext uri="{FAA26D3D-D897-4be2-8F04-BA451C77F1D7}">
-              <ma14:placeholderFlag xmlns:ma14="http://schemas.microsoft.com/office/mac/drawingml/2011/main" xmlns="" val="1"/>
+              <ma14:placeholderFlag xmlns="" xmlns:ma14="http://schemas.microsoft.com/office/mac/drawingml/2011/main" val="1"/>
             </a:ext>
           </a:extLst>
         </p:spPr>
@@ -14942,7 +17196,7 @@
             <a:noFill/>
             <a:extLst>
               <a:ext uri="{909E8E84-426E-40dd-AFC4-6F175D3DCCD1}">
-                <a14:hiddenFill xmlns:a14="http://schemas.microsoft.com/office/drawing/2010/main" xmlns="">
+                <a14:hiddenFill xmlns="" xmlns:a14="http://schemas.microsoft.com/office/drawing/2010/main">
                   <a:solidFill>
                     <a:srgbClr val="FFFFFF"/>
                   </a:solidFill>
@@ -14983,7 +17237,7 @@
             <a:noFill/>
             <a:extLst>
               <a:ext uri="{909E8E84-426E-40dd-AFC4-6F175D3DCCD1}">
-                <a14:hiddenFill xmlns:a14="http://schemas.microsoft.com/office/drawing/2010/main" xmlns="">
+                <a14:hiddenFill xmlns="" xmlns:a14="http://schemas.microsoft.com/office/drawing/2010/main">
                   <a:solidFill>
                     <a:srgbClr val="FFFFFF"/>
                   </a:solidFill>
@@ -15018,14 +17272,14 @@
           <a:effectLst/>
           <a:extLst>
             <a:ext uri="{909E8E84-426E-40dd-AFC4-6F175D3DCCD1}">
-              <a14:hiddenFill xmlns:a14="http://schemas.microsoft.com/office/drawing/2010/main" xmlns="">
+              <a14:hiddenFill xmlns="" xmlns:a14="http://schemas.microsoft.com/office/drawing/2010/main">
                 <a:solidFill>
                   <a:schemeClr val="accent1"/>
                 </a:solidFill>
               </a14:hiddenFill>
             </a:ext>
             <a:ext uri="{91240B29-F687-4f45-9708-019B960494DF}">
-              <a14:hiddenLine xmlns:a14="http://schemas.microsoft.com/office/drawing/2010/main" xmlns="" w="9525">
+              <a14:hiddenLine xmlns="" xmlns:a14="http://schemas.microsoft.com/office/drawing/2010/main" w="9525">
                 <a:solidFill>
                   <a:schemeClr val="tx1"/>
                 </a:solidFill>
@@ -15035,7 +17289,7 @@
               </a14:hiddenLine>
             </a:ext>
             <a:ext uri="{AF507438-7753-43e0-B8FC-AC1667EBCBE1}">
-              <a14:hiddenEffects xmlns:a14="http://schemas.microsoft.com/office/drawing/2010/main" xmlns="">
+              <a14:hiddenEffects xmlns="" xmlns:a14="http://schemas.microsoft.com/office/drawing/2010/main">
                 <a:effectLst>
                   <a:outerShdw blurRad="63500" dist="38099" dir="2700000" algn="ctr" rotWithShape="0">
                     <a:schemeClr val="bg2">
@@ -15046,7 +17300,7 @@
               </a14:hiddenEffects>
             </a:ext>
             <a:ext uri="{FAA26D3D-D897-4be2-8F04-BA451C77F1D7}">
-              <ma14:placeholderFlag xmlns:ma14="http://schemas.microsoft.com/office/mac/drawingml/2011/main" xmlns="" val="1"/>
+              <ma14:placeholderFlag xmlns="" xmlns:ma14="http://schemas.microsoft.com/office/mac/drawingml/2011/main" val="1"/>
             </a:ext>
           </a:extLst>
         </p:spPr>
@@ -15673,14 +17927,14 @@
           <a:effectLst/>
           <a:extLst>
             <a:ext uri="{909E8E84-426E-40dd-AFC4-6F175D3DCCD1}">
-              <a14:hiddenFill xmlns="" xmlns:a14="http://schemas.microsoft.com/office/drawing/2010/main">
+              <a14:hiddenFill xmlns:a14="http://schemas.microsoft.com/office/drawing/2010/main" xmlns="">
                 <a:solidFill>
                   <a:schemeClr val="accent2"/>
                 </a:solidFill>
               </a14:hiddenFill>
             </a:ext>
             <a:ext uri="{91240B29-F687-4f45-9708-019B960494DF}">
-              <a14:hiddenLine xmlns="" xmlns:a14="http://schemas.microsoft.com/office/drawing/2010/main" w="9525">
+              <a14:hiddenLine xmlns:a14="http://schemas.microsoft.com/office/drawing/2010/main" xmlns="" w="9525">
                 <a:solidFill>
                   <a:schemeClr val="accent2"/>
                 </a:solidFill>
@@ -15690,7 +17944,7 @@
               </a14:hiddenLine>
             </a:ext>
             <a:ext uri="{AF507438-7753-43e0-B8FC-AC1667EBCBE1}">
-              <a14:hiddenEffects xmlns="" xmlns:a14="http://schemas.microsoft.com/office/drawing/2010/main">
+              <a14:hiddenEffects xmlns:a14="http://schemas.microsoft.com/office/drawing/2010/main" xmlns="">
                 <a:effectLst>
                   <a:outerShdw blurRad="63500" dist="38099" dir="2700000" algn="ctr" rotWithShape="0">
                     <a:schemeClr val="bg2">
@@ -25521,14 +27775,14 @@
           <a:effectLst/>
           <a:extLst>
             <a:ext uri="{909E8E84-426E-40dd-AFC4-6F175D3DCCD1}">
-              <a14:hiddenFill xmlns="" xmlns:a14="http://schemas.microsoft.com/office/drawing/2010/main">
+              <a14:hiddenFill xmlns:a14="http://schemas.microsoft.com/office/drawing/2010/main" xmlns="">
                 <a:solidFill>
                   <a:schemeClr val="accent1"/>
                 </a:solidFill>
               </a14:hiddenFill>
             </a:ext>
             <a:ext uri="{91240B29-F687-4f45-9708-019B960494DF}">
-              <a14:hiddenLine xmlns="" xmlns:a14="http://schemas.microsoft.com/office/drawing/2010/main" w="9525">
+              <a14:hiddenLine xmlns:a14="http://schemas.microsoft.com/office/drawing/2010/main" xmlns="" w="9525">
                 <a:solidFill>
                   <a:schemeClr val="tx1"/>
                 </a:solidFill>
@@ -25538,7 +27792,7 @@
               </a14:hiddenLine>
             </a:ext>
             <a:ext uri="{AF507438-7753-43e0-B8FC-AC1667EBCBE1}">
-              <a14:hiddenEffects xmlns="" xmlns:a14="http://schemas.microsoft.com/office/drawing/2010/main">
+              <a14:hiddenEffects xmlns:a14="http://schemas.microsoft.com/office/drawing/2010/main" xmlns="">
                 <a:effectLst>
                   <a:outerShdw blurRad="63500" dist="38099" dir="2700000" algn="ctr" rotWithShape="0">
                     <a:schemeClr val="bg2">
@@ -25549,7 +27803,7 @@
               </a14:hiddenEffects>
             </a:ext>
             <a:ext uri="{FAA26D3D-D897-4be2-8F04-BA451C77F1D7}">
-              <ma14:placeholderFlag xmlns="" xmlns:ma14="http://schemas.microsoft.com/office/mac/drawingml/2011/main" val="1"/>
+              <ma14:placeholderFlag xmlns:ma14="http://schemas.microsoft.com/office/mac/drawingml/2011/main" xmlns="" val="1"/>
             </a:ext>
           </a:extLst>
         </p:spPr>
@@ -26898,6 +29152,12 @@
           <a:p>
             <a:r>
               <a:rPr lang="de-DE" sz="1800" dirty="0"/>
+              <a:t>Falsche Erfassung von Arbeitszeiten</a:t>
+            </a:r>
+          </a:p>
+          <a:p>
+            <a:r>
+              <a:rPr lang="de-DE" sz="1800" dirty="0"/>
               <a:t>Internet- und Telefonnutzung</a:t>
             </a:r>
           </a:p>
@@ -26911,12 +29171,6 @@
             <a:r>
               <a:rPr lang="de-DE" sz="1800" dirty="0"/>
               <a:t>Belästigung/Beleidung</a:t>
-            </a:r>
-          </a:p>
-          <a:p>
-            <a:r>
-              <a:rPr lang="de-DE" sz="1800" dirty="0"/>
-              <a:t>Falsche Erfassung von Arbeitszeiten</a:t>
             </a:r>
           </a:p>
         </p:txBody>
@@ -27137,12 +29391,6 @@
           <a:p>
             <a:r>
               <a:rPr lang="de-DE" sz="1800" dirty="0"/>
-              <a:t>Fritz Fischer ist uneinsichtig</a:t>
-            </a:r>
-          </a:p>
-          <a:p>
-            <a:r>
-              <a:rPr lang="de-DE" sz="1800" dirty="0"/>
               <a:t>Was kann der Arbeitgeber tun?</a:t>
             </a:r>
           </a:p>
@@ -27341,6 +29589,12 @@
           <a:p>
             <a:r>
               <a:rPr lang="de-DE" sz="1800" dirty="0"/>
+              <a:t>Fritz Fischer ist uneinsichtig</a:t>
+            </a:r>
+          </a:p>
+          <a:p>
+            <a:r>
+              <a:rPr lang="de-DE" sz="1800" dirty="0"/>
               <a:t>Der Arbeitgeber kündigt das Arbeitsverhältnis fristlos</a:t>
             </a:r>
           </a:p>
@@ -28223,8 +30477,13 @@
           <a:p>
             <a:r>
               <a:rPr lang="de-DE" sz="1800" dirty="0"/>
-              <a:t>Was kann die Geschäftsführung tun?</a:t>
-            </a:r>
+              <a:t>Warum ist die Änderungskündigung hier nötig</a:t>
+            </a:r>
+            <a:r>
+              <a:rPr lang="de-DE" dirty="0"/>
+              <a:t>?</a:t>
+            </a:r>
+            <a:endParaRPr lang="de-DE" sz="1800" dirty="0"/>
           </a:p>
         </p:txBody>
       </p:sp>
@@ -35680,6 +37939,471 @@
 
 <file path=ppt/theme/theme1.xml><?xml version="1.0" encoding="utf-8"?>
 <a:theme xmlns:a="http://schemas.openxmlformats.org/drawingml/2006/main" name="Leere Präsentation">
+  <a:themeElements>
+    <a:clrScheme name="Leere Präsentation 2">
+      <a:dk1>
+        <a:srgbClr val="000000"/>
+      </a:dk1>
+      <a:lt1>
+        <a:srgbClr val="FFFFFF"/>
+      </a:lt1>
+      <a:dk2>
+        <a:srgbClr val="005EAD"/>
+      </a:dk2>
+      <a:lt2>
+        <a:srgbClr val="000000"/>
+      </a:lt2>
+      <a:accent1>
+        <a:srgbClr val="C0C0C0"/>
+      </a:accent1>
+      <a:accent2>
+        <a:srgbClr val="005EAD"/>
+      </a:accent2>
+      <a:accent3>
+        <a:srgbClr val="FFFFFF"/>
+      </a:accent3>
+      <a:accent4>
+        <a:srgbClr val="000000"/>
+      </a:accent4>
+      <a:accent5>
+        <a:srgbClr val="DCDCDC"/>
+      </a:accent5>
+      <a:accent6>
+        <a:srgbClr val="00549C"/>
+      </a:accent6>
+      <a:hlink>
+        <a:srgbClr val="B2B2B2"/>
+      </a:hlink>
+      <a:folHlink>
+        <a:srgbClr val="000000"/>
+      </a:folHlink>
+    </a:clrScheme>
+    <a:fontScheme name="Leere Präsentation">
+      <a:majorFont>
+        <a:latin typeface="Arial"/>
+        <a:ea typeface="ＭＳ Ｐゴシック"/>
+        <a:cs typeface=""/>
+      </a:majorFont>
+      <a:minorFont>
+        <a:latin typeface="Arial"/>
+        <a:ea typeface="ＭＳ Ｐゴシック"/>
+        <a:cs typeface=""/>
+      </a:minorFont>
+    </a:fontScheme>
+    <a:fmtScheme name="Office">
+      <a:fillStyleLst>
+        <a:solidFill>
+          <a:schemeClr val="phClr"/>
+        </a:solidFill>
+        <a:gradFill rotWithShape="1">
+          <a:gsLst>
+            <a:gs pos="0">
+              <a:schemeClr val="phClr">
+                <a:tint val="50000"/>
+                <a:satMod val="300000"/>
+              </a:schemeClr>
+            </a:gs>
+            <a:gs pos="35000">
+              <a:schemeClr val="phClr">
+                <a:tint val="37000"/>
+                <a:satMod val="300000"/>
+              </a:schemeClr>
+            </a:gs>
+            <a:gs pos="100000">
+              <a:schemeClr val="phClr">
+                <a:tint val="15000"/>
+                <a:satMod val="350000"/>
+              </a:schemeClr>
+            </a:gs>
+          </a:gsLst>
+          <a:lin ang="16200000" scaled="1"/>
+        </a:gradFill>
+        <a:gradFill rotWithShape="1">
+          <a:gsLst>
+            <a:gs pos="0">
+              <a:schemeClr val="phClr">
+                <a:tint val="100000"/>
+                <a:shade val="100000"/>
+                <a:satMod val="130000"/>
+              </a:schemeClr>
+            </a:gs>
+            <a:gs pos="100000">
+              <a:schemeClr val="phClr">
+                <a:tint val="50000"/>
+                <a:shade val="100000"/>
+                <a:satMod val="350000"/>
+              </a:schemeClr>
+            </a:gs>
+          </a:gsLst>
+          <a:lin ang="16200000" scaled="0"/>
+        </a:gradFill>
+      </a:fillStyleLst>
+      <a:lnStyleLst>
+        <a:ln w="9525" cap="flat" cmpd="sng" algn="ctr">
+          <a:solidFill>
+            <a:schemeClr val="phClr">
+              <a:shade val="95000"/>
+              <a:satMod val="105000"/>
+            </a:schemeClr>
+          </a:solidFill>
+          <a:prstDash val="solid"/>
+        </a:ln>
+        <a:ln w="25400" cap="flat" cmpd="sng" algn="ctr">
+          <a:solidFill>
+            <a:schemeClr val="phClr"/>
+          </a:solidFill>
+          <a:prstDash val="solid"/>
+        </a:ln>
+        <a:ln w="38100" cap="flat" cmpd="sng" algn="ctr">
+          <a:solidFill>
+            <a:schemeClr val="phClr"/>
+          </a:solidFill>
+          <a:prstDash val="solid"/>
+        </a:ln>
+      </a:lnStyleLst>
+      <a:effectStyleLst>
+        <a:effectStyle>
+          <a:effectLst>
+            <a:outerShdw blurRad="40000" dist="20000" dir="5400000" rotWithShape="0">
+              <a:srgbClr val="000000">
+                <a:alpha val="38000"/>
+              </a:srgbClr>
+            </a:outerShdw>
+          </a:effectLst>
+        </a:effectStyle>
+        <a:effectStyle>
+          <a:effectLst>
+            <a:outerShdw blurRad="40000" dist="23000" dir="5400000" rotWithShape="0">
+              <a:srgbClr val="000000">
+                <a:alpha val="35000"/>
+              </a:srgbClr>
+            </a:outerShdw>
+          </a:effectLst>
+        </a:effectStyle>
+        <a:effectStyle>
+          <a:effectLst>
+            <a:outerShdw blurRad="40000" dist="23000" dir="5400000" rotWithShape="0">
+              <a:srgbClr val="000000">
+                <a:alpha val="35000"/>
+              </a:srgbClr>
+            </a:outerShdw>
+          </a:effectLst>
+          <a:scene3d>
+            <a:camera prst="orthographicFront">
+              <a:rot lat="0" lon="0" rev="0"/>
+            </a:camera>
+            <a:lightRig rig="threePt" dir="t">
+              <a:rot lat="0" lon="0" rev="1200000"/>
+            </a:lightRig>
+          </a:scene3d>
+          <a:sp3d>
+            <a:bevelT w="63500" h="25400"/>
+          </a:sp3d>
+        </a:effectStyle>
+      </a:effectStyleLst>
+      <a:bgFillStyleLst>
+        <a:solidFill>
+          <a:schemeClr val="phClr"/>
+        </a:solidFill>
+        <a:gradFill rotWithShape="1">
+          <a:gsLst>
+            <a:gs pos="0">
+              <a:schemeClr val="phClr">
+                <a:tint val="40000"/>
+                <a:satMod val="350000"/>
+              </a:schemeClr>
+            </a:gs>
+            <a:gs pos="40000">
+              <a:schemeClr val="phClr">
+                <a:tint val="45000"/>
+                <a:shade val="99000"/>
+                <a:satMod val="350000"/>
+              </a:schemeClr>
+            </a:gs>
+            <a:gs pos="100000">
+              <a:schemeClr val="phClr">
+                <a:shade val="20000"/>
+                <a:satMod val="255000"/>
+              </a:schemeClr>
+            </a:gs>
+          </a:gsLst>
+          <a:path path="circle">
+            <a:fillToRect l="50000" t="-80000" r="50000" b="180000"/>
+          </a:path>
+        </a:gradFill>
+        <a:gradFill rotWithShape="1">
+          <a:gsLst>
+            <a:gs pos="0">
+              <a:schemeClr val="phClr">
+                <a:tint val="80000"/>
+                <a:satMod val="300000"/>
+              </a:schemeClr>
+            </a:gs>
+            <a:gs pos="100000">
+              <a:schemeClr val="phClr">
+                <a:shade val="30000"/>
+                <a:satMod val="200000"/>
+              </a:schemeClr>
+            </a:gs>
+          </a:gsLst>
+          <a:path path="circle">
+            <a:fillToRect l="50000" t="50000" r="50000" b="50000"/>
+          </a:path>
+        </a:gradFill>
+      </a:bgFillStyleLst>
+    </a:fmtScheme>
+  </a:themeElements>
+  <a:objectDefaults>
+    <a:spDef>
+      <a:spPr bwMode="auto">
+        <a:xfrm>
+          <a:off x="0" y="0"/>
+          <a:ext cx="1" cy="1"/>
+        </a:xfrm>
+        <a:custGeom>
+          <a:avLst/>
+          <a:gdLst/>
+          <a:ahLst/>
+          <a:cxnLst/>
+          <a:rect l="0" t="0" r="0" b="0"/>
+          <a:pathLst/>
+        </a:custGeom>
+        <a:noFill/>
+        <a:ln w="127000" cap="flat" cmpd="sng" algn="ctr">
+          <a:solidFill>
+            <a:schemeClr val="tx1"/>
+          </a:solidFill>
+          <a:prstDash val="solid"/>
+          <a:round/>
+          <a:headEnd type="none" w="med" len="med"/>
+          <a:tailEnd type="none" w="med" len="med"/>
+        </a:ln>
+        <a:effectLst/>
+        <a:extLst>
+          <a:ext uri="{909E8E84-426E-40dd-AFC4-6F175D3DCCD1}">
+            <a14:hiddenFill xmlns:a14="http://schemas.microsoft.com/office/drawing/2010/main" xmlns="">
+              <a:solidFill>
+                <a:schemeClr val="accent2"/>
+              </a:solidFill>
+            </a14:hiddenFill>
+          </a:ext>
+          <a:ext uri="{AF507438-7753-43e0-B8FC-AC1667EBCBE1}">
+            <a14:hiddenEffects xmlns:a14="http://schemas.microsoft.com/office/drawing/2010/main" xmlns="">
+              <a:effectLst>
+                <a:outerShdw blurRad="63500" dist="35921" dir="2700000" algn="ctr" rotWithShape="0">
+                  <a:schemeClr val="bg2"/>
+                </a:outerShdw>
+              </a:effectLst>
+            </a14:hiddenEffects>
+          </a:ext>
+        </a:extLst>
+      </a:spPr>
+      <a:bodyPr vert="horz" wrap="square" lIns="0" tIns="0" rIns="0" bIns="0" numCol="1" anchor="ctr" anchorCtr="0" compatLnSpc="1">
+        <a:prstTxWarp prst="textNoShape">
+          <a:avLst/>
+        </a:prstTxWarp>
+        <a:spAutoFit/>
+      </a:bodyPr>
+      <a:lstStyle>
+        <a:defPPr marL="0" marR="0" indent="0" algn="ctr" defTabSz="914400" rtl="0" eaLnBrk="0" fontAlgn="base" latinLnBrk="0" hangingPunct="0">
+          <a:lnSpc>
+            <a:spcPct val="100000"/>
+          </a:lnSpc>
+          <a:spcBef>
+            <a:spcPct val="0"/>
+          </a:spcBef>
+          <a:spcAft>
+            <a:spcPct val="0"/>
+          </a:spcAft>
+          <a:buClrTx/>
+          <a:buSzTx/>
+          <a:buFontTx/>
+          <a:buNone/>
+          <a:tabLst/>
+          <a:defRPr kumimoji="0" lang="en-US" sz="2400" b="0" i="0" u="none" strike="noStrike" cap="none" normalizeH="0" baseline="0">
+            <a:ln>
+              <a:noFill/>
+            </a:ln>
+            <a:solidFill>
+              <a:srgbClr val="000000"/>
+            </a:solidFill>
+            <a:effectLst/>
+            <a:latin typeface="Arial" charset="0"/>
+            <a:ea typeface="ＭＳ Ｐゴシック" charset="0"/>
+          </a:defRPr>
+        </a:defPPr>
+      </a:lstStyle>
+    </a:spDef>
+    <a:lnDef>
+      <a:spPr bwMode="auto">
+        <a:xfrm>
+          <a:off x="0" y="0"/>
+          <a:ext cx="1" cy="1"/>
+        </a:xfrm>
+        <a:custGeom>
+          <a:avLst/>
+          <a:gdLst/>
+          <a:ahLst/>
+          <a:cxnLst/>
+          <a:rect l="0" t="0" r="0" b="0"/>
+          <a:pathLst/>
+        </a:custGeom>
+        <a:noFill/>
+        <a:ln w="127000" cap="flat" cmpd="sng" algn="ctr">
+          <a:solidFill>
+            <a:schemeClr val="tx1"/>
+          </a:solidFill>
+          <a:prstDash val="solid"/>
+          <a:round/>
+          <a:headEnd type="none" w="med" len="med"/>
+          <a:tailEnd type="none" w="med" len="med"/>
+        </a:ln>
+        <a:effectLst/>
+        <a:extLst>
+          <a:ext uri="{909E8E84-426E-40dd-AFC4-6F175D3DCCD1}">
+            <a14:hiddenFill xmlns:a14="http://schemas.microsoft.com/office/drawing/2010/main" xmlns="">
+              <a:solidFill>
+                <a:schemeClr val="accent2"/>
+              </a:solidFill>
+            </a14:hiddenFill>
+          </a:ext>
+          <a:ext uri="{AF507438-7753-43e0-B8FC-AC1667EBCBE1}">
+            <a14:hiddenEffects xmlns:a14="http://schemas.microsoft.com/office/drawing/2010/main" xmlns="">
+              <a:effectLst>
+                <a:outerShdw blurRad="63500" dist="35921" dir="2700000" algn="ctr" rotWithShape="0">
+                  <a:schemeClr val="bg2"/>
+                </a:outerShdw>
+              </a:effectLst>
+            </a14:hiddenEffects>
+          </a:ext>
+        </a:extLst>
+      </a:spPr>
+      <a:bodyPr vert="horz" wrap="square" lIns="0" tIns="0" rIns="0" bIns="0" numCol="1" anchor="ctr" anchorCtr="0" compatLnSpc="1">
+        <a:prstTxWarp prst="textNoShape">
+          <a:avLst/>
+        </a:prstTxWarp>
+        <a:spAutoFit/>
+      </a:bodyPr>
+      <a:lstStyle>
+        <a:defPPr marL="0" marR="0" indent="0" algn="ctr" defTabSz="914400" rtl="0" eaLnBrk="0" fontAlgn="base" latinLnBrk="0" hangingPunct="0">
+          <a:lnSpc>
+            <a:spcPct val="100000"/>
+          </a:lnSpc>
+          <a:spcBef>
+            <a:spcPct val="0"/>
+          </a:spcBef>
+          <a:spcAft>
+            <a:spcPct val="0"/>
+          </a:spcAft>
+          <a:buClrTx/>
+          <a:buSzTx/>
+          <a:buFontTx/>
+          <a:buNone/>
+          <a:tabLst/>
+          <a:defRPr kumimoji="0" lang="en-US" sz="2400" b="0" i="0" u="none" strike="noStrike" cap="none" normalizeH="0" baseline="0">
+            <a:ln>
+              <a:noFill/>
+            </a:ln>
+            <a:solidFill>
+              <a:srgbClr val="000000"/>
+            </a:solidFill>
+            <a:effectLst/>
+            <a:latin typeface="Arial" charset="0"/>
+            <a:ea typeface="ＭＳ Ｐゴシック" charset="0"/>
+          </a:defRPr>
+        </a:defPPr>
+      </a:lstStyle>
+    </a:lnDef>
+  </a:objectDefaults>
+  <a:extraClrSchemeLst>
+    <a:extraClrScheme>
+      <a:clrScheme name="Leere Präsentation 1">
+        <a:dk1>
+          <a:srgbClr val="000000"/>
+        </a:dk1>
+        <a:lt1>
+          <a:srgbClr val="FFFFFF"/>
+        </a:lt1>
+        <a:dk2>
+          <a:srgbClr val="0033CC"/>
+        </a:dk2>
+        <a:lt2>
+          <a:srgbClr val="000000"/>
+        </a:lt2>
+        <a:accent1>
+          <a:srgbClr val="3399FF"/>
+        </a:accent1>
+        <a:accent2>
+          <a:srgbClr val="0033CC"/>
+        </a:accent2>
+        <a:accent3>
+          <a:srgbClr val="FFFFFF"/>
+        </a:accent3>
+        <a:accent4>
+          <a:srgbClr val="000000"/>
+        </a:accent4>
+        <a:accent5>
+          <a:srgbClr val="ADCAFF"/>
+        </a:accent5>
+        <a:accent6>
+          <a:srgbClr val="002DB9"/>
+        </a:accent6>
+        <a:hlink>
+          <a:srgbClr val="CC00CC"/>
+        </a:hlink>
+        <a:folHlink>
+          <a:srgbClr val="000000"/>
+        </a:folHlink>
+      </a:clrScheme>
+      <a:clrMap bg1="lt1" tx1="dk1" bg2="lt2" tx2="dk2" accent1="accent1" accent2="accent2" accent3="accent3" accent4="accent4" accent5="accent5" accent6="accent6" hlink="hlink" folHlink="folHlink"/>
+    </a:extraClrScheme>
+    <a:extraClrScheme>
+      <a:clrScheme name="Leere Präsentation 2">
+        <a:dk1>
+          <a:srgbClr val="000000"/>
+        </a:dk1>
+        <a:lt1>
+          <a:srgbClr val="FFFFFF"/>
+        </a:lt1>
+        <a:dk2>
+          <a:srgbClr val="005EAD"/>
+        </a:dk2>
+        <a:lt2>
+          <a:srgbClr val="000000"/>
+        </a:lt2>
+        <a:accent1>
+          <a:srgbClr val="C0C0C0"/>
+        </a:accent1>
+        <a:accent2>
+          <a:srgbClr val="005EAD"/>
+        </a:accent2>
+        <a:accent3>
+          <a:srgbClr val="FFFFFF"/>
+        </a:accent3>
+        <a:accent4>
+          <a:srgbClr val="000000"/>
+        </a:accent4>
+        <a:accent5>
+          <a:srgbClr val="DCDCDC"/>
+        </a:accent5>
+        <a:accent6>
+          <a:srgbClr val="00549C"/>
+        </a:accent6>
+        <a:hlink>
+          <a:srgbClr val="B2B2B2"/>
+        </a:hlink>
+        <a:folHlink>
+          <a:srgbClr val="000000"/>
+        </a:folHlink>
+      </a:clrScheme>
+      <a:clrMap bg1="lt1" tx1="dk1" bg2="lt2" tx2="dk2" accent1="accent1" accent2="accent2" accent3="accent3" accent4="accent4" accent5="accent5" accent6="accent6" hlink="hlink" folHlink="folHlink"/>
+    </a:extraClrScheme>
+  </a:extraClrSchemeLst>
+</a:theme>
+</file>
+
+<file path=ppt/theme/theme2.xml><?xml version="1.0" encoding="utf-8"?>
+<a:theme xmlns:a="http://schemas.openxmlformats.org/drawingml/2006/main" name="2_Leere Präsentation">
   <a:themeElements>
     <a:clrScheme name="Leere Präsentation 2">
       <a:dk1>
@@ -36143,471 +38867,6 @@
 </a:theme>
 </file>
 
-<file path=ppt/theme/theme2.xml><?xml version="1.0" encoding="utf-8"?>
-<a:theme xmlns:a="http://schemas.openxmlformats.org/drawingml/2006/main" name="2_Leere Präsentation">
-  <a:themeElements>
-    <a:clrScheme name="Leere Präsentation 2">
-      <a:dk1>
-        <a:srgbClr val="000000"/>
-      </a:dk1>
-      <a:lt1>
-        <a:srgbClr val="FFFFFF"/>
-      </a:lt1>
-      <a:dk2>
-        <a:srgbClr val="005EAD"/>
-      </a:dk2>
-      <a:lt2>
-        <a:srgbClr val="000000"/>
-      </a:lt2>
-      <a:accent1>
-        <a:srgbClr val="C0C0C0"/>
-      </a:accent1>
-      <a:accent2>
-        <a:srgbClr val="005EAD"/>
-      </a:accent2>
-      <a:accent3>
-        <a:srgbClr val="FFFFFF"/>
-      </a:accent3>
-      <a:accent4>
-        <a:srgbClr val="000000"/>
-      </a:accent4>
-      <a:accent5>
-        <a:srgbClr val="DCDCDC"/>
-      </a:accent5>
-      <a:accent6>
-        <a:srgbClr val="00549C"/>
-      </a:accent6>
-      <a:hlink>
-        <a:srgbClr val="B2B2B2"/>
-      </a:hlink>
-      <a:folHlink>
-        <a:srgbClr val="000000"/>
-      </a:folHlink>
-    </a:clrScheme>
-    <a:fontScheme name="Leere Präsentation">
-      <a:majorFont>
-        <a:latin typeface="Arial"/>
-        <a:ea typeface="ＭＳ Ｐゴシック"/>
-        <a:cs typeface=""/>
-      </a:majorFont>
-      <a:minorFont>
-        <a:latin typeface="Arial"/>
-        <a:ea typeface="ＭＳ Ｐゴシック"/>
-        <a:cs typeface=""/>
-      </a:minorFont>
-    </a:fontScheme>
-    <a:fmtScheme name="Office">
-      <a:fillStyleLst>
-        <a:solidFill>
-          <a:schemeClr val="phClr"/>
-        </a:solidFill>
-        <a:gradFill rotWithShape="1">
-          <a:gsLst>
-            <a:gs pos="0">
-              <a:schemeClr val="phClr">
-                <a:tint val="50000"/>
-                <a:satMod val="300000"/>
-              </a:schemeClr>
-            </a:gs>
-            <a:gs pos="35000">
-              <a:schemeClr val="phClr">
-                <a:tint val="37000"/>
-                <a:satMod val="300000"/>
-              </a:schemeClr>
-            </a:gs>
-            <a:gs pos="100000">
-              <a:schemeClr val="phClr">
-                <a:tint val="15000"/>
-                <a:satMod val="350000"/>
-              </a:schemeClr>
-            </a:gs>
-          </a:gsLst>
-          <a:lin ang="16200000" scaled="1"/>
-        </a:gradFill>
-        <a:gradFill rotWithShape="1">
-          <a:gsLst>
-            <a:gs pos="0">
-              <a:schemeClr val="phClr">
-                <a:tint val="100000"/>
-                <a:shade val="100000"/>
-                <a:satMod val="130000"/>
-              </a:schemeClr>
-            </a:gs>
-            <a:gs pos="100000">
-              <a:schemeClr val="phClr">
-                <a:tint val="50000"/>
-                <a:shade val="100000"/>
-                <a:satMod val="350000"/>
-              </a:schemeClr>
-            </a:gs>
-          </a:gsLst>
-          <a:lin ang="16200000" scaled="0"/>
-        </a:gradFill>
-      </a:fillStyleLst>
-      <a:lnStyleLst>
-        <a:ln w="9525" cap="flat" cmpd="sng" algn="ctr">
-          <a:solidFill>
-            <a:schemeClr val="phClr">
-              <a:shade val="95000"/>
-              <a:satMod val="105000"/>
-            </a:schemeClr>
-          </a:solidFill>
-          <a:prstDash val="solid"/>
-        </a:ln>
-        <a:ln w="25400" cap="flat" cmpd="sng" algn="ctr">
-          <a:solidFill>
-            <a:schemeClr val="phClr"/>
-          </a:solidFill>
-          <a:prstDash val="solid"/>
-        </a:ln>
-        <a:ln w="38100" cap="flat" cmpd="sng" algn="ctr">
-          <a:solidFill>
-            <a:schemeClr val="phClr"/>
-          </a:solidFill>
-          <a:prstDash val="solid"/>
-        </a:ln>
-      </a:lnStyleLst>
-      <a:effectStyleLst>
-        <a:effectStyle>
-          <a:effectLst>
-            <a:outerShdw blurRad="40000" dist="20000" dir="5400000" rotWithShape="0">
-              <a:srgbClr val="000000">
-                <a:alpha val="38000"/>
-              </a:srgbClr>
-            </a:outerShdw>
-          </a:effectLst>
-        </a:effectStyle>
-        <a:effectStyle>
-          <a:effectLst>
-            <a:outerShdw blurRad="40000" dist="23000" dir="5400000" rotWithShape="0">
-              <a:srgbClr val="000000">
-                <a:alpha val="35000"/>
-              </a:srgbClr>
-            </a:outerShdw>
-          </a:effectLst>
-        </a:effectStyle>
-        <a:effectStyle>
-          <a:effectLst>
-            <a:outerShdw blurRad="40000" dist="23000" dir="5400000" rotWithShape="0">
-              <a:srgbClr val="000000">
-                <a:alpha val="35000"/>
-              </a:srgbClr>
-            </a:outerShdw>
-          </a:effectLst>
-          <a:scene3d>
-            <a:camera prst="orthographicFront">
-              <a:rot lat="0" lon="0" rev="0"/>
-            </a:camera>
-            <a:lightRig rig="threePt" dir="t">
-              <a:rot lat="0" lon="0" rev="1200000"/>
-            </a:lightRig>
-          </a:scene3d>
-          <a:sp3d>
-            <a:bevelT w="63500" h="25400"/>
-          </a:sp3d>
-        </a:effectStyle>
-      </a:effectStyleLst>
-      <a:bgFillStyleLst>
-        <a:solidFill>
-          <a:schemeClr val="phClr"/>
-        </a:solidFill>
-        <a:gradFill rotWithShape="1">
-          <a:gsLst>
-            <a:gs pos="0">
-              <a:schemeClr val="phClr">
-                <a:tint val="40000"/>
-                <a:satMod val="350000"/>
-              </a:schemeClr>
-            </a:gs>
-            <a:gs pos="40000">
-              <a:schemeClr val="phClr">
-                <a:tint val="45000"/>
-                <a:shade val="99000"/>
-                <a:satMod val="350000"/>
-              </a:schemeClr>
-            </a:gs>
-            <a:gs pos="100000">
-              <a:schemeClr val="phClr">
-                <a:shade val="20000"/>
-                <a:satMod val="255000"/>
-              </a:schemeClr>
-            </a:gs>
-          </a:gsLst>
-          <a:path path="circle">
-            <a:fillToRect l="50000" t="-80000" r="50000" b="180000"/>
-          </a:path>
-        </a:gradFill>
-        <a:gradFill rotWithShape="1">
-          <a:gsLst>
-            <a:gs pos="0">
-              <a:schemeClr val="phClr">
-                <a:tint val="80000"/>
-                <a:satMod val="300000"/>
-              </a:schemeClr>
-            </a:gs>
-            <a:gs pos="100000">
-              <a:schemeClr val="phClr">
-                <a:shade val="30000"/>
-                <a:satMod val="200000"/>
-              </a:schemeClr>
-            </a:gs>
-          </a:gsLst>
-          <a:path path="circle">
-            <a:fillToRect l="50000" t="50000" r="50000" b="50000"/>
-          </a:path>
-        </a:gradFill>
-      </a:bgFillStyleLst>
-    </a:fmtScheme>
-  </a:themeElements>
-  <a:objectDefaults>
-    <a:spDef>
-      <a:spPr bwMode="auto">
-        <a:xfrm>
-          <a:off x="0" y="0"/>
-          <a:ext cx="1" cy="1"/>
-        </a:xfrm>
-        <a:custGeom>
-          <a:avLst/>
-          <a:gdLst/>
-          <a:ahLst/>
-          <a:cxnLst/>
-          <a:rect l="0" t="0" r="0" b="0"/>
-          <a:pathLst/>
-        </a:custGeom>
-        <a:noFill/>
-        <a:ln w="127000" cap="flat" cmpd="sng" algn="ctr">
-          <a:solidFill>
-            <a:schemeClr val="tx1"/>
-          </a:solidFill>
-          <a:prstDash val="solid"/>
-          <a:round/>
-          <a:headEnd type="none" w="med" len="med"/>
-          <a:tailEnd type="none" w="med" len="med"/>
-        </a:ln>
-        <a:effectLst/>
-        <a:extLst>
-          <a:ext uri="{909E8E84-426E-40dd-AFC4-6F175D3DCCD1}">
-            <a14:hiddenFill xmlns:a14="http://schemas.microsoft.com/office/drawing/2010/main" xmlns="">
-              <a:solidFill>
-                <a:schemeClr val="accent2"/>
-              </a:solidFill>
-            </a14:hiddenFill>
-          </a:ext>
-          <a:ext uri="{AF507438-7753-43e0-B8FC-AC1667EBCBE1}">
-            <a14:hiddenEffects xmlns:a14="http://schemas.microsoft.com/office/drawing/2010/main" xmlns="">
-              <a:effectLst>
-                <a:outerShdw blurRad="63500" dist="35921" dir="2700000" algn="ctr" rotWithShape="0">
-                  <a:schemeClr val="bg2"/>
-                </a:outerShdw>
-              </a:effectLst>
-            </a14:hiddenEffects>
-          </a:ext>
-        </a:extLst>
-      </a:spPr>
-      <a:bodyPr vert="horz" wrap="square" lIns="0" tIns="0" rIns="0" bIns="0" numCol="1" anchor="ctr" anchorCtr="0" compatLnSpc="1">
-        <a:prstTxWarp prst="textNoShape">
-          <a:avLst/>
-        </a:prstTxWarp>
-        <a:spAutoFit/>
-      </a:bodyPr>
-      <a:lstStyle>
-        <a:defPPr marL="0" marR="0" indent="0" algn="ctr" defTabSz="914400" rtl="0" eaLnBrk="0" fontAlgn="base" latinLnBrk="0" hangingPunct="0">
-          <a:lnSpc>
-            <a:spcPct val="100000"/>
-          </a:lnSpc>
-          <a:spcBef>
-            <a:spcPct val="0"/>
-          </a:spcBef>
-          <a:spcAft>
-            <a:spcPct val="0"/>
-          </a:spcAft>
-          <a:buClrTx/>
-          <a:buSzTx/>
-          <a:buFontTx/>
-          <a:buNone/>
-          <a:tabLst/>
-          <a:defRPr kumimoji="0" lang="en-US" sz="2400" b="0" i="0" u="none" strike="noStrike" cap="none" normalizeH="0" baseline="0">
-            <a:ln>
-              <a:noFill/>
-            </a:ln>
-            <a:solidFill>
-              <a:srgbClr val="000000"/>
-            </a:solidFill>
-            <a:effectLst/>
-            <a:latin typeface="Arial" charset="0"/>
-            <a:ea typeface="ＭＳ Ｐゴシック" charset="0"/>
-          </a:defRPr>
-        </a:defPPr>
-      </a:lstStyle>
-    </a:spDef>
-    <a:lnDef>
-      <a:spPr bwMode="auto">
-        <a:xfrm>
-          <a:off x="0" y="0"/>
-          <a:ext cx="1" cy="1"/>
-        </a:xfrm>
-        <a:custGeom>
-          <a:avLst/>
-          <a:gdLst/>
-          <a:ahLst/>
-          <a:cxnLst/>
-          <a:rect l="0" t="0" r="0" b="0"/>
-          <a:pathLst/>
-        </a:custGeom>
-        <a:noFill/>
-        <a:ln w="127000" cap="flat" cmpd="sng" algn="ctr">
-          <a:solidFill>
-            <a:schemeClr val="tx1"/>
-          </a:solidFill>
-          <a:prstDash val="solid"/>
-          <a:round/>
-          <a:headEnd type="none" w="med" len="med"/>
-          <a:tailEnd type="none" w="med" len="med"/>
-        </a:ln>
-        <a:effectLst/>
-        <a:extLst>
-          <a:ext uri="{909E8E84-426E-40dd-AFC4-6F175D3DCCD1}">
-            <a14:hiddenFill xmlns:a14="http://schemas.microsoft.com/office/drawing/2010/main" xmlns="">
-              <a:solidFill>
-                <a:schemeClr val="accent2"/>
-              </a:solidFill>
-            </a14:hiddenFill>
-          </a:ext>
-          <a:ext uri="{AF507438-7753-43e0-B8FC-AC1667EBCBE1}">
-            <a14:hiddenEffects xmlns:a14="http://schemas.microsoft.com/office/drawing/2010/main" xmlns="">
-              <a:effectLst>
-                <a:outerShdw blurRad="63500" dist="35921" dir="2700000" algn="ctr" rotWithShape="0">
-                  <a:schemeClr val="bg2"/>
-                </a:outerShdw>
-              </a:effectLst>
-            </a14:hiddenEffects>
-          </a:ext>
-        </a:extLst>
-      </a:spPr>
-      <a:bodyPr vert="horz" wrap="square" lIns="0" tIns="0" rIns="0" bIns="0" numCol="1" anchor="ctr" anchorCtr="0" compatLnSpc="1">
-        <a:prstTxWarp prst="textNoShape">
-          <a:avLst/>
-        </a:prstTxWarp>
-        <a:spAutoFit/>
-      </a:bodyPr>
-      <a:lstStyle>
-        <a:defPPr marL="0" marR="0" indent="0" algn="ctr" defTabSz="914400" rtl="0" eaLnBrk="0" fontAlgn="base" latinLnBrk="0" hangingPunct="0">
-          <a:lnSpc>
-            <a:spcPct val="100000"/>
-          </a:lnSpc>
-          <a:spcBef>
-            <a:spcPct val="0"/>
-          </a:spcBef>
-          <a:spcAft>
-            <a:spcPct val="0"/>
-          </a:spcAft>
-          <a:buClrTx/>
-          <a:buSzTx/>
-          <a:buFontTx/>
-          <a:buNone/>
-          <a:tabLst/>
-          <a:defRPr kumimoji="0" lang="en-US" sz="2400" b="0" i="0" u="none" strike="noStrike" cap="none" normalizeH="0" baseline="0">
-            <a:ln>
-              <a:noFill/>
-            </a:ln>
-            <a:solidFill>
-              <a:srgbClr val="000000"/>
-            </a:solidFill>
-            <a:effectLst/>
-            <a:latin typeface="Arial" charset="0"/>
-            <a:ea typeface="ＭＳ Ｐゴシック" charset="0"/>
-          </a:defRPr>
-        </a:defPPr>
-      </a:lstStyle>
-    </a:lnDef>
-  </a:objectDefaults>
-  <a:extraClrSchemeLst>
-    <a:extraClrScheme>
-      <a:clrScheme name="Leere Präsentation 1">
-        <a:dk1>
-          <a:srgbClr val="000000"/>
-        </a:dk1>
-        <a:lt1>
-          <a:srgbClr val="FFFFFF"/>
-        </a:lt1>
-        <a:dk2>
-          <a:srgbClr val="0033CC"/>
-        </a:dk2>
-        <a:lt2>
-          <a:srgbClr val="000000"/>
-        </a:lt2>
-        <a:accent1>
-          <a:srgbClr val="3399FF"/>
-        </a:accent1>
-        <a:accent2>
-          <a:srgbClr val="0033CC"/>
-        </a:accent2>
-        <a:accent3>
-          <a:srgbClr val="FFFFFF"/>
-        </a:accent3>
-        <a:accent4>
-          <a:srgbClr val="000000"/>
-        </a:accent4>
-        <a:accent5>
-          <a:srgbClr val="ADCAFF"/>
-        </a:accent5>
-        <a:accent6>
-          <a:srgbClr val="002DB9"/>
-        </a:accent6>
-        <a:hlink>
-          <a:srgbClr val="CC00CC"/>
-        </a:hlink>
-        <a:folHlink>
-          <a:srgbClr val="000000"/>
-        </a:folHlink>
-      </a:clrScheme>
-      <a:clrMap bg1="lt1" tx1="dk1" bg2="lt2" tx2="dk2" accent1="accent1" accent2="accent2" accent3="accent3" accent4="accent4" accent5="accent5" accent6="accent6" hlink="hlink" folHlink="folHlink"/>
-    </a:extraClrScheme>
-    <a:extraClrScheme>
-      <a:clrScheme name="Leere Präsentation 2">
-        <a:dk1>
-          <a:srgbClr val="000000"/>
-        </a:dk1>
-        <a:lt1>
-          <a:srgbClr val="FFFFFF"/>
-        </a:lt1>
-        <a:dk2>
-          <a:srgbClr val="005EAD"/>
-        </a:dk2>
-        <a:lt2>
-          <a:srgbClr val="000000"/>
-        </a:lt2>
-        <a:accent1>
-          <a:srgbClr val="C0C0C0"/>
-        </a:accent1>
-        <a:accent2>
-          <a:srgbClr val="005EAD"/>
-        </a:accent2>
-        <a:accent3>
-          <a:srgbClr val="FFFFFF"/>
-        </a:accent3>
-        <a:accent4>
-          <a:srgbClr val="000000"/>
-        </a:accent4>
-        <a:accent5>
-          <a:srgbClr val="DCDCDC"/>
-        </a:accent5>
-        <a:accent6>
-          <a:srgbClr val="00549C"/>
-        </a:accent6>
-        <a:hlink>
-          <a:srgbClr val="B2B2B2"/>
-        </a:hlink>
-        <a:folHlink>
-          <a:srgbClr val="000000"/>
-        </a:folHlink>
-      </a:clrScheme>
-      <a:clrMap bg1="lt1" tx1="dk1" bg2="lt2" tx2="dk2" accent1="accent1" accent2="accent2" accent3="accent3" accent4="accent4" accent5="accent5" accent6="accent6" hlink="hlink" folHlink="folHlink"/>
-    </a:extraClrScheme>
-  </a:extraClrSchemeLst>
-</a:theme>
-</file>
-
 <file path=ppt/theme/theme3.xml><?xml version="1.0" encoding="utf-8"?>
 <a:theme xmlns:a="http://schemas.openxmlformats.org/drawingml/2006/main" name="1_Leere Präsentation">
   <a:themeElements>
@@ -36852,14 +39111,14 @@
         <a:effectLst/>
         <a:extLst>
           <a:ext uri="{909E8E84-426E-40dd-AFC4-6F175D3DCCD1}">
-            <a14:hiddenFill xmlns:a14="http://schemas.microsoft.com/office/drawing/2010/main" xmlns="">
+            <a14:hiddenFill xmlns="" xmlns:a14="http://schemas.microsoft.com/office/drawing/2010/main">
               <a:solidFill>
                 <a:schemeClr val="accent2"/>
               </a:solidFill>
             </a14:hiddenFill>
           </a:ext>
           <a:ext uri="{AF507438-7753-43e0-B8FC-AC1667EBCBE1}">
-            <a14:hiddenEffects xmlns:a14="http://schemas.microsoft.com/office/drawing/2010/main" xmlns="">
+            <a14:hiddenEffects xmlns="" xmlns:a14="http://schemas.microsoft.com/office/drawing/2010/main">
               <a:effectLst>
                 <a:outerShdw blurRad="63500" dist="35921" dir="2700000" algn="ctr" rotWithShape="0">
                   <a:schemeClr val="bg2"/>
@@ -36932,14 +39191,14 @@
         <a:effectLst/>
         <a:extLst>
           <a:ext uri="{909E8E84-426E-40dd-AFC4-6F175D3DCCD1}">
-            <a14:hiddenFill xmlns:a14="http://schemas.microsoft.com/office/drawing/2010/main" xmlns="">
+            <a14:hiddenFill xmlns="" xmlns:a14="http://schemas.microsoft.com/office/drawing/2010/main">
               <a:solidFill>
                 <a:schemeClr val="accent2"/>
               </a:solidFill>
             </a14:hiddenFill>
           </a:ext>
           <a:ext uri="{AF507438-7753-43e0-B8FC-AC1667EBCBE1}">
-            <a14:hiddenEffects xmlns:a14="http://schemas.microsoft.com/office/drawing/2010/main" xmlns="">
+            <a14:hiddenEffects xmlns="" xmlns:a14="http://schemas.microsoft.com/office/drawing/2010/main">
               <a:effectLst>
                 <a:outerShdw blurRad="63500" dist="35921" dir="2700000" algn="ctr" rotWithShape="0">
                   <a:schemeClr val="bg2"/>
